--- a/Tipos de redes trabalho paulomorgado.pptx
+++ b/Tipos de redes trabalho paulomorgado.pptx
@@ -120,6 +120,11 @@
       </a:defRPr>
     </a:lvl9pPr>
   </p:defaultTextStyle>
+  <p:extLst>
+    <p:ext uri="{EFAFB233-063F-42B5-8137-9DF3F51BA10A}">
+      <p15:sldGuideLst xmlns:p15="http://schemas.microsoft.com/office/powerpoint/2012/main"/>
+    </p:ext>
+  </p:extLst>
 </p:presentation>
 </file>
 
@@ -311,7 +316,7 @@
           <a:p>
             <a:fld id="{159F93C8-DF68-4D47-9A06-28092522EC59}" type="datetimeFigureOut">
               <a:rPr lang="pt-PT" smtClean="0"/>
-              <a:t>18-01-2018</a:t>
+              <a:t>19-01-2018</a:t>
             </a:fld>
             <a:endParaRPr lang="pt-PT"/>
           </a:p>
@@ -649,7 +654,7 @@
           <a:p>
             <a:fld id="{159F93C8-DF68-4D47-9A06-28092522EC59}" type="datetimeFigureOut">
               <a:rPr lang="pt-PT" smtClean="0"/>
-              <a:t>18-01-2018</a:t>
+              <a:t>19-01-2018</a:t>
             </a:fld>
             <a:endParaRPr lang="pt-PT"/>
           </a:p>
@@ -1050,7 +1055,7 @@
           <a:p>
             <a:fld id="{159F93C8-DF68-4D47-9A06-28092522EC59}" type="datetimeFigureOut">
               <a:rPr lang="pt-PT" smtClean="0"/>
-              <a:t>18-01-2018</a:t>
+              <a:t>19-01-2018</a:t>
             </a:fld>
             <a:endParaRPr lang="pt-PT"/>
           </a:p>
@@ -1386,7 +1391,7 @@
           <a:p>
             <a:fld id="{159F93C8-DF68-4D47-9A06-28092522EC59}" type="datetimeFigureOut">
               <a:rPr lang="pt-PT" smtClean="0"/>
-              <a:t>18-01-2018</a:t>
+              <a:t>19-01-2018</a:t>
             </a:fld>
             <a:endParaRPr lang="pt-PT"/>
           </a:p>
@@ -1706,7 +1711,7 @@
           <a:p>
             <a:fld id="{159F93C8-DF68-4D47-9A06-28092522EC59}" type="datetimeFigureOut">
               <a:rPr lang="pt-PT" smtClean="0"/>
-              <a:t>18-01-2018</a:t>
+              <a:t>19-01-2018</a:t>
             </a:fld>
             <a:endParaRPr lang="pt-PT"/>
           </a:p>
@@ -2102,7 +2107,7 @@
           <a:p>
             <a:fld id="{159F93C8-DF68-4D47-9A06-28092522EC59}" type="datetimeFigureOut">
               <a:rPr lang="pt-PT" smtClean="0"/>
-              <a:t>18-01-2018</a:t>
+              <a:t>19-01-2018</a:t>
             </a:fld>
             <a:endParaRPr lang="pt-PT"/>
           </a:p>
@@ -2359,7 +2364,7 @@
           <a:p>
             <a:fld id="{159F93C8-DF68-4D47-9A06-28092522EC59}" type="datetimeFigureOut">
               <a:rPr lang="pt-PT" smtClean="0"/>
-              <a:t>18-01-2018</a:t>
+              <a:t>19-01-2018</a:t>
             </a:fld>
             <a:endParaRPr lang="pt-PT"/>
           </a:p>
@@ -2621,7 +2626,7 @@
           <a:p>
             <a:fld id="{159F93C8-DF68-4D47-9A06-28092522EC59}" type="datetimeFigureOut">
               <a:rPr lang="pt-PT" smtClean="0"/>
-              <a:t>18-01-2018</a:t>
+              <a:t>19-01-2018</a:t>
             </a:fld>
             <a:endParaRPr lang="pt-PT"/>
           </a:p>
@@ -2883,7 +2888,7 @@
           <a:p>
             <a:fld id="{159F93C8-DF68-4D47-9A06-28092522EC59}" type="datetimeFigureOut">
               <a:rPr lang="pt-PT" smtClean="0"/>
-              <a:t>18-01-2018</a:t>
+              <a:t>19-01-2018</a:t>
             </a:fld>
             <a:endParaRPr lang="pt-PT"/>
           </a:p>
@@ -3212,7 +3217,7 @@
           <a:p>
             <a:fld id="{159F93C8-DF68-4D47-9A06-28092522EC59}" type="datetimeFigureOut">
               <a:rPr lang="pt-PT" smtClean="0"/>
-              <a:t>18-01-2018</a:t>
+              <a:t>19-01-2018</a:t>
             </a:fld>
             <a:endParaRPr lang="pt-PT"/>
           </a:p>
@@ -3535,7 +3540,7 @@
           <a:p>
             <a:fld id="{159F93C8-DF68-4D47-9A06-28092522EC59}" type="datetimeFigureOut">
               <a:rPr lang="pt-PT" smtClean="0"/>
-              <a:t>18-01-2018</a:t>
+              <a:t>19-01-2018</a:t>
             </a:fld>
             <a:endParaRPr lang="pt-PT"/>
           </a:p>
@@ -3992,7 +3997,7 @@
           <a:p>
             <a:fld id="{159F93C8-DF68-4D47-9A06-28092522EC59}" type="datetimeFigureOut">
               <a:rPr lang="pt-PT" smtClean="0"/>
-              <a:t>18-01-2018</a:t>
+              <a:t>19-01-2018</a:t>
             </a:fld>
             <a:endParaRPr lang="pt-PT"/>
           </a:p>
@@ -4197,7 +4202,7 @@
           <a:p>
             <a:fld id="{159F93C8-DF68-4D47-9A06-28092522EC59}" type="datetimeFigureOut">
               <a:rPr lang="pt-PT" smtClean="0"/>
-              <a:t>18-01-2018</a:t>
+              <a:t>19-01-2018</a:t>
             </a:fld>
             <a:endParaRPr lang="pt-PT"/>
           </a:p>
@@ -4374,7 +4379,7 @@
           <a:p>
             <a:fld id="{159F93C8-DF68-4D47-9A06-28092522EC59}" type="datetimeFigureOut">
               <a:rPr lang="pt-PT" smtClean="0"/>
-              <a:t>18-01-2018</a:t>
+              <a:t>19-01-2018</a:t>
             </a:fld>
             <a:endParaRPr lang="pt-PT"/>
           </a:p>
@@ -4707,7 +4712,7 @@
           <a:p>
             <a:fld id="{159F93C8-DF68-4D47-9A06-28092522EC59}" type="datetimeFigureOut">
               <a:rPr lang="pt-PT" smtClean="0"/>
-              <a:t>18-01-2018</a:t>
+              <a:t>19-01-2018</a:t>
             </a:fld>
             <a:endParaRPr lang="pt-PT"/>
           </a:p>
@@ -5052,7 +5057,7 @@
           <a:p>
             <a:fld id="{159F93C8-DF68-4D47-9A06-28092522EC59}" type="datetimeFigureOut">
               <a:rPr lang="pt-PT" smtClean="0"/>
-              <a:t>18-01-2018</a:t>
+              <a:t>19-01-2018</a:t>
             </a:fld>
             <a:endParaRPr lang="pt-PT"/>
           </a:p>
@@ -7169,7 +7174,7 @@
           <a:p>
             <a:fld id="{159F93C8-DF68-4D47-9A06-28092522EC59}" type="datetimeFigureOut">
               <a:rPr lang="pt-PT" smtClean="0"/>
-              <a:t>18-01-2018</a:t>
+              <a:t>19-01-2018</a:t>
             </a:fld>
             <a:endParaRPr lang="pt-PT"/>
           </a:p>
@@ -7697,7 +7702,12 @@
             <p:ph type="ctrTitle"/>
           </p:nvPr>
         </p:nvSpPr>
-        <p:spPr/>
+        <p:spPr>
+          <a:xfrm>
+            <a:off x="2169665" y="4282034"/>
+            <a:ext cx="5306900" cy="990689"/>
+          </a:xfrm>
+        </p:spPr>
         <p:txBody>
           <a:bodyPr/>
           <a:lstStyle/>
@@ -7710,22 +7720,64 @@
           </a:p>
         </p:txBody>
       </p:sp>
-      <p:sp>
-        <p:nvSpPr>
-          <p:cNvPr id="3" name="Subtítulo 2"/>
-          <p:cNvSpPr>
-            <a:spLocks noGrp="1"/>
+      <p:pic>
+        <p:nvPicPr>
+          <p:cNvPr id="5" name="Imagem 4"/>
+          <p:cNvPicPr>
+            <a:picLocks noChangeAspect="1"/>
+          </p:cNvPicPr>
+          <p:nvPr/>
+        </p:nvPicPr>
+        <p:blipFill>
+          <a:blip r:embed="rId2"/>
+          <a:stretch>
+            <a:fillRect/>
+          </a:stretch>
+        </p:blipFill>
+        <p:spPr>
+          <a:xfrm>
+            <a:off x="2589213" y="432675"/>
+            <a:ext cx="4177496" cy="3129090"/>
+          </a:xfrm>
+          <a:prstGeom prst="rect">
+            <a:avLst/>
+          </a:prstGeom>
+        </p:spPr>
+      </p:pic>
+      <p:sp>
+        <p:nvSpPr>
+          <p:cNvPr id="4" name="AutoShape 2" descr="Resultado de imagem para tipos rede"/>
+          <p:cNvSpPr>
+            <a:spLocks noGrp="1" noChangeAspect="1" noChangeArrowheads="1"/>
           </p:cNvSpPr>
           <p:nvPr>
             <p:ph type="subTitle" idx="1"/>
           </p:nvPr>
         </p:nvSpPr>
-        <p:spPr/>
-        <p:txBody>
-          <a:bodyPr/>
+        <p:spPr bwMode="auto">
+          <a:prstGeom prst="rect">
+            <a:avLst/>
+          </a:prstGeom>
+          <a:noFill/>
+          <a:extLst>
+            <a:ext uri="{909E8E84-426E-40DD-AFC4-6F175D3DCCD1}">
+              <a14:hiddenFill xmlns:a14="http://schemas.microsoft.com/office/drawing/2010/main">
+                <a:solidFill>
+                  <a:srgbClr val="FFFFFF"/>
+                </a:solidFill>
+              </a14:hiddenFill>
+            </a:ext>
+          </a:extLst>
+        </p:spPr>
+        <p:txBody>
+          <a:bodyPr vert="horz" wrap="square" lIns="91440" tIns="45720" rIns="91440" bIns="45720" numCol="1" anchor="t" anchorCtr="0" compatLnSpc="1">
+            <a:prstTxWarp prst="textNoShape">
+              <a:avLst/>
+            </a:prstTxWarp>
+          </a:bodyPr>
           <a:lstStyle/>
           <a:p>
-            <a:endParaRPr lang="pt-PT"/>
+            <a:endParaRPr lang="pt-PT" dirty="0"/>
           </a:p>
         </p:txBody>
       </p:sp>
@@ -7811,15 +7863,7 @@
           <a:p>
             <a:r>
               <a:rPr lang="pt-PT" dirty="0"/>
-              <a:t>Categoria 2: Outro tipo de cabo obsoleto. Permite transmissão de dados a até 2.5 megabits e era usado nas antigas redes </a:t>
-            </a:r>
-            <a:r>
-              <a:rPr lang="pt-PT" dirty="0" err="1"/>
-              <a:t>Arcnet</a:t>
-            </a:r>
-            <a:r>
-              <a:rPr lang="pt-PT" dirty="0"/>
-              <a:t>.</a:t>
+              <a:t>Categoria 2: Outro tipo de cabo obsoleto. Permite transmissão de dados a até 2.5 megabits e era usado nas antigas redes Arcnet.</a:t>
             </a:r>
           </a:p>
           <a:p>
@@ -8184,96 +8228,48 @@
           <a:p>
             <a:r>
               <a:rPr lang="pt-PT" dirty="0"/>
-              <a:t>A redes de área alargada ("</a:t>
-            </a:r>
-            <a:r>
-              <a:rPr lang="pt-PT" dirty="0" err="1"/>
-              <a:t>Wide</a:t>
+              <a:t>A redes de área alargada ("Wide </a:t>
+            </a:r>
+            <a:r>
+              <a:rPr lang="pt-PT" dirty="0" smtClean="0"/>
+              <a:t>Área </a:t>
             </a:r>
             <a:r>
               <a:rPr lang="pt-PT" dirty="0"/>
-              <a:t> </a:t>
-            </a:r>
-            <a:r>
-              <a:rPr lang="pt-PT" dirty="0" err="1"/>
-              <a:t>Area</a:t>
+              <a:t>Network") têm a dimensão correspondente a países, continentes ou vários continentes. São na realidade </a:t>
+            </a:r>
+            <a:r>
+              <a:rPr lang="pt-PT" dirty="0" smtClean="0"/>
+              <a:t>constituídas </a:t>
             </a:r>
             <a:r>
               <a:rPr lang="pt-PT" dirty="0"/>
-              <a:t> Network") têm a dimensão correspondente a países, continentes ou vários continentes. São na realidade </a:t>
-            </a:r>
-            <a:r>
-              <a:rPr lang="pt-PT" dirty="0" err="1"/>
-              <a:t>constituidas</a:t>
+              <a:t>por </a:t>
+            </a:r>
+            <a:r>
+              <a:rPr lang="pt-PT" dirty="0" smtClean="0"/>
+              <a:t>múltiplas </a:t>
             </a:r>
             <a:r>
               <a:rPr lang="pt-PT" dirty="0"/>
-              <a:t> por </a:t>
-            </a:r>
-            <a:r>
-              <a:rPr lang="pt-PT" dirty="0" err="1"/>
-              <a:t>multiplas</a:t>
-            </a:r>
+              <a:t>redes interligadas, por exemplo LANs e MANs. O exemplo mais divulgado é a "internet". Dada a sua dimensão e uma vez que englobam LANs e WANs, as tecnologias usadas para a transmissão dos dados são as mais diversas, contudo para que as trocas de informação se processem é necessário um elo comum assente sobre essa tecnologia heterogénea. Esse elo comum é o protocolo de rede.</a:t>
+            </a:r>
+          </a:p>
+          <a:p>
+            <a:endParaRPr lang="pt-PT" dirty="0"/>
+          </a:p>
+          <a:p>
             <a:r>
               <a:rPr lang="pt-PT" dirty="0"/>
-              <a:t> redes interligadas, por exemplo </a:t>
-            </a:r>
-            <a:r>
-              <a:rPr lang="pt-PT" dirty="0" err="1"/>
-              <a:t>LANs</a:t>
+              <a:t>A interligação ("internetworking") de redes de diferentes tecnologias é assegurada por dispositivos conhecidos por "routers" (encaminhadores). Um "router" possui tipicamente ligação física a duas ou mais redes, recebendo dados de uma rede para os colocar na outra rede. Uma exemplo </a:t>
+            </a:r>
+            <a:r>
+              <a:rPr lang="pt-PT" dirty="0" smtClean="0"/>
+              <a:t>típico </a:t>
             </a:r>
             <a:r>
               <a:rPr lang="pt-PT" dirty="0"/>
-              <a:t> e </a:t>
-            </a:r>
-            <a:r>
-              <a:rPr lang="pt-PT" dirty="0" err="1"/>
-              <a:t>MANs</a:t>
-            </a:r>
-            <a:r>
-              <a:rPr lang="pt-PT" dirty="0"/>
-              <a:t>. O exemplo mais divulgado é a "internet". Dada a sua dimensão e uma vez que englobam </a:t>
-            </a:r>
-            <a:r>
-              <a:rPr lang="pt-PT" dirty="0" err="1"/>
-              <a:t>LANs</a:t>
-            </a:r>
-            <a:r>
-              <a:rPr lang="pt-PT" dirty="0"/>
-              <a:t> e </a:t>
-            </a:r>
-            <a:r>
-              <a:rPr lang="pt-PT" dirty="0" err="1"/>
-              <a:t>WANs</a:t>
-            </a:r>
-            <a:r>
-              <a:rPr lang="pt-PT" dirty="0"/>
-              <a:t>, as tecnologias usadas para a transmissão dos dados são as mais diversas, contudo para que as trocas de informação se processem é necessário um elo comum assente sobre essa tecnologia heterogénea. Esse elo comum é o protocolo de rede.</a:t>
-            </a:r>
-          </a:p>
-          <a:p>
-            <a:endParaRPr lang="pt-PT" dirty="0"/>
-          </a:p>
-          <a:p>
-            <a:r>
-              <a:rPr lang="pt-PT" dirty="0"/>
-              <a:t>A interligação ("</a:t>
-            </a:r>
-            <a:r>
-              <a:rPr lang="pt-PT" dirty="0" err="1"/>
-              <a:t>internetworking</a:t>
-            </a:r>
-            <a:r>
-              <a:rPr lang="pt-PT" dirty="0"/>
-              <a:t>") de redes de diferentes tecnologias é assegurada por dispositivos conhecidos por "routers" (encaminhadores). Um "router" possui tipicamente ligação física a duas ou mais redes, recebendo dados de uma rede para os colocar na outra rede. Uma exemplo </a:t>
-            </a:r>
-            <a:r>
-              <a:rPr lang="pt-PT" dirty="0" err="1"/>
-              <a:t>tipico</a:t>
-            </a:r>
-            <a:r>
-              <a:rPr lang="pt-PT" dirty="0"/>
-              <a:t> é a ligação de uma rede "Ethernet" a uma rede ponto-a-ponto.</a:t>
+              <a:t>é a ligação de uma rede "Ethernet" a uma rede ponto-a-ponto.</a:t>
             </a:r>
           </a:p>
           <a:p>
@@ -8371,88 +8367,61 @@
           <a:p>
             <a:r>
               <a:rPr lang="pt-PT" dirty="0"/>
-              <a:t>Uma "Local </a:t>
-            </a:r>
-            <a:r>
-              <a:rPr lang="pt-PT" dirty="0" err="1"/>
-              <a:t>Area</a:t>
+              <a:t>Uma "Local Area Network" caracteriza-se por ocupar uma área limitada, no máximo um </a:t>
+            </a:r>
+            <a:r>
+              <a:rPr lang="pt-PT" dirty="0" smtClean="0"/>
+              <a:t>edifício, </a:t>
             </a:r>
             <a:r>
               <a:rPr lang="pt-PT" dirty="0"/>
-              <a:t> Network" caracteriza-se por ocupar uma área limitada, no máximo um </a:t>
-            </a:r>
-            <a:r>
-              <a:rPr lang="pt-PT" dirty="0" err="1"/>
-              <a:t>edificio</a:t>
+              <a:t>ou alguns </a:t>
+            </a:r>
+            <a:r>
+              <a:rPr lang="pt-PT" dirty="0" smtClean="0"/>
+              <a:t>edifícios </a:t>
             </a:r>
             <a:r>
               <a:rPr lang="pt-PT" dirty="0"/>
-              <a:t>, ou alguns </a:t>
-            </a:r>
-            <a:r>
-              <a:rPr lang="pt-PT" dirty="0" err="1"/>
-              <a:t>edificios</a:t>
+              <a:t>próximos, muitas vezes limitam-se a apenas um piso de um </a:t>
+            </a:r>
+            <a:r>
+              <a:rPr lang="pt-PT" dirty="0" smtClean="0"/>
+              <a:t>edifício, </a:t>
             </a:r>
             <a:r>
               <a:rPr lang="pt-PT" dirty="0"/>
-              <a:t> próximos, muitas vezes limitam-se a apenas um piso de um </a:t>
-            </a:r>
-            <a:r>
-              <a:rPr lang="pt-PT" dirty="0" err="1"/>
-              <a:t>edificio</a:t>
+              <a:t>um conjunto de salas, ou até uma única sala. São redes de débito medio ou alto (desde 10 Mbps até 1 Gbps, sendo </a:t>
+            </a:r>
+            <a:r>
+              <a:rPr lang="pt-PT" dirty="0" smtClean="0"/>
+              <a:t>atualmente </a:t>
             </a:r>
             <a:r>
               <a:rPr lang="pt-PT" dirty="0"/>
-              <a:t>, um conjunto de salas, ou até uma única sala. São redes de débito medio ou alto (desde 10 Mbps até 1 </a:t>
-            </a:r>
-            <a:r>
-              <a:rPr lang="pt-PT" dirty="0" err="1"/>
-              <a:t>Gbps</a:t>
+              <a:t>o valor de 100 Mbps o mais comum). A tecnologia mais divulgada é o </a:t>
+            </a:r>
+            <a:r>
+              <a:rPr lang="pt-PT" dirty="0" smtClean="0"/>
+              <a:t>"Ethernet", </a:t>
             </a:r>
             <a:r>
               <a:rPr lang="pt-PT" dirty="0"/>
-              <a:t>, sendo </a:t>
-            </a:r>
-            <a:r>
-              <a:rPr lang="pt-PT" dirty="0" err="1"/>
-              <a:t>actualmente</a:t>
+              <a:t>ainda em "broadcast", ou usando já "comutação". Existe um conjunto de serviços e protocolos que são </a:t>
+            </a:r>
+            <a:r>
+              <a:rPr lang="pt-PT" dirty="0" smtClean="0"/>
+              <a:t>característicos </a:t>
             </a:r>
             <a:r>
               <a:rPr lang="pt-PT" dirty="0"/>
-              <a:t> o valor de 100 Mbps o mais comum). A tecnologia mais divulgada é o "</a:t>
-            </a:r>
-            <a:r>
-              <a:rPr lang="pt-PT" dirty="0" err="1"/>
-              <a:t>ethernet</a:t>
-            </a:r>
-            <a:r>
-              <a:rPr lang="pt-PT" dirty="0"/>
-              <a:t>", ainda em "</a:t>
-            </a:r>
-            <a:r>
-              <a:rPr lang="pt-PT" dirty="0" err="1"/>
-              <a:t>broadcast</a:t>
-            </a:r>
-            <a:r>
-              <a:rPr lang="pt-PT" dirty="0"/>
-              <a:t>", ou usando já "comutação". Existe um conjunto de serviços e protocolos que são </a:t>
-            </a:r>
-            <a:r>
-              <a:rPr lang="pt-PT" dirty="0" err="1"/>
-              <a:t>caracteristicos</a:t>
-            </a:r>
-            <a:r>
-              <a:rPr lang="pt-PT" dirty="0"/>
-              <a:t> das redes locais e que fazem parte da definição de rede </a:t>
-            </a:r>
-            <a:r>
-              <a:rPr lang="pt-PT" dirty="0" err="1"/>
-              <a:t>coorporativa</a:t>
-            </a:r>
-            <a:r>
-              <a:rPr lang="pt-PT" dirty="0"/>
-              <a:t>.</a:t>
-            </a:r>
+              <a:t>das redes locais e que fazem parte da definição de rede </a:t>
+            </a:r>
+            <a:r>
+              <a:rPr lang="pt-PT" dirty="0" smtClean="0"/>
+              <a:t>corporativa.</a:t>
+            </a:r>
+            <a:endParaRPr lang="pt-PT" dirty="0"/>
           </a:p>
           <a:p>
             <a:endParaRPr lang="pt-PT" dirty="0"/>
@@ -8546,64 +8515,32 @@
           <a:p>
             <a:r>
               <a:rPr lang="pt-PT" dirty="0"/>
-              <a:t>Uma "</a:t>
-            </a:r>
-            <a:r>
-              <a:rPr lang="pt-PT" dirty="0" err="1"/>
-              <a:t>Metropolitan</a:t>
+              <a:t>Uma "Metropolitan Area Network" é basicamente uma WAN, cuja dimensão é reduzida, geralmente também assegura a interligação de redes locais. A área abrangida corresponde no máximo a uma cidade. São usadas por exemplo para interligar vários </a:t>
+            </a:r>
+            <a:r>
+              <a:rPr lang="pt-PT" dirty="0" smtClean="0"/>
+              <a:t>edifícios </a:t>
             </a:r>
             <a:r>
               <a:rPr lang="pt-PT" dirty="0"/>
-              <a:t> </a:t>
-            </a:r>
-            <a:r>
-              <a:rPr lang="pt-PT" dirty="0" err="1"/>
-              <a:t>Area</a:t>
-            </a:r>
+              <a:t>afins dispersos numa cidade.</a:t>
+            </a:r>
+          </a:p>
+          <a:p>
+            <a:endParaRPr lang="pt-PT" dirty="0"/>
+          </a:p>
+          <a:p>
             <a:r>
               <a:rPr lang="pt-PT" dirty="0"/>
-              <a:t> Network" é basicamente uma WAN, cuja dimensão é reduzida, geralmente também assegura a interligação de redes locais. A área abrangida corresponde no máximo a uma cidade. São usadas por exemplo para interligar vários </a:t>
-            </a:r>
-            <a:r>
-              <a:rPr lang="pt-PT" dirty="0" err="1"/>
-              <a:t>edificos</a:t>
+              <a:t>A tecnologia empregue pode incluir redes ponto-a-ponto ou usar meios que permitem um débito mais elevado como FDDI, ATM, DQDB ("Distributed Queue Dual Bus") ou até mesmo Gigabit </a:t>
+            </a:r>
+            <a:r>
+              <a:rPr lang="pt-PT" dirty="0" smtClean="0"/>
+              <a:t>Ethernet. </a:t>
             </a:r>
             <a:r>
               <a:rPr lang="pt-PT" dirty="0"/>
-              <a:t> afins dispersos numa cidade.</a:t>
-            </a:r>
-          </a:p>
-          <a:p>
-            <a:endParaRPr lang="pt-PT" dirty="0"/>
-          </a:p>
-          <a:p>
-            <a:r>
-              <a:rPr lang="pt-PT" dirty="0"/>
-              <a:t>A tecnologia empregue pode incluir redes ponto-a-ponto ou usar meios que permitem um débito mais elevado como FDDI, ATM, DQDB ("</a:t>
-            </a:r>
-            <a:r>
-              <a:rPr lang="pt-PT" dirty="0" err="1"/>
-              <a:t>Distributed</a:t>
-            </a:r>
-            <a:r>
-              <a:rPr lang="pt-PT" dirty="0"/>
-              <a:t> </a:t>
-            </a:r>
-            <a:r>
-              <a:rPr lang="pt-PT" dirty="0" err="1"/>
-              <a:t>Queue</a:t>
-            </a:r>
-            <a:r>
-              <a:rPr lang="pt-PT" dirty="0"/>
-              <a:t> Dual Bus") ou até mesmo Gigabit </a:t>
-            </a:r>
-            <a:r>
-              <a:rPr lang="pt-PT" dirty="0" err="1"/>
-              <a:t>Ehernet</a:t>
-            </a:r>
-            <a:r>
-              <a:rPr lang="pt-PT" dirty="0"/>
-              <a:t>. Uma vez que as redes de área metropolitana (tal como as WAN) envolvem a utilização de espaços públicos, apenas podem ser instaladas por empresas licenciadas pelo estado, sendo a tecnologia de eleição o ATM. Os únicos casos em que é possível realizar interligações através de espaços públicos é usando micro-ondas rádio ou laser, mesmos nestes casos existem restrições quanto a potência de emissão.</a:t>
+              <a:t>Uma vez que as redes de área metropolitana (tal como as WAN) envolvem a utilização de espaços públicos, apenas podem ser instaladas por empresas licenciadas pelo estado, sendo a tecnologia de eleição o ATM. Os únicos casos em que é possível realizar interligações através de espaços públicos é usando micro-ondas rádio ou laser, mesmos nestes casos existem restrições quanto a potência de emissão.</a:t>
             </a:r>
           </a:p>
           <a:p>
@@ -8615,12 +8552,12 @@
               <a:t>Um exemplo de MAN </a:t>
             </a:r>
             <a:r>
-              <a:rPr lang="pt-PT" dirty="0" err="1"/>
-              <a:t>actual</a:t>
+              <a:rPr lang="pt-PT" dirty="0" smtClean="0"/>
+              <a:t>atual </a:t>
             </a:r>
             <a:r>
               <a:rPr lang="pt-PT" dirty="0"/>
-              <a:t> e bastante conhecido entre o público geral é a "net-cabo".</a:t>
+              <a:t>e bastante conhecido entre o público geral é a "net-cabo".</a:t>
             </a:r>
           </a:p>
         </p:txBody>
@@ -8741,18 +8678,18 @@
               <a:t>São todos os equipamentos geradores, recetores de códigos ou conversor de sinais </a:t>
             </a:r>
             <a:r>
-              <a:rPr lang="pt-PT" sz="1400" dirty="0" err="1">
-                <a:latin typeface="Arial" panose="020B0604020202020204" pitchFamily="34" charset="0"/>
-                <a:cs typeface="Arial" panose="020B0604020202020204" pitchFamily="34" charset="0"/>
-              </a:rPr>
-              <a:t>eléctricos</a:t>
+              <a:rPr lang="pt-PT" sz="1400" dirty="0" smtClean="0">
+                <a:latin typeface="Arial" panose="020B0604020202020204" pitchFamily="34" charset="0"/>
+                <a:cs typeface="Arial" panose="020B0604020202020204" pitchFamily="34" charset="0"/>
+              </a:rPr>
+              <a:t>elétricos </a:t>
             </a:r>
             <a:r>
               <a:rPr lang="pt-PT" sz="1400" dirty="0">
                 <a:latin typeface="Arial" panose="020B0604020202020204" pitchFamily="34" charset="0"/>
                 <a:cs typeface="Arial" panose="020B0604020202020204" pitchFamily="34" charset="0"/>
               </a:rPr>
-              <a:t> ou óticos.</a:t>
+              <a:t>ou óticos.</a:t>
             </a:r>
           </a:p>
           <a:p>
@@ -8776,21 +8713,12 @@
               <a:t>- Firewall (no caso de se tratar de uma firewall </a:t>
             </a:r>
             <a:r>
-              <a:rPr lang="pt-PT" sz="1400" dirty="0" err="1">
-                <a:latin typeface="Arial" panose="020B0604020202020204" pitchFamily="34" charset="0"/>
-                <a:cs typeface="Arial" panose="020B0604020202020204" pitchFamily="34" charset="0"/>
-              </a:rPr>
-              <a:t>fisica</a:t>
-            </a:r>
-            <a:r>
-              <a:rPr lang="pt-PT" sz="1400" dirty="0">
-                <a:latin typeface="Arial" panose="020B0604020202020204" pitchFamily="34" charset="0"/>
-                <a:cs typeface="Arial" panose="020B0604020202020204" pitchFamily="34" charset="0"/>
-              </a:rPr>
-              <a:t>)</a:t>
-            </a:r>
-          </a:p>
-          <a:p>
+              <a:rPr lang="pt-PT" sz="1400" dirty="0" smtClean="0">
+                <a:latin typeface="Arial" panose="020B0604020202020204" pitchFamily="34" charset="0"/>
+                <a:cs typeface="Arial" panose="020B0604020202020204" pitchFamily="34" charset="0"/>
+              </a:rPr>
+              <a:t>física)</a:t>
+            </a:r>
             <a:endParaRPr lang="pt-PT" sz="1400" dirty="0">
               <a:latin typeface="Arial" panose="020B0604020202020204" pitchFamily="34" charset="0"/>
               <a:cs typeface="Arial" panose="020B0604020202020204" pitchFamily="34" charset="0"/>
@@ -8803,45 +8731,40 @@
             </a:endParaRPr>
           </a:p>
           <a:p>
-            <a:r>
-              <a:rPr lang="pt-PT" sz="1400" dirty="0">
-                <a:latin typeface="Arial" panose="020B0604020202020204" pitchFamily="34" charset="0"/>
-                <a:cs typeface="Arial" panose="020B0604020202020204" pitchFamily="34" charset="0"/>
-              </a:rPr>
-              <a:t>- Routers</a:t>
-            </a:r>
-          </a:p>
-          <a:p>
             <a:endParaRPr lang="pt-PT" sz="1400" dirty="0">
               <a:latin typeface="Arial" panose="020B0604020202020204" pitchFamily="34" charset="0"/>
               <a:cs typeface="Arial" panose="020B0604020202020204" pitchFamily="34" charset="0"/>
             </a:endParaRPr>
           </a:p>
           <a:p>
+            <a:r>
+              <a:rPr lang="pt-PT" sz="1400" dirty="0">
+                <a:latin typeface="Arial" panose="020B0604020202020204" pitchFamily="34" charset="0"/>
+                <a:cs typeface="Arial" panose="020B0604020202020204" pitchFamily="34" charset="0"/>
+              </a:rPr>
+              <a:t>- Routers</a:t>
+            </a:r>
+          </a:p>
+          <a:p>
             <a:endParaRPr lang="pt-PT" sz="1400" dirty="0">
               <a:latin typeface="Arial" panose="020B0604020202020204" pitchFamily="34" charset="0"/>
               <a:cs typeface="Arial" panose="020B0604020202020204" pitchFamily="34" charset="0"/>
             </a:endParaRPr>
           </a:p>
           <a:p>
-            <a:r>
-              <a:rPr lang="pt-PT" sz="1400" dirty="0">
-                <a:latin typeface="Arial" panose="020B0604020202020204" pitchFamily="34" charset="0"/>
-                <a:cs typeface="Arial" panose="020B0604020202020204" pitchFamily="34" charset="0"/>
-              </a:rPr>
-              <a:t>- </a:t>
-            </a:r>
-            <a:r>
-              <a:rPr lang="pt-PT" sz="1400" dirty="0" err="1">
-                <a:latin typeface="Arial" panose="020B0604020202020204" pitchFamily="34" charset="0"/>
-                <a:cs typeface="Arial" panose="020B0604020202020204" pitchFamily="34" charset="0"/>
-              </a:rPr>
-              <a:t>Hubs</a:t>
-            </a:r>
             <a:endParaRPr lang="pt-PT" sz="1400" dirty="0">
               <a:latin typeface="Arial" panose="020B0604020202020204" pitchFamily="34" charset="0"/>
               <a:cs typeface="Arial" panose="020B0604020202020204" pitchFamily="34" charset="0"/>
             </a:endParaRPr>
+          </a:p>
+          <a:p>
+            <a:r>
+              <a:rPr lang="pt-PT" sz="1400" dirty="0">
+                <a:latin typeface="Arial" panose="020B0604020202020204" pitchFamily="34" charset="0"/>
+                <a:cs typeface="Arial" panose="020B0604020202020204" pitchFamily="34" charset="0"/>
+              </a:rPr>
+              <a:t>- Hubs</a:t>
+            </a:r>
           </a:p>
           <a:p>
             <a:endParaRPr lang="pt-PT" sz="1400" dirty="0">
@@ -8970,8 +8893,8 @@
         </p:nvSpPr>
         <p:spPr>
           <a:xfrm>
-            <a:off x="2008300" y="1264555"/>
-            <a:ext cx="8915400" cy="6644641"/>
+            <a:off x="2008300" y="1264556"/>
+            <a:ext cx="8915400" cy="5593444"/>
           </a:xfrm>
         </p:spPr>
         <p:txBody>
@@ -9006,13 +8929,8 @@
           <a:p>
             <a:r>
               <a:rPr lang="pt-PT" sz="1400" dirty="0"/>
-              <a:t>- </a:t>
-            </a:r>
-            <a:r>
-              <a:rPr lang="pt-PT" sz="1400" dirty="0" err="1"/>
-              <a:t>Ups</a:t>
-            </a:r>
-            <a:endParaRPr lang="pt-PT" sz="1400" dirty="0"/>
+              <a:t>- Ups</a:t>
+            </a:r>
           </a:p>
           <a:p>
             <a:endParaRPr lang="pt-PT" sz="1400" dirty="0"/>
@@ -9168,6 +9086,30 @@
           </a:p>
         </p:txBody>
       </p:sp>
+      <p:pic>
+        <p:nvPicPr>
+          <p:cNvPr id="5" name="Imagem 4"/>
+          <p:cNvPicPr>
+            <a:picLocks noChangeAspect="1"/>
+          </p:cNvPicPr>
+          <p:nvPr/>
+        </p:nvPicPr>
+        <p:blipFill>
+          <a:blip r:embed="rId2"/>
+          <a:stretch>
+            <a:fillRect/>
+          </a:stretch>
+        </p:blipFill>
+        <p:spPr>
+          <a:xfrm>
+            <a:off x="3689872" y="2894036"/>
+            <a:ext cx="5507915" cy="3440159"/>
+          </a:xfrm>
+          <a:prstGeom prst="rect">
+            <a:avLst/>
+          </a:prstGeom>
+        </p:spPr>
+      </p:pic>
     </p:spTree>
     <p:extLst>
       <p:ext uri="{BB962C8B-B14F-4D97-AF65-F5344CB8AC3E}">
@@ -10015,63 +9957,21 @@
                 <a:latin typeface="Arial" panose="020B0604020202020204" pitchFamily="34" charset="0"/>
                 <a:cs typeface="Arial" panose="020B0604020202020204" pitchFamily="34" charset="0"/>
               </a:rPr>
-              <a:t>equipamentos para internet de banda larga como </a:t>
+              <a:t>equipamentos para internet de banda larga como ADSLe Televisão por cabo, para ligar a placa de rede aos Hubs, </a:t>
             </a:r>
             <a:r>
               <a:rPr lang="pt-PT" sz="4300" dirty="0" err="1">
                 <a:latin typeface="Arial" panose="020B0604020202020204" pitchFamily="34" charset="0"/>
                 <a:cs typeface="Arial" panose="020B0604020202020204" pitchFamily="34" charset="0"/>
               </a:rPr>
-              <a:t>ADSLe</a:t>
+              <a:t>Switch</a:t>
             </a:r>
             <a:r>
               <a:rPr lang="pt-PT" sz="4300" dirty="0">
                 <a:latin typeface="Arial" panose="020B0604020202020204" pitchFamily="34" charset="0"/>
                 <a:cs typeface="Arial" panose="020B0604020202020204" pitchFamily="34" charset="0"/>
               </a:rPr>
-              <a:t> Televisão por cabo, para ligar a placa de rede aos </a:t>
-            </a:r>
-            <a:r>
-              <a:rPr lang="pt-PT" sz="4300" dirty="0" err="1">
-                <a:latin typeface="Arial" panose="020B0604020202020204" pitchFamily="34" charset="0"/>
-                <a:cs typeface="Arial" panose="020B0604020202020204" pitchFamily="34" charset="0"/>
-              </a:rPr>
-              <a:t>Hubs</a:t>
-            </a:r>
-            <a:r>
-              <a:rPr lang="pt-PT" sz="4300" dirty="0">
-                <a:latin typeface="Arial" panose="020B0604020202020204" pitchFamily="34" charset="0"/>
-                <a:cs typeface="Arial" panose="020B0604020202020204" pitchFamily="34" charset="0"/>
-              </a:rPr>
-              <a:t>, </a:t>
-            </a:r>
-            <a:r>
-              <a:rPr lang="pt-PT" sz="4300" dirty="0" err="1">
-                <a:latin typeface="Arial" panose="020B0604020202020204" pitchFamily="34" charset="0"/>
-                <a:cs typeface="Arial" panose="020B0604020202020204" pitchFamily="34" charset="0"/>
-              </a:rPr>
-              <a:t>Switch</a:t>
-            </a:r>
-            <a:r>
-              <a:rPr lang="pt-PT" sz="4300" dirty="0">
-                <a:latin typeface="Arial" panose="020B0604020202020204" pitchFamily="34" charset="0"/>
-                <a:cs typeface="Arial" panose="020B0604020202020204" pitchFamily="34" charset="0"/>
-              </a:rPr>
-              <a:t> ou </a:t>
-            </a:r>
-            <a:r>
-              <a:rPr lang="pt-PT" sz="4300" dirty="0" err="1">
-                <a:latin typeface="Arial" panose="020B0604020202020204" pitchFamily="34" charset="0"/>
-                <a:cs typeface="Arial" panose="020B0604020202020204" pitchFamily="34" charset="0"/>
-              </a:rPr>
-              <a:t>Roteador</a:t>
-            </a:r>
-            <a:r>
-              <a:rPr lang="pt-PT" sz="4300" dirty="0">
-                <a:latin typeface="Arial" panose="020B0604020202020204" pitchFamily="34" charset="0"/>
-                <a:cs typeface="Arial" panose="020B0604020202020204" pitchFamily="34" charset="0"/>
-              </a:rPr>
-              <a:t>.</a:t>
+              <a:t> ou Roteador.</a:t>
             </a:r>
           </a:p>
           <a:p>
@@ -10340,62 +10240,20 @@
           </a:p>
           <a:p>
             <a:r>
-              <a:rPr lang="pt-PT" sz="1400" dirty="0" err="1">
-                <a:latin typeface="Arial" panose="020B0604020202020204" pitchFamily="34" charset="0"/>
-                <a:cs typeface="Arial" panose="020B0604020202020204" pitchFamily="34" charset="0"/>
-              </a:rPr>
-              <a:t>Thin</a:t>
-            </a:r>
-            <a:r>
               <a:rPr lang="pt-PT" sz="1400" dirty="0">
                 <a:latin typeface="Arial" panose="020B0604020202020204" pitchFamily="34" charset="0"/>
                 <a:cs typeface="Arial" panose="020B0604020202020204" pitchFamily="34" charset="0"/>
               </a:rPr>
-              <a:t> Ethernet (também designada por </a:t>
-            </a:r>
-            <a:r>
-              <a:rPr lang="pt-PT" sz="1400" dirty="0" err="1">
-                <a:latin typeface="Arial" panose="020B0604020202020204" pitchFamily="34" charset="0"/>
-                <a:cs typeface="Arial" panose="020B0604020202020204" pitchFamily="34" charset="0"/>
-              </a:rPr>
-              <a:t>thinnet</a:t>
-            </a:r>
+              <a:t>Thin Ethernet (também designada por thinnet ou 10base2);</a:t>
+            </a:r>
+          </a:p>
+          <a:p>
             <a:r>
               <a:rPr lang="pt-PT" sz="1400" dirty="0">
                 <a:latin typeface="Arial" panose="020B0604020202020204" pitchFamily="34" charset="0"/>
                 <a:cs typeface="Arial" panose="020B0604020202020204" pitchFamily="34" charset="0"/>
               </a:rPr>
-              <a:t> ou 10base2);</a:t>
-            </a:r>
-          </a:p>
-          <a:p>
-            <a:r>
-              <a:rPr lang="pt-PT" sz="1400" dirty="0" err="1">
-                <a:latin typeface="Arial" panose="020B0604020202020204" pitchFamily="34" charset="0"/>
-                <a:cs typeface="Arial" panose="020B0604020202020204" pitchFamily="34" charset="0"/>
-              </a:rPr>
-              <a:t>Thick</a:t>
-            </a:r>
-            <a:r>
-              <a:rPr lang="pt-PT" sz="1400" dirty="0">
-                <a:latin typeface="Arial" panose="020B0604020202020204" pitchFamily="34" charset="0"/>
-                <a:cs typeface="Arial" panose="020B0604020202020204" pitchFamily="34" charset="0"/>
-              </a:rPr>
-              <a:t> Ethernet (também designado por </a:t>
-            </a:r>
-            <a:r>
-              <a:rPr lang="pt-PT" sz="1400" dirty="0" err="1">
-                <a:latin typeface="Arial" panose="020B0604020202020204" pitchFamily="34" charset="0"/>
-                <a:cs typeface="Arial" panose="020B0604020202020204" pitchFamily="34" charset="0"/>
-              </a:rPr>
-              <a:t>thicknet</a:t>
-            </a:r>
-            <a:r>
-              <a:rPr lang="pt-PT" sz="1400" dirty="0">
-                <a:latin typeface="Arial" panose="020B0604020202020204" pitchFamily="34" charset="0"/>
-                <a:cs typeface="Arial" panose="020B0604020202020204" pitchFamily="34" charset="0"/>
-              </a:rPr>
-              <a:t> ou 10base5).</a:t>
+              <a:t>Thick Ethernet (também designado por thicknet ou 10base5).</a:t>
             </a:r>
           </a:p>
           <a:p>
@@ -10493,32 +10351,11 @@
           </a:p>
           <a:p>
             <a:r>
-              <a:rPr lang="pt-PT" sz="5600" dirty="0" err="1">
-                <a:latin typeface="Arial" panose="020B0604020202020204" pitchFamily="34" charset="0"/>
-                <a:cs typeface="Arial" panose="020B0604020202020204" pitchFamily="34" charset="0"/>
-              </a:rPr>
-              <a:t>Thin</a:t>
-            </a:r>
-            <a:r>
               <a:rPr lang="pt-PT" sz="5600" dirty="0">
                 <a:latin typeface="Arial" panose="020B0604020202020204" pitchFamily="34" charset="0"/>
                 <a:cs typeface="Arial" panose="020B0604020202020204" pitchFamily="34" charset="0"/>
               </a:rPr>
-              <a:t> Ethernet (</a:t>
-            </a:r>
-            <a:r>
-              <a:rPr lang="pt-PT" sz="5600" dirty="0" err="1">
-                <a:latin typeface="Arial" panose="020B0604020202020204" pitchFamily="34" charset="0"/>
-                <a:cs typeface="Arial" panose="020B0604020202020204" pitchFamily="34" charset="0"/>
-              </a:rPr>
-              <a:t>thinnet</a:t>
-            </a:r>
-            <a:r>
-              <a:rPr lang="pt-PT" sz="5600" dirty="0">
-                <a:latin typeface="Arial" panose="020B0604020202020204" pitchFamily="34" charset="0"/>
-                <a:cs typeface="Arial" panose="020B0604020202020204" pitchFamily="34" charset="0"/>
-              </a:rPr>
-              <a:t> ou 10base2)</a:t>
+              <a:t>Thin Ethernet (thinnet ou 10base2)</a:t>
             </a:r>
           </a:p>
           <a:p>
@@ -10529,11 +10366,18 @@
           </a:p>
           <a:p>
             <a:r>
+              <a:rPr lang="pt-PT" sz="5600" dirty="0" smtClean="0">
+                <a:latin typeface="Arial" panose="020B0604020202020204" pitchFamily="34" charset="0"/>
+                <a:cs typeface="Arial" panose="020B0604020202020204" pitchFamily="34" charset="0"/>
+              </a:rPr>
+              <a:t>Cabo </a:t>
+            </a:r>
+            <a:r>
               <a:rPr lang="pt-PT" sz="5600" dirty="0">
                 <a:latin typeface="Arial" panose="020B0604020202020204" pitchFamily="34" charset="0"/>
                 <a:cs typeface="Arial" panose="020B0604020202020204" pitchFamily="34" charset="0"/>
               </a:rPr>
-              <a:t>Cabo coaxial fino.</a:t>
+              <a:t>coaxial fino.</a:t>
             </a:r>
           </a:p>
           <a:p>
@@ -10568,39 +10412,18 @@
               <a:buNone/>
             </a:pPr>
             <a:r>
-              <a:rPr lang="pt-PT" sz="5600" dirty="0" err="1" smtClean="0">
-                <a:latin typeface="Arial" panose="020B0604020202020204" pitchFamily="34" charset="0"/>
-                <a:cs typeface="Arial" panose="020B0604020202020204" pitchFamily="34" charset="0"/>
-              </a:rPr>
-              <a:t>Thick</a:t>
-            </a:r>
-            <a:r>
               <a:rPr lang="pt-PT" sz="5600" dirty="0" smtClean="0">
                 <a:latin typeface="Arial" panose="020B0604020202020204" pitchFamily="34" charset="0"/>
                 <a:cs typeface="Arial" panose="020B0604020202020204" pitchFamily="34" charset="0"/>
               </a:rPr>
-              <a:t> </a:t>
+              <a:t>Thick </a:t>
             </a:r>
             <a:r>
               <a:rPr lang="pt-PT" sz="5600" dirty="0">
                 <a:latin typeface="Arial" panose="020B0604020202020204" pitchFamily="34" charset="0"/>
                 <a:cs typeface="Arial" panose="020B0604020202020204" pitchFamily="34" charset="0"/>
               </a:rPr>
-              <a:t>Ethernet (</a:t>
-            </a:r>
-            <a:r>
-              <a:rPr lang="pt-PT" sz="5600" dirty="0" err="1">
-                <a:latin typeface="Arial" panose="020B0604020202020204" pitchFamily="34" charset="0"/>
-                <a:cs typeface="Arial" panose="020B0604020202020204" pitchFamily="34" charset="0"/>
-              </a:rPr>
-              <a:t>thicknet</a:t>
-            </a:r>
-            <a:r>
-              <a:rPr lang="pt-PT" sz="5600" dirty="0">
-                <a:latin typeface="Arial" panose="020B0604020202020204" pitchFamily="34" charset="0"/>
-                <a:cs typeface="Arial" panose="020B0604020202020204" pitchFamily="34" charset="0"/>
-              </a:rPr>
-              <a:t> ou 10base5)</a:t>
+              <a:t>Ethernet (thicknet ou 10base5)</a:t>
             </a:r>
           </a:p>
           <a:p>
@@ -10636,60 +10459,18 @@
               <a:t>As ligações às placas dos computadores não são feitas </a:t>
             </a:r>
             <a:r>
-              <a:rPr lang="pt-PT" sz="5600" dirty="0" err="1">
-                <a:latin typeface="Arial" panose="020B0604020202020204" pitchFamily="34" charset="0"/>
-                <a:cs typeface="Arial" panose="020B0604020202020204" pitchFamily="34" charset="0"/>
-              </a:rPr>
-              <a:t>directamente</a:t>
+              <a:rPr lang="pt-PT" sz="5600" dirty="0" smtClean="0">
+                <a:latin typeface="Arial" panose="020B0604020202020204" pitchFamily="34" charset="0"/>
+                <a:cs typeface="Arial" panose="020B0604020202020204" pitchFamily="34" charset="0"/>
+              </a:rPr>
+              <a:t>diretamente, </a:t>
             </a:r>
             <a:r>
               <a:rPr lang="pt-PT" sz="5600" dirty="0">
                 <a:latin typeface="Arial" panose="020B0604020202020204" pitchFamily="34" charset="0"/>
                 <a:cs typeface="Arial" panose="020B0604020202020204" pitchFamily="34" charset="0"/>
               </a:rPr>
-              <a:t>, mas através de dispositivos específicos, chamados </a:t>
-            </a:r>
-            <a:r>
-              <a:rPr lang="pt-PT" sz="5600" dirty="0" err="1">
-                <a:latin typeface="Arial" panose="020B0604020202020204" pitchFamily="34" charset="0"/>
-                <a:cs typeface="Arial" panose="020B0604020202020204" pitchFamily="34" charset="0"/>
-              </a:rPr>
-              <a:t>transceivers</a:t>
-            </a:r>
-            <a:r>
-              <a:rPr lang="pt-PT" sz="5600" dirty="0">
-                <a:latin typeface="Arial" panose="020B0604020202020204" pitchFamily="34" charset="0"/>
-                <a:cs typeface="Arial" panose="020B0604020202020204" pitchFamily="34" charset="0"/>
-              </a:rPr>
-              <a:t> (</a:t>
-            </a:r>
-            <a:r>
-              <a:rPr lang="pt-PT" sz="5600" dirty="0" err="1">
-                <a:latin typeface="Arial" panose="020B0604020202020204" pitchFamily="34" charset="0"/>
-                <a:cs typeface="Arial" panose="020B0604020202020204" pitchFamily="34" charset="0"/>
-              </a:rPr>
-              <a:t>transmiter</a:t>
-            </a:r>
-            <a:r>
-              <a:rPr lang="pt-PT" sz="5600" dirty="0">
-                <a:latin typeface="Arial" panose="020B0604020202020204" pitchFamily="34" charset="0"/>
-                <a:cs typeface="Arial" panose="020B0604020202020204" pitchFamily="34" charset="0"/>
-              </a:rPr>
-              <a:t> + </a:t>
-            </a:r>
-            <a:r>
-              <a:rPr lang="pt-PT" sz="5600" dirty="0" err="1">
-                <a:latin typeface="Arial" panose="020B0604020202020204" pitchFamily="34" charset="0"/>
-                <a:cs typeface="Arial" panose="020B0604020202020204" pitchFamily="34" charset="0"/>
-              </a:rPr>
-              <a:t>receiver</a:t>
-            </a:r>
-            <a:r>
-              <a:rPr lang="pt-PT" sz="5600" dirty="0">
-                <a:latin typeface="Arial" panose="020B0604020202020204" pitchFamily="34" charset="0"/>
-                <a:cs typeface="Arial" panose="020B0604020202020204" pitchFamily="34" charset="0"/>
-              </a:rPr>
-              <a:t>).</a:t>
+              <a:t>mas através de dispositivos específicos, chamados transceivers (transmiter + receiver).</a:t>
             </a:r>
           </a:p>
           <a:p>
@@ -10830,31 +10611,7 @@
           <a:p>
             <a:r>
               <a:rPr lang="pt-PT" dirty="0"/>
-              <a:t>Existem cabos de </a:t>
-            </a:r>
-            <a:r>
-              <a:rPr lang="pt-PT" dirty="0" err="1"/>
-              <a:t>cat</a:t>
-            </a:r>
-            <a:r>
-              <a:rPr lang="pt-PT" dirty="0"/>
-              <a:t> 1 até </a:t>
-            </a:r>
-            <a:r>
-              <a:rPr lang="pt-PT" dirty="0" err="1"/>
-              <a:t>cat</a:t>
-            </a:r>
-            <a:r>
-              <a:rPr lang="pt-PT" dirty="0"/>
-              <a:t> 7. Como os cabos </a:t>
-            </a:r>
-            <a:r>
-              <a:rPr lang="pt-PT" dirty="0" err="1"/>
-              <a:t>cat</a:t>
-            </a:r>
-            <a:r>
-              <a:rPr lang="pt-PT" dirty="0"/>
-              <a:t> 5 são suficientes tanto para redes de 100 quanto de 1000 megabits, eles são os mais comuns e mais baratos; geralmente custam em torno de 1 real o metro. Os cabos cat5e (os mais comuns atualmente) seguem um padrão um pouco mais estrito, por isso dê preferência a eles na hora de comprar.</a:t>
+              <a:t>Existem cabos de cat 1 até cat 7. Como os cabos cat 5 são suficientes tanto para redes de 100 quanto de 1000 megabits, eles são os mais comuns e mais baratos; geralmente custam em torno de 1 real o metro. Os cabos cat5e (os mais comuns atualmente) seguem um padrão um pouco mais estrito, por isso dê preferência a eles na hora de comprar.</a:t>
             </a:r>
           </a:p>
           <a:p>
@@ -10866,20 +10623,20 @@
               <a:t>Em todas as categorias, a distância máxima permitida é de 100 metros. O que muda é a </a:t>
             </a:r>
             <a:r>
-              <a:rPr lang="pt-PT" dirty="0" err="1"/>
-              <a:t>freqüência</a:t>
+              <a:rPr lang="pt-PT" dirty="0" smtClean="0"/>
+              <a:t>frequência </a:t>
             </a:r>
             <a:r>
               <a:rPr lang="pt-PT" dirty="0"/>
-              <a:t> (e, </a:t>
-            </a:r>
-            <a:r>
-              <a:rPr lang="pt-PT" dirty="0" err="1"/>
-              <a:t>conseqüentemente</a:t>
+              <a:t>(e, </a:t>
+            </a:r>
+            <a:r>
+              <a:rPr lang="pt-PT" dirty="0" smtClean="0"/>
+              <a:t>consequentemente, </a:t>
             </a:r>
             <a:r>
               <a:rPr lang="pt-PT" dirty="0"/>
-              <a:t>, a taxa máxima de transferência de dados suportada pelo cabo) e o nível de imunidade a interferências externas. Esta é uma descrição de todas as categorias de cabos de par trançado existentes:</a:t>
+              <a:t>a taxa máxima de transferência de dados suportada pelo cabo) e o nível de imunidade a interferências externas. Esta é uma descrição de todas as categorias de cabos de par trançado existentes:</a:t>
             </a:r>
           </a:p>
         </p:txBody>

--- a/Tipos de redes trabalho paulomorgado.pptx
+++ b/Tipos de redes trabalho paulomorgado.pptx
@@ -2,26 +2,27 @@
 <file path=ppt/presentation.xml><?xml version="1.0" encoding="utf-8"?>
 <p:presentation xmlns:a="http://schemas.openxmlformats.org/drawingml/2006/main" xmlns:r="http://schemas.openxmlformats.org/officeDocument/2006/relationships" xmlns:p="http://schemas.openxmlformats.org/presentationml/2006/main" saveSubsetFonts="1">
   <p:sldMasterIdLst>
-    <p:sldMasterId id="2147483718" r:id="rId1"/>
+    <p:sldMasterId id="2147483753" r:id="rId1"/>
   </p:sldMasterIdLst>
   <p:sldIdLst>
     <p:sldId id="256" r:id="rId2"/>
-    <p:sldId id="257" r:id="rId3"/>
-    <p:sldId id="258" r:id="rId4"/>
-    <p:sldId id="259" r:id="rId5"/>
-    <p:sldId id="260" r:id="rId6"/>
-    <p:sldId id="261" r:id="rId7"/>
-    <p:sldId id="262" r:id="rId8"/>
-    <p:sldId id="263" r:id="rId9"/>
-    <p:sldId id="264" r:id="rId10"/>
-    <p:sldId id="265" r:id="rId11"/>
-    <p:sldId id="266" r:id="rId12"/>
-    <p:sldId id="267" r:id="rId13"/>
-    <p:sldId id="268" r:id="rId14"/>
-    <p:sldId id="269" r:id="rId15"/>
-    <p:sldId id="270" r:id="rId16"/>
-    <p:sldId id="271" r:id="rId17"/>
-    <p:sldId id="272" r:id="rId18"/>
+    <p:sldId id="273" r:id="rId3"/>
+    <p:sldId id="257" r:id="rId4"/>
+    <p:sldId id="258" r:id="rId5"/>
+    <p:sldId id="259" r:id="rId6"/>
+    <p:sldId id="260" r:id="rId7"/>
+    <p:sldId id="261" r:id="rId8"/>
+    <p:sldId id="262" r:id="rId9"/>
+    <p:sldId id="263" r:id="rId10"/>
+    <p:sldId id="264" r:id="rId11"/>
+    <p:sldId id="265" r:id="rId12"/>
+    <p:sldId id="266" r:id="rId13"/>
+    <p:sldId id="267" r:id="rId14"/>
+    <p:sldId id="268" r:id="rId15"/>
+    <p:sldId id="269" r:id="rId16"/>
+    <p:sldId id="270" r:id="rId17"/>
+    <p:sldId id="271" r:id="rId18"/>
+    <p:sldId id="272" r:id="rId19"/>
   </p:sldIdLst>
   <p:sldSz cx="12192000" cy="6858000"/>
   <p:notesSz cx="6858000" cy="9144000"/>
@@ -316,7 +317,7 @@
           <a:p>
             <a:fld id="{159F93C8-DF68-4D47-9A06-28092522EC59}" type="datetimeFigureOut">
               <a:rPr lang="pt-PT" smtClean="0"/>
-              <a:t>19-01-2018</a:t>
+              <a:t>25-01-2018</a:t>
             </a:fld>
             <a:endParaRPr lang="pt-PT"/>
           </a:p>
@@ -454,7 +455,7 @@
     </p:spTree>
     <p:extLst>
       <p:ext uri="{BB962C8B-B14F-4D97-AF65-F5344CB8AC3E}">
-        <p14:creationId xmlns:p14="http://schemas.microsoft.com/office/powerpoint/2010/main" val="2012902520"/>
+        <p14:creationId xmlns:p14="http://schemas.microsoft.com/office/powerpoint/2010/main" val="2898356956"/>
       </p:ext>
     </p:extLst>
   </p:cSld>
@@ -654,7 +655,7 @@
           <a:p>
             <a:fld id="{159F93C8-DF68-4D47-9A06-28092522EC59}" type="datetimeFigureOut">
               <a:rPr lang="pt-PT" smtClean="0"/>
-              <a:t>19-01-2018</a:t>
+              <a:t>25-01-2018</a:t>
             </a:fld>
             <a:endParaRPr lang="pt-PT"/>
           </a:p>
@@ -792,7 +793,7 @@
     </p:spTree>
     <p:extLst>
       <p:ext uri="{BB962C8B-B14F-4D97-AF65-F5344CB8AC3E}">
-        <p14:creationId xmlns:p14="http://schemas.microsoft.com/office/powerpoint/2010/main" val="1155455266"/>
+        <p14:creationId xmlns:p14="http://schemas.microsoft.com/office/powerpoint/2010/main" val="1406382280"/>
       </p:ext>
     </p:extLst>
   </p:cSld>
@@ -1055,7 +1056,7 @@
           <a:p>
             <a:fld id="{159F93C8-DF68-4D47-9A06-28092522EC59}" type="datetimeFigureOut">
               <a:rPr lang="pt-PT" smtClean="0"/>
-              <a:t>19-01-2018</a:t>
+              <a:t>25-01-2018</a:t>
             </a:fld>
             <a:endParaRPr lang="pt-PT"/>
           </a:p>
@@ -1269,7 +1270,7 @@
     </p:spTree>
     <p:extLst>
       <p:ext uri="{BB962C8B-B14F-4D97-AF65-F5344CB8AC3E}">
-        <p14:creationId xmlns:p14="http://schemas.microsoft.com/office/powerpoint/2010/main" val="4137151922"/>
+        <p14:creationId xmlns:p14="http://schemas.microsoft.com/office/powerpoint/2010/main" val="3375925430"/>
       </p:ext>
     </p:extLst>
   </p:cSld>
@@ -1391,7 +1392,7 @@
           <a:p>
             <a:fld id="{159F93C8-DF68-4D47-9A06-28092522EC59}" type="datetimeFigureOut">
               <a:rPr lang="pt-PT" smtClean="0"/>
-              <a:t>19-01-2018</a:t>
+              <a:t>25-01-2018</a:t>
             </a:fld>
             <a:endParaRPr lang="pt-PT"/>
           </a:p>
@@ -1529,7 +1530,7 @@
     </p:spTree>
     <p:extLst>
       <p:ext uri="{BB962C8B-B14F-4D97-AF65-F5344CB8AC3E}">
-        <p14:creationId xmlns:p14="http://schemas.microsoft.com/office/powerpoint/2010/main" val="2901994708"/>
+        <p14:creationId xmlns:p14="http://schemas.microsoft.com/office/powerpoint/2010/main" val="2225414104"/>
       </p:ext>
     </p:extLst>
   </p:cSld>
@@ -1711,7 +1712,7 @@
           <a:p>
             <a:fld id="{159F93C8-DF68-4D47-9A06-28092522EC59}" type="datetimeFigureOut">
               <a:rPr lang="pt-PT" smtClean="0"/>
-              <a:t>19-01-2018</a:t>
+              <a:t>25-01-2018</a:t>
             </a:fld>
             <a:endParaRPr lang="pt-PT"/>
           </a:p>
@@ -1925,7 +1926,7 @@
     </p:spTree>
     <p:extLst>
       <p:ext uri="{BB962C8B-B14F-4D97-AF65-F5344CB8AC3E}">
-        <p14:creationId xmlns:p14="http://schemas.microsoft.com/office/powerpoint/2010/main" val="980845861"/>
+        <p14:creationId xmlns:p14="http://schemas.microsoft.com/office/powerpoint/2010/main" val="589660767"/>
       </p:ext>
     </p:extLst>
   </p:cSld>
@@ -2107,7 +2108,7 @@
           <a:p>
             <a:fld id="{159F93C8-DF68-4D47-9A06-28092522EC59}" type="datetimeFigureOut">
               <a:rPr lang="pt-PT" smtClean="0"/>
-              <a:t>19-01-2018</a:t>
+              <a:t>25-01-2018</a:t>
             </a:fld>
             <a:endParaRPr lang="pt-PT"/>
           </a:p>
@@ -2245,7 +2246,7 @@
     </p:spTree>
     <p:extLst>
       <p:ext uri="{BB962C8B-B14F-4D97-AF65-F5344CB8AC3E}">
-        <p14:creationId xmlns:p14="http://schemas.microsoft.com/office/powerpoint/2010/main" val="311151590"/>
+        <p14:creationId xmlns:p14="http://schemas.microsoft.com/office/powerpoint/2010/main" val="1835515755"/>
       </p:ext>
     </p:extLst>
   </p:cSld>
@@ -2364,7 +2365,7 @@
           <a:p>
             <a:fld id="{159F93C8-DF68-4D47-9A06-28092522EC59}" type="datetimeFigureOut">
               <a:rPr lang="pt-PT" smtClean="0"/>
-              <a:t>19-01-2018</a:t>
+              <a:t>25-01-2018</a:t>
             </a:fld>
             <a:endParaRPr lang="pt-PT"/>
           </a:p>
@@ -2497,7 +2498,7 @@
     </p:spTree>
     <p:extLst>
       <p:ext uri="{BB962C8B-B14F-4D97-AF65-F5344CB8AC3E}">
-        <p14:creationId xmlns:p14="http://schemas.microsoft.com/office/powerpoint/2010/main" val="2199214929"/>
+        <p14:creationId xmlns:p14="http://schemas.microsoft.com/office/powerpoint/2010/main" val="195524188"/>
       </p:ext>
     </p:extLst>
   </p:cSld>
@@ -2626,7 +2627,7 @@
           <a:p>
             <a:fld id="{159F93C8-DF68-4D47-9A06-28092522EC59}" type="datetimeFigureOut">
               <a:rPr lang="pt-PT" smtClean="0"/>
-              <a:t>19-01-2018</a:t>
+              <a:t>25-01-2018</a:t>
             </a:fld>
             <a:endParaRPr lang="pt-PT"/>
           </a:p>
@@ -2759,7 +2760,7 @@
     </p:spTree>
     <p:extLst>
       <p:ext uri="{BB962C8B-B14F-4D97-AF65-F5344CB8AC3E}">
-        <p14:creationId xmlns:p14="http://schemas.microsoft.com/office/powerpoint/2010/main" val="1163196477"/>
+        <p14:creationId xmlns:p14="http://schemas.microsoft.com/office/powerpoint/2010/main" val="1534181665"/>
       </p:ext>
     </p:extLst>
   </p:cSld>
@@ -2888,7 +2889,7 @@
           <a:p>
             <a:fld id="{159F93C8-DF68-4D47-9A06-28092522EC59}" type="datetimeFigureOut">
               <a:rPr lang="pt-PT" smtClean="0"/>
-              <a:t>19-01-2018</a:t>
+              <a:t>25-01-2018</a:t>
             </a:fld>
             <a:endParaRPr lang="pt-PT"/>
           </a:p>
@@ -3021,7 +3022,7 @@
     </p:spTree>
     <p:extLst>
       <p:ext uri="{BB962C8B-B14F-4D97-AF65-F5344CB8AC3E}">
-        <p14:creationId xmlns:p14="http://schemas.microsoft.com/office/powerpoint/2010/main" val="2912101767"/>
+        <p14:creationId xmlns:p14="http://schemas.microsoft.com/office/powerpoint/2010/main" val="2422908968"/>
       </p:ext>
     </p:extLst>
   </p:cSld>
@@ -3217,7 +3218,7 @@
           <a:p>
             <a:fld id="{159F93C8-DF68-4D47-9A06-28092522EC59}" type="datetimeFigureOut">
               <a:rPr lang="pt-PT" smtClean="0"/>
-              <a:t>19-01-2018</a:t>
+              <a:t>25-01-2018</a:t>
             </a:fld>
             <a:endParaRPr lang="pt-PT"/>
           </a:p>
@@ -3355,7 +3356,7 @@
     </p:spTree>
     <p:extLst>
       <p:ext uri="{BB962C8B-B14F-4D97-AF65-F5344CB8AC3E}">
-        <p14:creationId xmlns:p14="http://schemas.microsoft.com/office/powerpoint/2010/main" val="446234255"/>
+        <p14:creationId xmlns:p14="http://schemas.microsoft.com/office/powerpoint/2010/main" val="1439016261"/>
       </p:ext>
     </p:extLst>
   </p:cSld>
@@ -3540,7 +3541,7 @@
           <a:p>
             <a:fld id="{159F93C8-DF68-4D47-9A06-28092522EC59}" type="datetimeFigureOut">
               <a:rPr lang="pt-PT" smtClean="0"/>
-              <a:t>19-01-2018</a:t>
+              <a:t>25-01-2018</a:t>
             </a:fld>
             <a:endParaRPr lang="pt-PT"/>
           </a:p>
@@ -3678,7 +3679,7 @@
     </p:spTree>
     <p:extLst>
       <p:ext uri="{BB962C8B-B14F-4D97-AF65-F5344CB8AC3E}">
-        <p14:creationId xmlns:p14="http://schemas.microsoft.com/office/powerpoint/2010/main" val="827283080"/>
+        <p14:creationId xmlns:p14="http://schemas.microsoft.com/office/powerpoint/2010/main" val="2146030718"/>
       </p:ext>
     </p:extLst>
   </p:cSld>
@@ -3997,7 +3998,7 @@
           <a:p>
             <a:fld id="{159F93C8-DF68-4D47-9A06-28092522EC59}" type="datetimeFigureOut">
               <a:rPr lang="pt-PT" smtClean="0"/>
-              <a:t>19-01-2018</a:t>
+              <a:t>25-01-2018</a:t>
             </a:fld>
             <a:endParaRPr lang="pt-PT"/>
           </a:p>
@@ -4135,7 +4136,7 @@
     </p:spTree>
     <p:extLst>
       <p:ext uri="{BB962C8B-B14F-4D97-AF65-F5344CB8AC3E}">
-        <p14:creationId xmlns:p14="http://schemas.microsoft.com/office/powerpoint/2010/main" val="580561413"/>
+        <p14:creationId xmlns:p14="http://schemas.microsoft.com/office/powerpoint/2010/main" val="3296546545"/>
       </p:ext>
     </p:extLst>
   </p:cSld>
@@ -4202,7 +4203,7 @@
           <a:p>
             <a:fld id="{159F93C8-DF68-4D47-9A06-28092522EC59}" type="datetimeFigureOut">
               <a:rPr lang="pt-PT" smtClean="0"/>
-              <a:t>19-01-2018</a:t>
+              <a:t>25-01-2018</a:t>
             </a:fld>
             <a:endParaRPr lang="pt-PT"/>
           </a:p>
@@ -4335,7 +4336,7 @@
     </p:spTree>
     <p:extLst>
       <p:ext uri="{BB962C8B-B14F-4D97-AF65-F5344CB8AC3E}">
-        <p14:creationId xmlns:p14="http://schemas.microsoft.com/office/powerpoint/2010/main" val="1059974728"/>
+        <p14:creationId xmlns:p14="http://schemas.microsoft.com/office/powerpoint/2010/main" val="4278294374"/>
       </p:ext>
     </p:extLst>
   </p:cSld>
@@ -4379,7 +4380,7 @@
           <a:p>
             <a:fld id="{159F93C8-DF68-4D47-9A06-28092522EC59}" type="datetimeFigureOut">
               <a:rPr lang="pt-PT" smtClean="0"/>
-              <a:t>19-01-2018</a:t>
+              <a:t>25-01-2018</a:t>
             </a:fld>
             <a:endParaRPr lang="pt-PT"/>
           </a:p>
@@ -4512,7 +4513,7 @@
     </p:spTree>
     <p:extLst>
       <p:ext uri="{BB962C8B-B14F-4D97-AF65-F5344CB8AC3E}">
-        <p14:creationId xmlns:p14="http://schemas.microsoft.com/office/powerpoint/2010/main" val="1296618651"/>
+        <p14:creationId xmlns:p14="http://schemas.microsoft.com/office/powerpoint/2010/main" val="1560529976"/>
       </p:ext>
     </p:extLst>
   </p:cSld>
@@ -4712,7 +4713,7 @@
           <a:p>
             <a:fld id="{159F93C8-DF68-4D47-9A06-28092522EC59}" type="datetimeFigureOut">
               <a:rPr lang="pt-PT" smtClean="0"/>
-              <a:t>19-01-2018</a:t>
+              <a:t>25-01-2018</a:t>
             </a:fld>
             <a:endParaRPr lang="pt-PT"/>
           </a:p>
@@ -4845,7 +4846,7 @@
     </p:spTree>
     <p:extLst>
       <p:ext uri="{BB962C8B-B14F-4D97-AF65-F5344CB8AC3E}">
-        <p14:creationId xmlns:p14="http://schemas.microsoft.com/office/powerpoint/2010/main" val="1082444260"/>
+        <p14:creationId xmlns:p14="http://schemas.microsoft.com/office/powerpoint/2010/main" val="104885718"/>
       </p:ext>
     </p:extLst>
   </p:cSld>
@@ -5057,7 +5058,7 @@
           <a:p>
             <a:fld id="{159F93C8-DF68-4D47-9A06-28092522EC59}" type="datetimeFigureOut">
               <a:rPr lang="pt-PT" smtClean="0"/>
-              <a:t>19-01-2018</a:t>
+              <a:t>25-01-2018</a:t>
             </a:fld>
             <a:endParaRPr lang="pt-PT"/>
           </a:p>
@@ -5195,7 +5196,7 @@
     </p:spTree>
     <p:extLst>
       <p:ext uri="{BB962C8B-B14F-4D97-AF65-F5344CB8AC3E}">
-        <p14:creationId xmlns:p14="http://schemas.microsoft.com/office/powerpoint/2010/main" val="927415316"/>
+        <p14:creationId xmlns:p14="http://schemas.microsoft.com/office/powerpoint/2010/main" val="1408647112"/>
       </p:ext>
     </p:extLst>
   </p:cSld>
@@ -7174,7 +7175,7 @@
           <a:p>
             <a:fld id="{159F93C8-DF68-4D47-9A06-28092522EC59}" type="datetimeFigureOut">
               <a:rPr lang="pt-PT" smtClean="0"/>
-              <a:t>19-01-2018</a:t>
+              <a:t>25-01-2018</a:t>
             </a:fld>
             <a:endParaRPr lang="pt-PT"/>
           </a:p>
@@ -7259,28 +7260,28 @@
     </p:spTree>
     <p:extLst>
       <p:ext uri="{BB962C8B-B14F-4D97-AF65-F5344CB8AC3E}">
-        <p14:creationId xmlns:p14="http://schemas.microsoft.com/office/powerpoint/2010/main" val="324996079"/>
+        <p14:creationId xmlns:p14="http://schemas.microsoft.com/office/powerpoint/2010/main" val="1759921792"/>
       </p:ext>
     </p:extLst>
   </p:cSld>
   <p:clrMap bg1="lt1" tx1="dk1" bg2="lt2" tx2="dk2" accent1="accent1" accent2="accent2" accent3="accent3" accent4="accent4" accent5="accent5" accent6="accent6" hlink="hlink" folHlink="folHlink"/>
   <p:sldLayoutIdLst>
-    <p:sldLayoutId id="2147483719" r:id="rId1"/>
-    <p:sldLayoutId id="2147483720" r:id="rId2"/>
-    <p:sldLayoutId id="2147483721" r:id="rId3"/>
-    <p:sldLayoutId id="2147483722" r:id="rId4"/>
-    <p:sldLayoutId id="2147483723" r:id="rId5"/>
-    <p:sldLayoutId id="2147483724" r:id="rId6"/>
-    <p:sldLayoutId id="2147483725" r:id="rId7"/>
-    <p:sldLayoutId id="2147483726" r:id="rId8"/>
-    <p:sldLayoutId id="2147483727" r:id="rId9"/>
-    <p:sldLayoutId id="2147483728" r:id="rId10"/>
-    <p:sldLayoutId id="2147483729" r:id="rId11"/>
-    <p:sldLayoutId id="2147483730" r:id="rId12"/>
-    <p:sldLayoutId id="2147483731" r:id="rId13"/>
-    <p:sldLayoutId id="2147483732" r:id="rId14"/>
-    <p:sldLayoutId id="2147483733" r:id="rId15"/>
-    <p:sldLayoutId id="2147483734" r:id="rId16"/>
+    <p:sldLayoutId id="2147483754" r:id="rId1"/>
+    <p:sldLayoutId id="2147483755" r:id="rId2"/>
+    <p:sldLayoutId id="2147483756" r:id="rId3"/>
+    <p:sldLayoutId id="2147483757" r:id="rId4"/>
+    <p:sldLayoutId id="2147483758" r:id="rId5"/>
+    <p:sldLayoutId id="2147483759" r:id="rId6"/>
+    <p:sldLayoutId id="2147483760" r:id="rId7"/>
+    <p:sldLayoutId id="2147483761" r:id="rId8"/>
+    <p:sldLayoutId id="2147483762" r:id="rId9"/>
+    <p:sldLayoutId id="2147483763" r:id="rId10"/>
+    <p:sldLayoutId id="2147483764" r:id="rId11"/>
+    <p:sldLayoutId id="2147483765" r:id="rId12"/>
+    <p:sldLayoutId id="2147483766" r:id="rId13"/>
+    <p:sldLayoutId id="2147483767" r:id="rId14"/>
+    <p:sldLayoutId id="2147483768" r:id="rId15"/>
+    <p:sldLayoutId id="2147483769" r:id="rId16"/>
   </p:sldLayoutIdLst>
   <p:txStyles>
     <p:titleStyle>
@@ -7704,19 +7705,27 @@
         </p:nvSpPr>
         <p:spPr>
           <a:xfrm>
-            <a:off x="2169665" y="4282034"/>
+            <a:off x="3132549" y="433111"/>
             <a:ext cx="5306900" cy="990689"/>
           </a:xfrm>
         </p:spPr>
         <p:txBody>
-          <a:bodyPr/>
+          <a:bodyPr>
+            <a:normAutofit/>
+          </a:bodyPr>
           <a:lstStyle/>
           <a:p>
             <a:r>
-              <a:rPr lang="pt-PT" dirty="0" smtClean="0"/>
+              <a:rPr lang="pt-PT" dirty="0" smtClean="0">
+                <a:latin typeface="Times New Roman" panose="02020603050405020304" pitchFamily="18" charset="0"/>
+                <a:cs typeface="Times New Roman" panose="02020603050405020304" pitchFamily="18" charset="0"/>
+              </a:rPr>
               <a:t>Tipos de redes</a:t>
             </a:r>
-            <a:endParaRPr lang="pt-PT" dirty="0"/>
+            <a:endParaRPr lang="pt-PT" dirty="0">
+              <a:latin typeface="Times New Roman" panose="02020603050405020304" pitchFamily="18" charset="0"/>
+              <a:cs typeface="Times New Roman" panose="02020603050405020304" pitchFamily="18" charset="0"/>
+            </a:endParaRPr>
           </a:p>
         </p:txBody>
       </p:sp>
@@ -7736,7 +7745,7 @@
         </p:blipFill>
         <p:spPr>
           <a:xfrm>
-            <a:off x="2589213" y="432675"/>
+            <a:off x="3342248" y="2609463"/>
             <a:ext cx="4177496" cy="3129090"/>
           </a:xfrm>
           <a:prstGeom prst="rect">
@@ -7744,43 +7753,6 @@
           </a:prstGeom>
         </p:spPr>
       </p:pic>
-      <p:sp>
-        <p:nvSpPr>
-          <p:cNvPr id="4" name="AutoShape 2" descr="Resultado de imagem para tipos rede"/>
-          <p:cNvSpPr>
-            <a:spLocks noGrp="1" noChangeAspect="1" noChangeArrowheads="1"/>
-          </p:cNvSpPr>
-          <p:nvPr>
-            <p:ph type="subTitle" idx="1"/>
-          </p:nvPr>
-        </p:nvSpPr>
-        <p:spPr bwMode="auto">
-          <a:prstGeom prst="rect">
-            <a:avLst/>
-          </a:prstGeom>
-          <a:noFill/>
-          <a:extLst>
-            <a:ext uri="{909E8E84-426E-40DD-AFC4-6F175D3DCCD1}">
-              <a14:hiddenFill xmlns:a14="http://schemas.microsoft.com/office/drawing/2010/main">
-                <a:solidFill>
-                  <a:srgbClr val="FFFFFF"/>
-                </a:solidFill>
-              </a14:hiddenFill>
-            </a:ext>
-          </a:extLst>
-        </p:spPr>
-        <p:txBody>
-          <a:bodyPr vert="horz" wrap="square" lIns="91440" tIns="45720" rIns="91440" bIns="45720" numCol="1" anchor="t" anchorCtr="0" compatLnSpc="1">
-            <a:prstTxWarp prst="textNoShape">
-              <a:avLst/>
-            </a:prstTxWarp>
-          </a:bodyPr>
-          <a:lstStyle/>
-          <a:p>
-            <a:endParaRPr lang="pt-PT" dirty="0"/>
-          </a:p>
-        </p:txBody>
-      </p:sp>
     </p:spTree>
     <p:extLst>
       <p:ext uri="{BB962C8B-B14F-4D97-AF65-F5344CB8AC3E}">
@@ -7791,6 +7763,13 @@
   <p:clrMapOvr>
     <a:masterClrMapping/>
   </p:clrMapOvr>
+  <p:timing>
+    <p:tnLst>
+      <p:par>
+        <p:cTn id="1" dur="indefinite" restart="never" nodeType="tmRoot"/>
+      </p:par>
+    </p:tnLst>
+  </p:timing>
 </p:sld>
 </file>
 
@@ -7823,10 +7802,22 @@
         </p:nvSpPr>
         <p:spPr/>
         <p:txBody>
-          <a:bodyPr/>
+          <a:bodyPr>
+            <a:normAutofit/>
+          </a:bodyPr>
           <a:lstStyle/>
           <a:p>
-            <a:endParaRPr lang="pt-PT"/>
+            <a:r>
+              <a:rPr lang="pt-PT" sz="5400" dirty="0" smtClean="0">
+                <a:latin typeface="Times New Roman" panose="02020603050405020304" pitchFamily="18" charset="0"/>
+                <a:cs typeface="Times New Roman" panose="02020603050405020304" pitchFamily="18" charset="0"/>
+              </a:rPr>
+              <a:t>categorias</a:t>
+            </a:r>
+            <a:endParaRPr lang="pt-PT" sz="5400" dirty="0">
+              <a:latin typeface="Times New Roman" panose="02020603050405020304" pitchFamily="18" charset="0"/>
+              <a:cs typeface="Times New Roman" panose="02020603050405020304" pitchFamily="18" charset="0"/>
+            </a:endParaRPr>
           </a:p>
         </p:txBody>
       </p:sp>
@@ -7842,43 +7833,65 @@
         </p:nvSpPr>
         <p:spPr>
           <a:xfrm>
-            <a:off x="2589212" y="1466625"/>
+            <a:off x="2589212" y="1606476"/>
             <a:ext cx="8915400" cy="3777622"/>
           </a:xfrm>
         </p:spPr>
         <p:txBody>
           <a:bodyPr>
-            <a:normAutofit fontScale="85000" lnSpcReduction="20000"/>
+            <a:normAutofit/>
           </a:bodyPr>
           <a:lstStyle/>
           <a:p>
             <a:r>
-              <a:rPr lang="pt-PT" dirty="0"/>
-              <a:t>Categoria 1: Utilizado em instalações telefônicas, porém inadequado para transmissão de dados.</a:t>
-            </a:r>
-          </a:p>
-          <a:p>
-            <a:endParaRPr lang="pt-PT" dirty="0"/>
-          </a:p>
-          <a:p>
-            <a:r>
-              <a:rPr lang="pt-PT" dirty="0"/>
-              <a:t>Categoria 2: Outro tipo de cabo obsoleto. Permite transmissão de dados a até 2.5 megabits e era usado nas antigas redes Arcnet.</a:t>
-            </a:r>
-          </a:p>
-          <a:p>
-            <a:endParaRPr lang="pt-PT" dirty="0"/>
-          </a:p>
-          <a:p>
-            <a:r>
-              <a:rPr lang="pt-PT" dirty="0"/>
-              <a:t>Categoria 3: Era o cabo de par trançado sem blindagem mais usado em redes há uma década. Pode se estender por até 100 metros e permite transmissão de dados a até 10 Mbps. A principal diferença do cabo de categoria 3 para os obsoletos cabos de categoria 1 e 2 é o entrançamento dos pares de cabos.</a:t>
-            </a:r>
-          </a:p>
-          <a:p>
-            <a:r>
-              <a:rPr lang="pt-PT" dirty="0"/>
-              <a:t>Enquanto nos cabos 1 e 2 não existe um padrão definido, os cabos de categoria 3 (assim como os de categoria 4 e 5) possuem pelo menos 24 tranças por metro e, por isso, são muito mais resistentes a ruídos externos. Cada par de cabos tem um número diferente de tranças por metro, o que atenua as interferências entre os pares de cabos. Praticamente não existe a possibilidade de dois pares de cabos terem exatamente a mesma disposição de tranças.</a:t>
+              <a:rPr lang="pt-PT" dirty="0">
+                <a:latin typeface="Times New Roman" panose="02020603050405020304" pitchFamily="18" charset="0"/>
+                <a:cs typeface="Times New Roman" panose="02020603050405020304" pitchFamily="18" charset="0"/>
+              </a:rPr>
+              <a:t>Existem cabos de cat 1 até cat 7. Como os cabos cat 5 são suficientes tanto para redes de 100 quanto de 1000 megabits, eles são os mais comuns e mais baratos; geralmente custam em torno de 1 real o metro. Os cabos cat5e (os mais comuns atualmente) seguem um padrão um pouco mais estrito, por isso dê preferência a eles na hora de comprar.</a:t>
+            </a:r>
+          </a:p>
+          <a:p>
+            <a:endParaRPr lang="pt-PT" dirty="0">
+              <a:latin typeface="Times New Roman" panose="02020603050405020304" pitchFamily="18" charset="0"/>
+              <a:cs typeface="Times New Roman" panose="02020603050405020304" pitchFamily="18" charset="0"/>
+            </a:endParaRPr>
+          </a:p>
+          <a:p>
+            <a:r>
+              <a:rPr lang="pt-PT" dirty="0">
+                <a:latin typeface="Times New Roman" panose="02020603050405020304" pitchFamily="18" charset="0"/>
+                <a:cs typeface="Times New Roman" panose="02020603050405020304" pitchFamily="18" charset="0"/>
+              </a:rPr>
+              <a:t>Em todas as categorias, a distância máxima permitida é de 100 metros. O que muda é a </a:t>
+            </a:r>
+            <a:r>
+              <a:rPr lang="pt-PT" dirty="0" smtClean="0">
+                <a:latin typeface="Times New Roman" panose="02020603050405020304" pitchFamily="18" charset="0"/>
+                <a:cs typeface="Times New Roman" panose="02020603050405020304" pitchFamily="18" charset="0"/>
+              </a:rPr>
+              <a:t>frequência </a:t>
+            </a:r>
+            <a:r>
+              <a:rPr lang="pt-PT" dirty="0">
+                <a:latin typeface="Times New Roman" panose="02020603050405020304" pitchFamily="18" charset="0"/>
+                <a:cs typeface="Times New Roman" panose="02020603050405020304" pitchFamily="18" charset="0"/>
+              </a:rPr>
+              <a:t>(e, </a:t>
+            </a:r>
+            <a:r>
+              <a:rPr lang="pt-PT" dirty="0" smtClean="0">
+                <a:latin typeface="Times New Roman" panose="02020603050405020304" pitchFamily="18" charset="0"/>
+                <a:cs typeface="Times New Roman" panose="02020603050405020304" pitchFamily="18" charset="0"/>
+              </a:rPr>
+              <a:t>consequentemente, </a:t>
+            </a:r>
+            <a:r>
+              <a:rPr lang="pt-PT" dirty="0">
+                <a:latin typeface="Times New Roman" panose="02020603050405020304" pitchFamily="18" charset="0"/>
+                <a:cs typeface="Times New Roman" panose="02020603050405020304" pitchFamily="18" charset="0"/>
+              </a:rPr>
+              <a:t>a taxa máxima de transferência de dados suportada pelo cabo) e o nível de imunidade a interferências externas. Esta é uma descrição de todas as categorias de cabos de par trançado existentes:</a:t>
             </a:r>
           </a:p>
         </p:txBody>
@@ -7886,7 +7899,7 @@
     </p:spTree>
     <p:extLst>
       <p:ext uri="{BB962C8B-B14F-4D97-AF65-F5344CB8AC3E}">
-        <p14:creationId xmlns:p14="http://schemas.microsoft.com/office/powerpoint/2010/main" val="2992200947"/>
+        <p14:creationId xmlns:p14="http://schemas.microsoft.com/office/powerpoint/2010/main" val="1804753760"/>
       </p:ext>
     </p:extLst>
   </p:cSld>
@@ -7922,25 +7935,6 @@
       </p:grpSpPr>
       <p:sp>
         <p:nvSpPr>
-          <p:cNvPr id="2" name="Título 1"/>
-          <p:cNvSpPr>
-            <a:spLocks noGrp="1"/>
-          </p:cNvSpPr>
-          <p:nvPr>
-            <p:ph type="title"/>
-          </p:nvPr>
-        </p:nvSpPr>
-        <p:spPr/>
-        <p:txBody>
-          <a:bodyPr/>
-          <a:lstStyle/>
-          <a:p>
-            <a:endParaRPr lang="pt-PT"/>
-          </a:p>
-        </p:txBody>
-      </p:sp>
-      <p:sp>
-        <p:nvSpPr>
           <p:cNvPr id="3" name="Marcador de Posição de Conteúdo 2"/>
           <p:cNvSpPr>
             <a:spLocks noGrp="1"/>
@@ -7951,57 +7945,61 @@
         </p:nvSpPr>
         <p:spPr>
           <a:xfrm>
-            <a:off x="2589212" y="1563444"/>
+            <a:off x="2417089" y="810409"/>
             <a:ext cx="8915400" cy="3777622"/>
           </a:xfrm>
         </p:spPr>
         <p:txBody>
           <a:bodyPr>
-            <a:normAutofit fontScale="92500" lnSpcReduction="20000"/>
+            <a:noAutofit/>
           </a:bodyPr>
           <a:lstStyle/>
           <a:p>
             <a:r>
-              <a:rPr lang="pt-PT" dirty="0" smtClean="0"/>
-              <a:t>categoria </a:t>
-            </a:r>
-            <a:r>
-              <a:rPr lang="pt-PT" dirty="0"/>
-              <a:t>4: Cabos com uma qualidade um pouco melhor que os cabos de categoria 3. Este tipo de cabo foi muito usado em redes </a:t>
-            </a:r>
-            <a:r>
-              <a:rPr lang="pt-PT" dirty="0" err="1"/>
-              <a:t>Token</a:t>
-            </a:r>
-            <a:r>
-              <a:rPr lang="pt-PT" dirty="0"/>
-              <a:t> Ring de 16 megabits. Em teoria podem ser usados também em redes Ethernet de 100 megabits, mas na prática isso é incomum, simplesmente porque estes cabos não são mais fabricados.</a:t>
-            </a:r>
-          </a:p>
-          <a:p>
-            <a:endParaRPr lang="pt-PT" dirty="0"/>
-          </a:p>
-          <a:p>
-            <a:r>
-              <a:rPr lang="pt-PT" dirty="0"/>
-              <a:t>Categoria 5: A grande vantagem desta categoria de cabo sobre as anteriores é a taxa de transferência: eles podem ser usados tanto em redes de 100 megabits, quanto em redes de 1 gigabit.</a:t>
-            </a:r>
-          </a:p>
-          <a:p>
-            <a:endParaRPr lang="pt-PT" dirty="0"/>
-          </a:p>
-          <a:p>
-            <a:r>
-              <a:rPr lang="pt-PT" dirty="0"/>
-              <a:t>Categoria 5e: Os cabos de categoria 5e são os mais comuns atualmente, com uma qualidade um pouco superior aos </a:t>
-            </a:r>
-            <a:r>
-              <a:rPr lang="pt-PT" dirty="0" err="1"/>
-              <a:t>cat</a:t>
-            </a:r>
-            <a:r>
-              <a:rPr lang="pt-PT" dirty="0"/>
-              <a:t> 5. Eles oferecem uma taxa de atenuação de sinal mais baixa, o que ajuda em cabos mais longos, perto dos 100 metros permitidos. Estão disponíveis tanto cabos blindados, quantos cabos sem blindagem, os mais baratos e comuns.</a:t>
+              <a:rPr lang="pt-PT" dirty="0">
+                <a:latin typeface="Times New Roman" panose="02020603050405020304" pitchFamily="18" charset="0"/>
+                <a:cs typeface="Times New Roman" panose="02020603050405020304" pitchFamily="18" charset="0"/>
+              </a:rPr>
+              <a:t>Categoria 1: Utilizado em instalações telefônicas, porém inadequado para transmissão de dados.</a:t>
+            </a:r>
+          </a:p>
+          <a:p>
+            <a:endParaRPr lang="pt-PT" dirty="0">
+              <a:latin typeface="Times New Roman" panose="02020603050405020304" pitchFamily="18" charset="0"/>
+              <a:cs typeface="Times New Roman" panose="02020603050405020304" pitchFamily="18" charset="0"/>
+            </a:endParaRPr>
+          </a:p>
+          <a:p>
+            <a:r>
+              <a:rPr lang="pt-PT" dirty="0">
+                <a:latin typeface="Times New Roman" panose="02020603050405020304" pitchFamily="18" charset="0"/>
+                <a:cs typeface="Times New Roman" panose="02020603050405020304" pitchFamily="18" charset="0"/>
+              </a:rPr>
+              <a:t>Categoria 2: Outro tipo de cabo obsoleto. Permite transmissão de dados a até 2.5 megabits e era usado nas antigas redes Arcnet.</a:t>
+            </a:r>
+          </a:p>
+          <a:p>
+            <a:endParaRPr lang="pt-PT" dirty="0">
+              <a:latin typeface="Times New Roman" panose="02020603050405020304" pitchFamily="18" charset="0"/>
+              <a:cs typeface="Times New Roman" panose="02020603050405020304" pitchFamily="18" charset="0"/>
+            </a:endParaRPr>
+          </a:p>
+          <a:p>
+            <a:r>
+              <a:rPr lang="pt-PT" dirty="0">
+                <a:latin typeface="Times New Roman" panose="02020603050405020304" pitchFamily="18" charset="0"/>
+                <a:cs typeface="Times New Roman" panose="02020603050405020304" pitchFamily="18" charset="0"/>
+              </a:rPr>
+              <a:t>Categoria 3: Era o cabo de par trançado sem blindagem mais usado em redes há uma década. Pode se estender por até 100 metros e permite transmissão de dados a até 10 Mbps. A principal diferença do cabo de categoria 3 para os obsoletos cabos de categoria 1 e 2 é o entrançamento dos pares de cabos.</a:t>
+            </a:r>
+          </a:p>
+          <a:p>
+            <a:r>
+              <a:rPr lang="pt-PT" dirty="0">
+                <a:latin typeface="Times New Roman" panose="02020603050405020304" pitchFamily="18" charset="0"/>
+                <a:cs typeface="Times New Roman" panose="02020603050405020304" pitchFamily="18" charset="0"/>
+              </a:rPr>
+              <a:t>Enquanto nos cabos 1 e 2 não existe um padrão definido, os cabos de categoria 3 (assim como os de categoria 4 e 5) possuem pelo menos 24 tranças por metro e, por isso, são muito mais resistentes a ruídos externos. Cada par de cabos tem um número diferente de tranças por metro, o que atenua as interferências entre os pares de cabos. Praticamente não existe a possibilidade de dois pares de cabos terem exatamente a mesma disposição de tranças.</a:t>
             </a:r>
           </a:p>
         </p:txBody>
@@ -8009,7 +8007,7 @@
     </p:spTree>
     <p:extLst>
       <p:ext uri="{BB962C8B-B14F-4D97-AF65-F5344CB8AC3E}">
-        <p14:creationId xmlns:p14="http://schemas.microsoft.com/office/powerpoint/2010/main" val="3938835692"/>
+        <p14:creationId xmlns:p14="http://schemas.microsoft.com/office/powerpoint/2010/main" val="2992200947"/>
       </p:ext>
     </p:extLst>
   </p:cSld>
@@ -8045,25 +8043,6 @@
       </p:grpSpPr>
       <p:sp>
         <p:nvSpPr>
-          <p:cNvPr id="2" name="Título 1"/>
-          <p:cNvSpPr>
-            <a:spLocks noGrp="1"/>
-          </p:cNvSpPr>
-          <p:nvPr>
-            <p:ph type="title"/>
-          </p:nvPr>
-        </p:nvSpPr>
-        <p:spPr/>
-        <p:txBody>
-          <a:bodyPr/>
-          <a:lstStyle/>
-          <a:p>
-            <a:endParaRPr lang="pt-PT"/>
-          </a:p>
-        </p:txBody>
-      </p:sp>
-      <p:sp>
-        <p:nvSpPr>
           <p:cNvPr id="3" name="Marcador de Posição de Conteúdo 2"/>
           <p:cNvSpPr>
             <a:spLocks noGrp="1"/>
@@ -8074,66 +8053,87 @@
         </p:nvSpPr>
         <p:spPr>
           <a:xfrm>
-            <a:off x="2589212" y="1595718"/>
+            <a:off x="2255725" y="896470"/>
             <a:ext cx="8915400" cy="3777622"/>
           </a:xfrm>
         </p:spPr>
         <p:txBody>
           <a:bodyPr>
-            <a:normAutofit fontScale="92500" lnSpcReduction="20000"/>
+            <a:noAutofit/>
           </a:bodyPr>
           <a:lstStyle/>
           <a:p>
             <a:r>
-              <a:rPr lang="pt-PT" dirty="0"/>
-              <a:t>Além destes, temos os cabos de categoria 6 e 7, que ainda estão em fase de popularização:</a:t>
-            </a:r>
-          </a:p>
-          <a:p>
-            <a:endParaRPr lang="pt-PT" dirty="0"/>
-          </a:p>
-          <a:p>
-            <a:r>
-              <a:rPr lang="pt-PT" dirty="0"/>
-              <a:t>Categoria 6: Utiliza cabos de 4 pares, semelhantes aos cabos de categoria 5 e 5e. Este padrão não está completamente estabelecido, mas o objetivo é usá-lo (assim como os 5e) nas redes Gigabit Ethernet. Já é possível encontrar cabos deste padrão à venda em algumas lojas. Você pode ler um FAQ sobre as características técnicas dos cabos </a:t>
-            </a:r>
-            <a:r>
-              <a:rPr lang="pt-PT" dirty="0" err="1"/>
+              <a:rPr lang="pt-PT" dirty="0" smtClean="0">
+                <a:latin typeface="Times New Roman" panose="02020603050405020304" pitchFamily="18" charset="0"/>
+                <a:cs typeface="Times New Roman" panose="02020603050405020304" pitchFamily="18" charset="0"/>
+              </a:rPr>
+              <a:t>categoria </a:t>
+            </a:r>
+            <a:r>
+              <a:rPr lang="pt-PT" dirty="0">
+                <a:latin typeface="Times New Roman" panose="02020603050405020304" pitchFamily="18" charset="0"/>
+                <a:cs typeface="Times New Roman" panose="02020603050405020304" pitchFamily="18" charset="0"/>
+              </a:rPr>
+              <a:t>4: Cabos com uma qualidade um pouco melhor que os cabos de categoria 3. Este tipo de cabo foi muito usado em redes </a:t>
+            </a:r>
+            <a:r>
+              <a:rPr lang="pt-PT" dirty="0" err="1">
+                <a:latin typeface="Times New Roman" panose="02020603050405020304" pitchFamily="18" charset="0"/>
+                <a:cs typeface="Times New Roman" panose="02020603050405020304" pitchFamily="18" charset="0"/>
+              </a:rPr>
+              <a:t>Token</a:t>
+            </a:r>
+            <a:r>
+              <a:rPr lang="pt-PT" dirty="0">
+                <a:latin typeface="Times New Roman" panose="02020603050405020304" pitchFamily="18" charset="0"/>
+                <a:cs typeface="Times New Roman" panose="02020603050405020304" pitchFamily="18" charset="0"/>
+              </a:rPr>
+              <a:t> Ring de 16 megabits. Em teoria podem ser usados também em redes Ethernet de 100 megabits, mas na prática isso é incomum, simplesmente porque estes cabos não são mais fabricados.</a:t>
+            </a:r>
+          </a:p>
+          <a:p>
+            <a:endParaRPr lang="pt-PT" dirty="0">
+              <a:latin typeface="Times New Roman" panose="02020603050405020304" pitchFamily="18" charset="0"/>
+              <a:cs typeface="Times New Roman" panose="02020603050405020304" pitchFamily="18" charset="0"/>
+            </a:endParaRPr>
+          </a:p>
+          <a:p>
+            <a:r>
+              <a:rPr lang="pt-PT" dirty="0">
+                <a:latin typeface="Times New Roman" panose="02020603050405020304" pitchFamily="18" charset="0"/>
+                <a:cs typeface="Times New Roman" panose="02020603050405020304" pitchFamily="18" charset="0"/>
+              </a:rPr>
+              <a:t>Categoria 5: A grande vantagem desta categoria de cabo sobre as anteriores é a taxa de transferência: eles podem ser usados tanto em redes de 100 megabits, quanto em redes de 1 gigabit.</a:t>
+            </a:r>
+          </a:p>
+          <a:p>
+            <a:endParaRPr lang="pt-PT" dirty="0">
+              <a:latin typeface="Times New Roman" panose="02020603050405020304" pitchFamily="18" charset="0"/>
+              <a:cs typeface="Times New Roman" panose="02020603050405020304" pitchFamily="18" charset="0"/>
+            </a:endParaRPr>
+          </a:p>
+          <a:p>
+            <a:r>
+              <a:rPr lang="pt-PT" dirty="0">
+                <a:latin typeface="Times New Roman" panose="02020603050405020304" pitchFamily="18" charset="0"/>
+                <a:cs typeface="Times New Roman" panose="02020603050405020304" pitchFamily="18" charset="0"/>
+              </a:rPr>
+              <a:t>Categoria 5e: Os cabos de categoria 5e são os mais comuns atualmente, com uma qualidade um pouco superior aos </a:t>
+            </a:r>
+            <a:r>
+              <a:rPr lang="pt-PT" dirty="0" err="1">
+                <a:latin typeface="Times New Roman" panose="02020603050405020304" pitchFamily="18" charset="0"/>
+                <a:cs typeface="Times New Roman" panose="02020603050405020304" pitchFamily="18" charset="0"/>
+              </a:rPr>
               <a:t>cat</a:t>
             </a:r>
             <a:r>
-              <a:rPr lang="pt-PT" dirty="0"/>
-              <a:t> 6 </a:t>
-            </a:r>
-            <a:r>
-              <a:rPr lang="pt-PT" dirty="0" smtClean="0"/>
-              <a:t>no: http://www.tiaonline.org/standards/category6/faq.cfm</a:t>
-            </a:r>
-            <a:endParaRPr lang="pt-PT" dirty="0"/>
-          </a:p>
-          <a:p>
-            <a:endParaRPr lang="pt-PT" dirty="0"/>
-          </a:p>
-          <a:p>
-            <a:r>
-              <a:rPr lang="pt-PT" dirty="0"/>
-              <a:t>Categoria 7: Os cabos </a:t>
-            </a:r>
-            <a:r>
-              <a:rPr lang="pt-PT" dirty="0" err="1"/>
-              <a:t>cat</a:t>
-            </a:r>
-            <a:r>
-              <a:rPr lang="pt-PT" dirty="0"/>
-              <a:t> 7 também utilizam 4 pares de fios, porém usam conectores mais sofisticados e são muito mais caros. Tanto a </a:t>
-            </a:r>
-            <a:r>
-              <a:rPr lang="pt-PT" dirty="0" err="1"/>
-              <a:t>freqüência</a:t>
-            </a:r>
-            <a:r>
-              <a:rPr lang="pt-PT" dirty="0"/>
-              <a:t> máxima suportada, quanto a atenuação de sinal são melhores do que nos cabos categoria 6. Está em desenvolvimento um padrão de 10 Gigabit Ethernet que utilizará cabos de categoria 6 e 7.</a:t>
+              <a:rPr lang="pt-PT" dirty="0">
+                <a:latin typeface="Times New Roman" panose="02020603050405020304" pitchFamily="18" charset="0"/>
+                <a:cs typeface="Times New Roman" panose="02020603050405020304" pitchFamily="18" charset="0"/>
+              </a:rPr>
+              <a:t> 5. Eles oferecem uma taxa de atenuação de sinal mais baixa, o que ajuda em cabos mais longos, perto dos 100 metros permitidos. Estão disponíveis tanto cabos blindados, quantos cabos sem blindagem, os mais baratos e comuns.</a:t>
             </a:r>
           </a:p>
         </p:txBody>
@@ -8141,7 +8141,7 @@
     </p:spTree>
     <p:extLst>
       <p:ext uri="{BB962C8B-B14F-4D97-AF65-F5344CB8AC3E}">
-        <p14:creationId xmlns:p14="http://schemas.microsoft.com/office/powerpoint/2010/main" val="4218951207"/>
+        <p14:creationId xmlns:p14="http://schemas.microsoft.com/office/powerpoint/2010/main" val="3938835692"/>
       </p:ext>
     </p:extLst>
   </p:cSld>
@@ -8177,29 +8177,6 @@
       </p:grpSpPr>
       <p:sp>
         <p:nvSpPr>
-          <p:cNvPr id="2" name="Título 1"/>
-          <p:cNvSpPr>
-            <a:spLocks noGrp="1"/>
-          </p:cNvSpPr>
-          <p:nvPr>
-            <p:ph type="title"/>
-          </p:nvPr>
-        </p:nvSpPr>
-        <p:spPr/>
-        <p:txBody>
-          <a:bodyPr/>
-          <a:lstStyle/>
-          <a:p>
-            <a:r>
-              <a:rPr lang="pt-PT" dirty="0" smtClean="0"/>
-              <a:t>Tipos de rede</a:t>
-            </a:r>
-            <a:endParaRPr lang="pt-PT" dirty="0"/>
-          </a:p>
-        </p:txBody>
-      </p:sp>
-      <p:sp>
-        <p:nvSpPr>
           <p:cNvPr id="3" name="Marcador de Posição de Conteúdo 2"/>
           <p:cNvSpPr>
             <a:spLocks noGrp="1"/>
@@ -8210,75 +8187,105 @@
         </p:nvSpPr>
         <p:spPr>
           <a:xfrm>
-            <a:off x="2589212" y="1531172"/>
+            <a:off x="2126633" y="842683"/>
             <a:ext cx="8915400" cy="3777622"/>
           </a:xfrm>
         </p:spPr>
         <p:txBody>
           <a:bodyPr>
-            <a:normAutofit fontScale="77500" lnSpcReduction="20000"/>
+            <a:noAutofit/>
           </a:bodyPr>
           <a:lstStyle/>
           <a:p>
             <a:r>
-              <a:rPr lang="pt-PT" dirty="0"/>
-              <a:t>Rede de área alargada (WAN)</a:t>
-            </a:r>
-          </a:p>
-          <a:p>
-            <a:r>
-              <a:rPr lang="pt-PT" dirty="0"/>
-              <a:t>A redes de área alargada ("Wide </a:t>
-            </a:r>
-            <a:r>
-              <a:rPr lang="pt-PT" dirty="0" smtClean="0"/>
-              <a:t>Área </a:t>
-            </a:r>
-            <a:r>
-              <a:rPr lang="pt-PT" dirty="0"/>
-              <a:t>Network") têm a dimensão correspondente a países, continentes ou vários continentes. São na realidade </a:t>
-            </a:r>
-            <a:r>
-              <a:rPr lang="pt-PT" dirty="0" smtClean="0"/>
-              <a:t>constituídas </a:t>
-            </a:r>
-            <a:r>
-              <a:rPr lang="pt-PT" dirty="0"/>
-              <a:t>por </a:t>
-            </a:r>
-            <a:r>
-              <a:rPr lang="pt-PT" dirty="0" smtClean="0"/>
-              <a:t>múltiplas </a:t>
-            </a:r>
-            <a:r>
-              <a:rPr lang="pt-PT" dirty="0"/>
-              <a:t>redes interligadas, por exemplo LANs e MANs. O exemplo mais divulgado é a "internet". Dada a sua dimensão e uma vez que englobam LANs e WANs, as tecnologias usadas para a transmissão dos dados são as mais diversas, contudo para que as trocas de informação se processem é necessário um elo comum assente sobre essa tecnologia heterogénea. Esse elo comum é o protocolo de rede.</a:t>
-            </a:r>
-          </a:p>
-          <a:p>
-            <a:endParaRPr lang="pt-PT" dirty="0"/>
-          </a:p>
-          <a:p>
-            <a:r>
-              <a:rPr lang="pt-PT" dirty="0"/>
-              <a:t>A interligação ("internetworking") de redes de diferentes tecnologias é assegurada por dispositivos conhecidos por "routers" (encaminhadores). Um "router" possui tipicamente ligação física a duas ou mais redes, recebendo dados de uma rede para os colocar na outra rede. Uma exemplo </a:t>
-            </a:r>
-            <a:r>
-              <a:rPr lang="pt-PT" dirty="0" smtClean="0"/>
-              <a:t>típico </a:t>
-            </a:r>
-            <a:r>
-              <a:rPr lang="pt-PT" dirty="0"/>
-              <a:t>é a ligação de uma rede "Ethernet" a uma rede ponto-a-ponto.</a:t>
-            </a:r>
-          </a:p>
-          <a:p>
-            <a:endParaRPr lang="pt-PT" dirty="0"/>
-          </a:p>
-          <a:p>
-            <a:r>
-              <a:rPr lang="pt-PT" dirty="0"/>
-              <a:t>Por exemplo quanto um particular estabelece uma ligação telefónica com um fornecedor de serviços internet (ISP), podemos considerar que a parte da rede telefónica que está a ser usada passa a fazer parte da WAN que é a "internet".</a:t>
+              <a:rPr lang="pt-PT" dirty="0">
+                <a:latin typeface="Times New Roman" panose="02020603050405020304" pitchFamily="18" charset="0"/>
+                <a:cs typeface="Times New Roman" panose="02020603050405020304" pitchFamily="18" charset="0"/>
+              </a:rPr>
+              <a:t>Além destes, temos os cabos de categoria 6 e 7, que ainda estão em fase de popularização:</a:t>
+            </a:r>
+          </a:p>
+          <a:p>
+            <a:endParaRPr lang="pt-PT" dirty="0">
+              <a:latin typeface="Times New Roman" panose="02020603050405020304" pitchFamily="18" charset="0"/>
+              <a:cs typeface="Times New Roman" panose="02020603050405020304" pitchFamily="18" charset="0"/>
+            </a:endParaRPr>
+          </a:p>
+          <a:p>
+            <a:r>
+              <a:rPr lang="pt-PT" dirty="0">
+                <a:latin typeface="Times New Roman" panose="02020603050405020304" pitchFamily="18" charset="0"/>
+                <a:cs typeface="Times New Roman" panose="02020603050405020304" pitchFamily="18" charset="0"/>
+              </a:rPr>
+              <a:t>Categoria 6: Utiliza cabos de 4 pares, semelhantes aos cabos de categoria 5 e 5e. Este padrão não está completamente estabelecido, mas o objetivo é usá-lo (assim como os 5e) nas redes Gigabit Ethernet. Já é possível encontrar cabos deste padrão à venda em algumas lojas. Você pode ler um FAQ sobre as características técnicas dos cabos </a:t>
+            </a:r>
+            <a:r>
+              <a:rPr lang="pt-PT" dirty="0" err="1">
+                <a:latin typeface="Times New Roman" panose="02020603050405020304" pitchFamily="18" charset="0"/>
+                <a:cs typeface="Times New Roman" panose="02020603050405020304" pitchFamily="18" charset="0"/>
+              </a:rPr>
+              <a:t>cat</a:t>
+            </a:r>
+            <a:r>
+              <a:rPr lang="pt-PT" dirty="0">
+                <a:latin typeface="Times New Roman" panose="02020603050405020304" pitchFamily="18" charset="0"/>
+                <a:cs typeface="Times New Roman" panose="02020603050405020304" pitchFamily="18" charset="0"/>
+              </a:rPr>
+              <a:t> 6 </a:t>
+            </a:r>
+            <a:r>
+              <a:rPr lang="pt-PT" dirty="0" smtClean="0">
+                <a:latin typeface="Times New Roman" panose="02020603050405020304" pitchFamily="18" charset="0"/>
+                <a:cs typeface="Times New Roman" panose="02020603050405020304" pitchFamily="18" charset="0"/>
+              </a:rPr>
+              <a:t>no: http://www.tiaonline.org/standards/category6/faq.cfm</a:t>
+            </a:r>
+            <a:endParaRPr lang="pt-PT" dirty="0">
+              <a:latin typeface="Times New Roman" panose="02020603050405020304" pitchFamily="18" charset="0"/>
+              <a:cs typeface="Times New Roman" panose="02020603050405020304" pitchFamily="18" charset="0"/>
+            </a:endParaRPr>
+          </a:p>
+          <a:p>
+            <a:endParaRPr lang="pt-PT" dirty="0">
+              <a:latin typeface="Times New Roman" panose="02020603050405020304" pitchFamily="18" charset="0"/>
+              <a:cs typeface="Times New Roman" panose="02020603050405020304" pitchFamily="18" charset="0"/>
+            </a:endParaRPr>
+          </a:p>
+          <a:p>
+            <a:r>
+              <a:rPr lang="pt-PT" dirty="0">
+                <a:latin typeface="Times New Roman" panose="02020603050405020304" pitchFamily="18" charset="0"/>
+                <a:cs typeface="Times New Roman" panose="02020603050405020304" pitchFamily="18" charset="0"/>
+              </a:rPr>
+              <a:t>Categoria 7: Os cabos </a:t>
+            </a:r>
+            <a:r>
+              <a:rPr lang="pt-PT" dirty="0" err="1">
+                <a:latin typeface="Times New Roman" panose="02020603050405020304" pitchFamily="18" charset="0"/>
+                <a:cs typeface="Times New Roman" panose="02020603050405020304" pitchFamily="18" charset="0"/>
+              </a:rPr>
+              <a:t>cat</a:t>
+            </a:r>
+            <a:r>
+              <a:rPr lang="pt-PT" dirty="0">
+                <a:latin typeface="Times New Roman" panose="02020603050405020304" pitchFamily="18" charset="0"/>
+                <a:cs typeface="Times New Roman" panose="02020603050405020304" pitchFamily="18" charset="0"/>
+              </a:rPr>
+              <a:t> 7 também utilizam 4 pares de fios, porém usam conectores mais sofisticados e são muito mais caros. Tanto a </a:t>
+            </a:r>
+            <a:r>
+              <a:rPr lang="pt-PT" dirty="0" err="1">
+                <a:latin typeface="Times New Roman" panose="02020603050405020304" pitchFamily="18" charset="0"/>
+                <a:cs typeface="Times New Roman" panose="02020603050405020304" pitchFamily="18" charset="0"/>
+              </a:rPr>
+              <a:t>freqüência</a:t>
+            </a:r>
+            <a:r>
+              <a:rPr lang="pt-PT" dirty="0">
+                <a:latin typeface="Times New Roman" panose="02020603050405020304" pitchFamily="18" charset="0"/>
+                <a:cs typeface="Times New Roman" panose="02020603050405020304" pitchFamily="18" charset="0"/>
+              </a:rPr>
+              <a:t> máxima suportada, quanto a atenuação de sinal são melhores do que nos cabos categoria 6. Está em desenvolvimento um padrão de 10 Gigabit Ethernet que utilizará cabos de categoria 6 e 7.</a:t>
             </a:r>
           </a:p>
         </p:txBody>
@@ -8286,7 +8293,7 @@
     </p:spTree>
     <p:extLst>
       <p:ext uri="{BB962C8B-B14F-4D97-AF65-F5344CB8AC3E}">
-        <p14:creationId xmlns:p14="http://schemas.microsoft.com/office/powerpoint/2010/main" val="4294202311"/>
+        <p14:creationId xmlns:p14="http://schemas.microsoft.com/office/powerpoint/2010/main" val="4218951207"/>
       </p:ext>
     </p:extLst>
   </p:cSld>
@@ -8330,114 +8337,157 @@
             <p:ph type="title"/>
           </p:nvPr>
         </p:nvSpPr>
-        <p:spPr/>
-        <p:txBody>
-          <a:bodyPr/>
-          <a:lstStyle/>
-          <a:p>
-            <a:endParaRPr lang="pt-PT"/>
-          </a:p>
-        </p:txBody>
-      </p:sp>
-      <p:sp>
-        <p:nvSpPr>
-          <p:cNvPr id="3" name="Marcador de Posição de Conteúdo 2"/>
-          <p:cNvSpPr>
-            <a:spLocks noGrp="1"/>
-          </p:cNvSpPr>
-          <p:nvPr>
-            <p:ph idx="1"/>
-          </p:nvPr>
-        </p:nvSpPr>
         <p:spPr>
           <a:xfrm>
-            <a:off x="2105118" y="1264554"/>
-            <a:ext cx="8915400" cy="4340179"/>
+            <a:off x="2302468" y="250282"/>
+            <a:ext cx="8911687" cy="1280890"/>
           </a:xfrm>
         </p:spPr>
         <p:txBody>
-          <a:bodyPr/>
+          <a:bodyPr>
+            <a:normAutofit/>
+          </a:bodyPr>
           <a:lstStyle/>
           <a:p>
             <a:r>
-              <a:rPr lang="pt-PT" dirty="0"/>
-              <a:t>Rede local (LAN)</a:t>
-            </a:r>
-          </a:p>
-          <a:p>
-            <a:r>
-              <a:rPr lang="pt-PT" dirty="0"/>
-              <a:t>Uma "Local Area Network" caracteriza-se por ocupar uma área limitada, no máximo um </a:t>
-            </a:r>
-            <a:r>
-              <a:rPr lang="pt-PT" dirty="0" smtClean="0"/>
-              <a:t>edifício, </a:t>
-            </a:r>
-            <a:r>
-              <a:rPr lang="pt-PT" dirty="0"/>
-              <a:t>ou alguns </a:t>
-            </a:r>
-            <a:r>
-              <a:rPr lang="pt-PT" dirty="0" smtClean="0"/>
-              <a:t>edifícios </a:t>
-            </a:r>
-            <a:r>
-              <a:rPr lang="pt-PT" dirty="0"/>
-              <a:t>próximos, muitas vezes limitam-se a apenas um piso de um </a:t>
-            </a:r>
-            <a:r>
-              <a:rPr lang="pt-PT" dirty="0" smtClean="0"/>
-              <a:t>edifício, </a:t>
-            </a:r>
-            <a:r>
-              <a:rPr lang="pt-PT" dirty="0"/>
-              <a:t>um conjunto de salas, ou até uma única sala. São redes de débito medio ou alto (desde 10 Mbps até 1 Gbps, sendo </a:t>
-            </a:r>
-            <a:r>
-              <a:rPr lang="pt-PT" dirty="0" smtClean="0"/>
-              <a:t>atualmente </a:t>
-            </a:r>
-            <a:r>
-              <a:rPr lang="pt-PT" dirty="0"/>
-              <a:t>o valor de 100 Mbps o mais comum). A tecnologia mais divulgada é o </a:t>
-            </a:r>
-            <a:r>
-              <a:rPr lang="pt-PT" dirty="0" smtClean="0"/>
-              <a:t>"Ethernet", </a:t>
-            </a:r>
-            <a:r>
-              <a:rPr lang="pt-PT" dirty="0"/>
-              <a:t>ainda em "broadcast", ou usando já "comutação". Existe um conjunto de serviços e protocolos que são </a:t>
-            </a:r>
-            <a:r>
-              <a:rPr lang="pt-PT" dirty="0" smtClean="0"/>
-              <a:t>característicos </a:t>
-            </a:r>
-            <a:r>
-              <a:rPr lang="pt-PT" dirty="0"/>
-              <a:t>das redes locais e que fazem parte da definição de rede </a:t>
-            </a:r>
-            <a:r>
-              <a:rPr lang="pt-PT" dirty="0" smtClean="0"/>
-              <a:t>corporativa.</a:t>
-            </a:r>
-            <a:endParaRPr lang="pt-PT" dirty="0"/>
-          </a:p>
-          <a:p>
-            <a:endParaRPr lang="pt-PT" dirty="0"/>
-          </a:p>
-          <a:p>
-            <a:endParaRPr lang="pt-PT" dirty="0"/>
-          </a:p>
-          <a:p>
-            <a:endParaRPr lang="pt-PT" dirty="0"/>
+              <a:rPr lang="pt-PT" sz="5400" dirty="0" smtClean="0"/>
+              <a:t>Tipos de rede</a:t>
+            </a:r>
+            <a:endParaRPr lang="pt-PT" sz="5400" dirty="0"/>
+          </a:p>
+        </p:txBody>
+      </p:sp>
+      <p:sp>
+        <p:nvSpPr>
+          <p:cNvPr id="3" name="Marcador de Posição de Conteúdo 2"/>
+          <p:cNvSpPr>
+            <a:spLocks noGrp="1"/>
+          </p:cNvSpPr>
+          <p:nvPr>
+            <p:ph idx="1"/>
+          </p:nvPr>
+        </p:nvSpPr>
+        <p:spPr>
+          <a:xfrm>
+            <a:off x="2302468" y="1294504"/>
+            <a:ext cx="8915400" cy="3777622"/>
+          </a:xfrm>
+        </p:spPr>
+        <p:txBody>
+          <a:bodyPr>
+            <a:noAutofit/>
+          </a:bodyPr>
+          <a:lstStyle/>
+          <a:p>
+            <a:r>
+              <a:rPr lang="pt-PT" sz="1600" dirty="0">
+                <a:latin typeface="Times New Roman" panose="02020603050405020304" pitchFamily="18" charset="0"/>
+                <a:cs typeface="Times New Roman" panose="02020603050405020304" pitchFamily="18" charset="0"/>
+              </a:rPr>
+              <a:t>Rede de área alargada (WAN)</a:t>
+            </a:r>
+          </a:p>
+          <a:p>
+            <a:r>
+              <a:rPr lang="pt-PT" sz="1600" dirty="0">
+                <a:latin typeface="Times New Roman" panose="02020603050405020304" pitchFamily="18" charset="0"/>
+                <a:cs typeface="Times New Roman" panose="02020603050405020304" pitchFamily="18" charset="0"/>
+              </a:rPr>
+              <a:t>A redes de área alargada ("Wide </a:t>
+            </a:r>
+            <a:r>
+              <a:rPr lang="pt-PT" sz="1600" dirty="0" smtClean="0">
+                <a:latin typeface="Times New Roman" panose="02020603050405020304" pitchFamily="18" charset="0"/>
+                <a:cs typeface="Times New Roman" panose="02020603050405020304" pitchFamily="18" charset="0"/>
+              </a:rPr>
+              <a:t>Área </a:t>
+            </a:r>
+            <a:r>
+              <a:rPr lang="pt-PT" sz="1600" dirty="0">
+                <a:latin typeface="Times New Roman" panose="02020603050405020304" pitchFamily="18" charset="0"/>
+                <a:cs typeface="Times New Roman" panose="02020603050405020304" pitchFamily="18" charset="0"/>
+              </a:rPr>
+              <a:t>Network") têm a dimensão correspondente a países, continentes ou vários continentes. São na realidade </a:t>
+            </a:r>
+            <a:r>
+              <a:rPr lang="pt-PT" sz="1600" dirty="0" smtClean="0">
+                <a:latin typeface="Times New Roman" panose="02020603050405020304" pitchFamily="18" charset="0"/>
+                <a:cs typeface="Times New Roman" panose="02020603050405020304" pitchFamily="18" charset="0"/>
+              </a:rPr>
+              <a:t>constituídas </a:t>
+            </a:r>
+            <a:r>
+              <a:rPr lang="pt-PT" sz="1600" dirty="0">
+                <a:latin typeface="Times New Roman" panose="02020603050405020304" pitchFamily="18" charset="0"/>
+                <a:cs typeface="Times New Roman" panose="02020603050405020304" pitchFamily="18" charset="0"/>
+              </a:rPr>
+              <a:t>por </a:t>
+            </a:r>
+            <a:r>
+              <a:rPr lang="pt-PT" sz="1600" dirty="0" smtClean="0">
+                <a:latin typeface="Times New Roman" panose="02020603050405020304" pitchFamily="18" charset="0"/>
+                <a:cs typeface="Times New Roman" panose="02020603050405020304" pitchFamily="18" charset="0"/>
+              </a:rPr>
+              <a:t>múltiplas </a:t>
+            </a:r>
+            <a:r>
+              <a:rPr lang="pt-PT" sz="1600" dirty="0">
+                <a:latin typeface="Times New Roman" panose="02020603050405020304" pitchFamily="18" charset="0"/>
+                <a:cs typeface="Times New Roman" panose="02020603050405020304" pitchFamily="18" charset="0"/>
+              </a:rPr>
+              <a:t>redes interligadas, por exemplo LANs e MANs. O exemplo mais divulgado é a "internet". Dada a sua dimensão e uma vez que englobam LANs e WANs, as tecnologias usadas para a transmissão dos dados são as mais diversas, contudo para que as trocas de informação se processem é necessário um elo comum assente sobre essa tecnologia heterogénea. Esse elo comum é o protocolo de rede.</a:t>
+            </a:r>
+          </a:p>
+          <a:p>
+            <a:endParaRPr lang="pt-PT" sz="1600" dirty="0">
+              <a:latin typeface="Times New Roman" panose="02020603050405020304" pitchFamily="18" charset="0"/>
+              <a:cs typeface="Times New Roman" panose="02020603050405020304" pitchFamily="18" charset="0"/>
+            </a:endParaRPr>
+          </a:p>
+          <a:p>
+            <a:r>
+              <a:rPr lang="pt-PT" sz="1600" dirty="0">
+                <a:latin typeface="Times New Roman" panose="02020603050405020304" pitchFamily="18" charset="0"/>
+                <a:cs typeface="Times New Roman" panose="02020603050405020304" pitchFamily="18" charset="0"/>
+              </a:rPr>
+              <a:t>A interligação ("internetworking") de redes de diferentes tecnologias é assegurada por dispositivos conhecidos por "routers" (encaminhadores). Um "router" possui tipicamente ligação física a duas ou mais redes, recebendo dados de uma rede para os colocar na outra rede. Uma exemplo </a:t>
+            </a:r>
+            <a:r>
+              <a:rPr lang="pt-PT" sz="1600" dirty="0" smtClean="0">
+                <a:latin typeface="Times New Roman" panose="02020603050405020304" pitchFamily="18" charset="0"/>
+                <a:cs typeface="Times New Roman" panose="02020603050405020304" pitchFamily="18" charset="0"/>
+              </a:rPr>
+              <a:t>típico </a:t>
+            </a:r>
+            <a:r>
+              <a:rPr lang="pt-PT" sz="1600" dirty="0">
+                <a:latin typeface="Times New Roman" panose="02020603050405020304" pitchFamily="18" charset="0"/>
+                <a:cs typeface="Times New Roman" panose="02020603050405020304" pitchFamily="18" charset="0"/>
+              </a:rPr>
+              <a:t>é a ligação de uma rede "Ethernet" a uma rede ponto-a-ponto.</a:t>
+            </a:r>
+          </a:p>
+          <a:p>
+            <a:endParaRPr lang="pt-PT" sz="1600" dirty="0">
+              <a:latin typeface="Times New Roman" panose="02020603050405020304" pitchFamily="18" charset="0"/>
+              <a:cs typeface="Times New Roman" panose="02020603050405020304" pitchFamily="18" charset="0"/>
+            </a:endParaRPr>
+          </a:p>
+          <a:p>
+            <a:r>
+              <a:rPr lang="pt-PT" sz="1600" dirty="0">
+                <a:latin typeface="Times New Roman" panose="02020603050405020304" pitchFamily="18" charset="0"/>
+                <a:cs typeface="Times New Roman" panose="02020603050405020304" pitchFamily="18" charset="0"/>
+              </a:rPr>
+              <a:t>Por exemplo quanto um particular estabelece uma ligação telefónica com um fornecedor de serviços internet (ISP), podemos considerar que a parte da rede telefónica que está a ser usada passa a fazer parte da WAN que é a "internet".</a:t>
+            </a:r>
           </a:p>
         </p:txBody>
       </p:sp>
     </p:spTree>
     <p:extLst>
       <p:ext uri="{BB962C8B-B14F-4D97-AF65-F5344CB8AC3E}">
-        <p14:creationId xmlns:p14="http://schemas.microsoft.com/office/powerpoint/2010/main" val="2314912111"/>
+        <p14:creationId xmlns:p14="http://schemas.microsoft.com/office/powerpoint/2010/main" val="4294202311"/>
       </p:ext>
     </p:extLst>
   </p:cSld>
@@ -8473,49 +8523,41 @@
       </p:grpSpPr>
       <p:sp>
         <p:nvSpPr>
-          <p:cNvPr id="2" name="Título 1"/>
-          <p:cNvSpPr>
-            <a:spLocks noGrp="1"/>
-          </p:cNvSpPr>
-          <p:nvPr>
-            <p:ph type="title"/>
-          </p:nvPr>
-        </p:nvSpPr>
-        <p:spPr/>
+          <p:cNvPr id="3" name="Marcador de Posição de Conteúdo 2"/>
+          <p:cNvSpPr>
+            <a:spLocks noGrp="1"/>
+          </p:cNvSpPr>
+          <p:nvPr>
+            <p:ph idx="1"/>
+          </p:nvPr>
+        </p:nvSpPr>
+        <p:spPr>
+          <a:xfrm>
+            <a:off x="2094360" y="823491"/>
+            <a:ext cx="8915400" cy="4340179"/>
+          </a:xfrm>
+        </p:spPr>
         <p:txBody>
           <a:bodyPr/>
           <a:lstStyle/>
           <a:p>
-            <a:endParaRPr lang="pt-PT"/>
-          </a:p>
-        </p:txBody>
-      </p:sp>
-      <p:sp>
-        <p:nvSpPr>
-          <p:cNvPr id="3" name="Marcador de Posição de Conteúdo 2"/>
-          <p:cNvSpPr>
-            <a:spLocks noGrp="1"/>
-          </p:cNvSpPr>
-          <p:nvPr>
-            <p:ph idx="1"/>
-          </p:nvPr>
-        </p:nvSpPr>
-        <p:spPr/>
-        <p:txBody>
-          <a:bodyPr>
-            <a:normAutofit fontScale="85000" lnSpcReduction="20000"/>
-          </a:bodyPr>
-          <a:lstStyle/>
-          <a:p>
             <a:r>
               <a:rPr lang="pt-PT" dirty="0"/>
-              <a:t>Rede metropolitana (MAN)</a:t>
+              <a:t>Rede local (LAN)</a:t>
             </a:r>
           </a:p>
           <a:p>
             <a:r>
               <a:rPr lang="pt-PT" dirty="0"/>
-              <a:t>Uma "Metropolitan Area Network" é basicamente uma WAN, cuja dimensão é reduzida, geralmente também assegura a interligação de redes locais. A área abrangida corresponde no máximo a uma cidade. São usadas por exemplo para interligar vários </a:t>
+              <a:t>Uma "Local Area Network" caracteriza-se por ocupar uma área limitada, no máximo um </a:t>
+            </a:r>
+            <a:r>
+              <a:rPr lang="pt-PT" dirty="0" smtClean="0"/>
+              <a:t>edifício, </a:t>
+            </a:r>
+            <a:r>
+              <a:rPr lang="pt-PT" dirty="0"/>
+              <a:t>ou alguns </a:t>
             </a:r>
             <a:r>
               <a:rPr lang="pt-PT" dirty="0" smtClean="0"/>
@@ -8523,49 +8565,61 @@
             </a:r>
             <a:r>
               <a:rPr lang="pt-PT" dirty="0"/>
-              <a:t>afins dispersos numa cidade.</a:t>
-            </a:r>
-          </a:p>
-          <a:p>
+              <a:t>próximos, muitas vezes limitam-se a apenas um piso de um </a:t>
+            </a:r>
+            <a:r>
+              <a:rPr lang="pt-PT" dirty="0" smtClean="0"/>
+              <a:t>edifício, </a:t>
+            </a:r>
+            <a:r>
+              <a:rPr lang="pt-PT" dirty="0"/>
+              <a:t>um conjunto de salas, ou até uma única sala. São redes de débito medio ou alto (desde 10 Mbps até 1 Gbps, sendo </a:t>
+            </a:r>
+            <a:r>
+              <a:rPr lang="pt-PT" dirty="0" smtClean="0"/>
+              <a:t>atualmente </a:t>
+            </a:r>
+            <a:r>
+              <a:rPr lang="pt-PT" dirty="0"/>
+              <a:t>o valor de 100 Mbps o mais comum). A tecnologia mais divulgada é o </a:t>
+            </a:r>
+            <a:r>
+              <a:rPr lang="pt-PT" dirty="0" smtClean="0"/>
+              <a:t>"Ethernet", </a:t>
+            </a:r>
+            <a:r>
+              <a:rPr lang="pt-PT" dirty="0"/>
+              <a:t>ainda em "broadcast", ou usando já "comutação". Existe um conjunto de serviços e protocolos que são </a:t>
+            </a:r>
+            <a:r>
+              <a:rPr lang="pt-PT" dirty="0" smtClean="0"/>
+              <a:t>característicos </a:t>
+            </a:r>
+            <a:r>
+              <a:rPr lang="pt-PT" dirty="0"/>
+              <a:t>das redes locais e que fazem parte da definição de rede </a:t>
+            </a:r>
+            <a:r>
+              <a:rPr lang="pt-PT" dirty="0" smtClean="0"/>
+              <a:t>corporativa.</a:t>
+            </a:r>
             <a:endParaRPr lang="pt-PT" dirty="0"/>
           </a:p>
           <a:p>
-            <a:r>
-              <a:rPr lang="pt-PT" dirty="0"/>
-              <a:t>A tecnologia empregue pode incluir redes ponto-a-ponto ou usar meios que permitem um débito mais elevado como FDDI, ATM, DQDB ("Distributed Queue Dual Bus") ou até mesmo Gigabit </a:t>
-            </a:r>
-            <a:r>
-              <a:rPr lang="pt-PT" dirty="0" smtClean="0"/>
-              <a:t>Ethernet. </a:t>
-            </a:r>
-            <a:r>
-              <a:rPr lang="pt-PT" dirty="0"/>
-              <a:t>Uma vez que as redes de área metropolitana (tal como as WAN) envolvem a utilização de espaços públicos, apenas podem ser instaladas por empresas licenciadas pelo estado, sendo a tecnologia de eleição o ATM. Os únicos casos em que é possível realizar interligações através de espaços públicos é usando micro-ondas rádio ou laser, mesmos nestes casos existem restrições quanto a potência de emissão.</a:t>
-            </a:r>
-          </a:p>
-          <a:p>
             <a:endParaRPr lang="pt-PT" dirty="0"/>
           </a:p>
           <a:p>
-            <a:r>
-              <a:rPr lang="pt-PT" dirty="0"/>
-              <a:t>Um exemplo de MAN </a:t>
-            </a:r>
-            <a:r>
-              <a:rPr lang="pt-PT" dirty="0" smtClean="0"/>
-              <a:t>atual </a:t>
-            </a:r>
-            <a:r>
-              <a:rPr lang="pt-PT" dirty="0"/>
-              <a:t>e bastante conhecido entre o público geral é a "net-cabo".</a:t>
-            </a:r>
+            <a:endParaRPr lang="pt-PT" dirty="0"/>
+          </a:p>
+          <a:p>
+            <a:endParaRPr lang="pt-PT" dirty="0"/>
           </a:p>
         </p:txBody>
       </p:sp>
     </p:spTree>
     <p:extLst>
       <p:ext uri="{BB962C8B-B14F-4D97-AF65-F5344CB8AC3E}">
-        <p14:creationId xmlns:p14="http://schemas.microsoft.com/office/powerpoint/2010/main" val="3705300112"/>
+        <p14:creationId xmlns:p14="http://schemas.microsoft.com/office/powerpoint/2010/main" val="2314912111"/>
       </p:ext>
     </p:extLst>
   </p:cSld>
@@ -8601,46 +8655,18 @@
       </p:grpSpPr>
       <p:sp>
         <p:nvSpPr>
-          <p:cNvPr id="2" name="Título 1"/>
-          <p:cNvSpPr>
-            <a:spLocks noGrp="1"/>
-          </p:cNvSpPr>
-          <p:nvPr>
-            <p:ph type="title"/>
+          <p:cNvPr id="3" name="Marcador de Posição de Conteúdo 2"/>
+          <p:cNvSpPr>
+            <a:spLocks noGrp="1"/>
+          </p:cNvSpPr>
+          <p:nvPr>
+            <p:ph idx="1"/>
           </p:nvPr>
         </p:nvSpPr>
         <p:spPr>
           <a:xfrm>
-            <a:off x="2051330" y="623213"/>
-            <a:ext cx="8911687" cy="1280890"/>
-          </a:xfrm>
-        </p:spPr>
-        <p:txBody>
-          <a:bodyPr/>
-          <a:lstStyle/>
-          <a:p>
-            <a:r>
-              <a:rPr lang="pt-PT" dirty="0" smtClean="0"/>
-              <a:t>Equipamentos ativos/passivos</a:t>
-            </a:r>
-            <a:endParaRPr lang="pt-PT" dirty="0"/>
-          </a:p>
-        </p:txBody>
-      </p:sp>
-      <p:sp>
-        <p:nvSpPr>
-          <p:cNvPr id="3" name="Marcador de Posição de Conteúdo 2"/>
-          <p:cNvSpPr>
-            <a:spLocks noGrp="1"/>
-          </p:cNvSpPr>
-          <p:nvPr>
-            <p:ph idx="1"/>
-          </p:nvPr>
-        </p:nvSpPr>
-        <p:spPr>
-          <a:xfrm>
-            <a:off x="2051330" y="1452282"/>
-            <a:ext cx="8915400" cy="5572462"/>
+            <a:off x="2180421" y="907228"/>
+            <a:ext cx="8915400" cy="3777622"/>
           </a:xfrm>
         </p:spPr>
         <p:txBody>
@@ -8650,185 +8676,100 @@
           <a:lstStyle/>
           <a:p>
             <a:r>
-              <a:rPr lang="pt-PT" sz="1400" dirty="0">
-                <a:latin typeface="Arial" panose="020B0604020202020204" pitchFamily="34" charset="0"/>
-                <a:cs typeface="Arial" panose="020B0604020202020204" pitchFamily="34" charset="0"/>
-              </a:rPr>
-              <a:t>Equipamento ativo:</a:t>
-            </a:r>
-          </a:p>
-          <a:p>
-            <a:endParaRPr lang="pt-PT" sz="1400" dirty="0">
-              <a:latin typeface="Arial" panose="020B0604020202020204" pitchFamily="34" charset="0"/>
-              <a:cs typeface="Arial" panose="020B0604020202020204" pitchFamily="34" charset="0"/>
+              <a:rPr lang="pt-PT" sz="1600" dirty="0">
+                <a:latin typeface="Times New Roman" panose="02020603050405020304" pitchFamily="18" charset="0"/>
+                <a:cs typeface="Times New Roman" panose="02020603050405020304" pitchFamily="18" charset="0"/>
+              </a:rPr>
+              <a:t>Rede metropolitana (MAN)</a:t>
+            </a:r>
+          </a:p>
+          <a:p>
+            <a:r>
+              <a:rPr lang="pt-PT" sz="1600" dirty="0">
+                <a:latin typeface="Times New Roman" panose="02020603050405020304" pitchFamily="18" charset="0"/>
+                <a:cs typeface="Times New Roman" panose="02020603050405020304" pitchFamily="18" charset="0"/>
+              </a:rPr>
+              <a:t>Uma "Metropolitan Area Network" é basicamente uma WAN, cuja dimensão é reduzida, geralmente também assegura a interligação de redes locais. A área abrangida corresponde no máximo a uma cidade. São usadas por exemplo para interligar vários </a:t>
+            </a:r>
+            <a:r>
+              <a:rPr lang="pt-PT" sz="1600" dirty="0" smtClean="0">
+                <a:latin typeface="Times New Roman" panose="02020603050405020304" pitchFamily="18" charset="0"/>
+                <a:cs typeface="Times New Roman" panose="02020603050405020304" pitchFamily="18" charset="0"/>
+              </a:rPr>
+              <a:t>edifícios </a:t>
+            </a:r>
+            <a:r>
+              <a:rPr lang="pt-PT" sz="1600" dirty="0">
+                <a:latin typeface="Times New Roman" panose="02020603050405020304" pitchFamily="18" charset="0"/>
+                <a:cs typeface="Times New Roman" panose="02020603050405020304" pitchFamily="18" charset="0"/>
+              </a:rPr>
+              <a:t>afins dispersos numa cidade.</a:t>
+            </a:r>
+          </a:p>
+          <a:p>
+            <a:endParaRPr lang="pt-PT" sz="1600" dirty="0">
+              <a:latin typeface="Times New Roman" panose="02020603050405020304" pitchFamily="18" charset="0"/>
+              <a:cs typeface="Times New Roman" panose="02020603050405020304" pitchFamily="18" charset="0"/>
             </a:endParaRPr>
           </a:p>
           <a:p>
-            <a:endParaRPr lang="pt-PT" sz="1400" dirty="0">
-              <a:latin typeface="Arial" panose="020B0604020202020204" pitchFamily="34" charset="0"/>
-              <a:cs typeface="Arial" panose="020B0604020202020204" pitchFamily="34" charset="0"/>
+            <a:r>
+              <a:rPr lang="pt-PT" sz="1600" dirty="0">
+                <a:latin typeface="Times New Roman" panose="02020603050405020304" pitchFamily="18" charset="0"/>
+                <a:cs typeface="Times New Roman" panose="02020603050405020304" pitchFamily="18" charset="0"/>
+              </a:rPr>
+              <a:t>A tecnologia empregue pode incluir redes ponto-a-ponto ou usar meios que permitem um débito mais elevado como FDDI, ATM, DQDB ("Distributed Queue Dual Bus") ou até mesmo Gigabit </a:t>
+            </a:r>
+            <a:r>
+              <a:rPr lang="pt-PT" sz="1600" dirty="0" smtClean="0">
+                <a:latin typeface="Times New Roman" panose="02020603050405020304" pitchFamily="18" charset="0"/>
+                <a:cs typeface="Times New Roman" panose="02020603050405020304" pitchFamily="18" charset="0"/>
+              </a:rPr>
+              <a:t>Ethernet. </a:t>
+            </a:r>
+            <a:r>
+              <a:rPr lang="pt-PT" sz="1600" dirty="0">
+                <a:latin typeface="Times New Roman" panose="02020603050405020304" pitchFamily="18" charset="0"/>
+                <a:cs typeface="Times New Roman" panose="02020603050405020304" pitchFamily="18" charset="0"/>
+              </a:rPr>
+              <a:t>Uma vez que as redes de área metropolitana (tal como as WAN) envolvem a utilização de espaços públicos, apenas podem ser instaladas por empresas licenciadas pelo estado, sendo a tecnologia de eleição o ATM. Os únicos casos em que é possível realizar interligações através de espaços públicos é usando micro-ondas rádio ou laser, mesmos nestes casos existem restrições quanto a potência de emissão.</a:t>
+            </a:r>
+          </a:p>
+          <a:p>
+            <a:endParaRPr lang="pt-PT" sz="1600" dirty="0">
+              <a:latin typeface="Times New Roman" panose="02020603050405020304" pitchFamily="18" charset="0"/>
+              <a:cs typeface="Times New Roman" panose="02020603050405020304" pitchFamily="18" charset="0"/>
             </a:endParaRPr>
           </a:p>
           <a:p>
             <a:r>
-              <a:rPr lang="pt-PT" sz="1400" dirty="0">
-                <a:latin typeface="Arial" panose="020B0604020202020204" pitchFamily="34" charset="0"/>
-                <a:cs typeface="Arial" panose="020B0604020202020204" pitchFamily="34" charset="0"/>
-              </a:rPr>
-              <a:t>São todos os equipamentos geradores, recetores de códigos ou conversor de sinais </a:t>
-            </a:r>
-            <a:r>
-              <a:rPr lang="pt-PT" sz="1400" dirty="0" smtClean="0">
-                <a:latin typeface="Arial" panose="020B0604020202020204" pitchFamily="34" charset="0"/>
-                <a:cs typeface="Arial" panose="020B0604020202020204" pitchFamily="34" charset="0"/>
-              </a:rPr>
-              <a:t>elétricos </a:t>
-            </a:r>
-            <a:r>
-              <a:rPr lang="pt-PT" sz="1400" dirty="0">
-                <a:latin typeface="Arial" panose="020B0604020202020204" pitchFamily="34" charset="0"/>
-                <a:cs typeface="Arial" panose="020B0604020202020204" pitchFamily="34" charset="0"/>
-              </a:rPr>
-              <a:t>ou óticos.</a:t>
-            </a:r>
-          </a:p>
-          <a:p>
-            <a:endParaRPr lang="pt-PT" sz="1400" dirty="0">
-              <a:latin typeface="Arial" panose="020B0604020202020204" pitchFamily="34" charset="0"/>
-              <a:cs typeface="Arial" panose="020B0604020202020204" pitchFamily="34" charset="0"/>
-            </a:endParaRPr>
-          </a:p>
-          <a:p>
-            <a:endParaRPr lang="pt-PT" sz="1400" dirty="0">
-              <a:latin typeface="Arial" panose="020B0604020202020204" pitchFamily="34" charset="0"/>
-              <a:cs typeface="Arial" panose="020B0604020202020204" pitchFamily="34" charset="0"/>
-            </a:endParaRPr>
-          </a:p>
-          <a:p>
-            <a:r>
-              <a:rPr lang="pt-PT" sz="1400" dirty="0">
-                <a:latin typeface="Arial" panose="020B0604020202020204" pitchFamily="34" charset="0"/>
-                <a:cs typeface="Arial" panose="020B0604020202020204" pitchFamily="34" charset="0"/>
-              </a:rPr>
-              <a:t>- Firewall (no caso de se tratar de uma firewall </a:t>
-            </a:r>
-            <a:r>
-              <a:rPr lang="pt-PT" sz="1400" dirty="0" smtClean="0">
-                <a:latin typeface="Arial" panose="020B0604020202020204" pitchFamily="34" charset="0"/>
-                <a:cs typeface="Arial" panose="020B0604020202020204" pitchFamily="34" charset="0"/>
-              </a:rPr>
-              <a:t>física)</a:t>
-            </a:r>
-            <a:endParaRPr lang="pt-PT" sz="1400" dirty="0">
-              <a:latin typeface="Arial" panose="020B0604020202020204" pitchFamily="34" charset="0"/>
-              <a:cs typeface="Arial" panose="020B0604020202020204" pitchFamily="34" charset="0"/>
-            </a:endParaRPr>
-          </a:p>
-          <a:p>
-            <a:endParaRPr lang="pt-PT" sz="1400" dirty="0">
-              <a:latin typeface="Arial" panose="020B0604020202020204" pitchFamily="34" charset="0"/>
-              <a:cs typeface="Arial" panose="020B0604020202020204" pitchFamily="34" charset="0"/>
-            </a:endParaRPr>
-          </a:p>
-          <a:p>
-            <a:endParaRPr lang="pt-PT" sz="1400" dirty="0">
-              <a:latin typeface="Arial" panose="020B0604020202020204" pitchFamily="34" charset="0"/>
-              <a:cs typeface="Arial" panose="020B0604020202020204" pitchFamily="34" charset="0"/>
-            </a:endParaRPr>
-          </a:p>
-          <a:p>
-            <a:r>
-              <a:rPr lang="pt-PT" sz="1400" dirty="0">
-                <a:latin typeface="Arial" panose="020B0604020202020204" pitchFamily="34" charset="0"/>
-                <a:cs typeface="Arial" panose="020B0604020202020204" pitchFamily="34" charset="0"/>
-              </a:rPr>
-              <a:t>- Routers</a:t>
-            </a:r>
-          </a:p>
-          <a:p>
-            <a:endParaRPr lang="pt-PT" sz="1400" dirty="0">
-              <a:latin typeface="Arial" panose="020B0604020202020204" pitchFamily="34" charset="0"/>
-              <a:cs typeface="Arial" panose="020B0604020202020204" pitchFamily="34" charset="0"/>
-            </a:endParaRPr>
-          </a:p>
-          <a:p>
-            <a:endParaRPr lang="pt-PT" sz="1400" dirty="0">
-              <a:latin typeface="Arial" panose="020B0604020202020204" pitchFamily="34" charset="0"/>
-              <a:cs typeface="Arial" panose="020B0604020202020204" pitchFamily="34" charset="0"/>
-            </a:endParaRPr>
-          </a:p>
-          <a:p>
-            <a:r>
-              <a:rPr lang="pt-PT" sz="1400" dirty="0">
-                <a:latin typeface="Arial" panose="020B0604020202020204" pitchFamily="34" charset="0"/>
-                <a:cs typeface="Arial" panose="020B0604020202020204" pitchFamily="34" charset="0"/>
-              </a:rPr>
-              <a:t>- Hubs</a:t>
-            </a:r>
-          </a:p>
-          <a:p>
-            <a:endParaRPr lang="pt-PT" sz="1400" dirty="0">
-              <a:latin typeface="Arial" panose="020B0604020202020204" pitchFamily="34" charset="0"/>
-              <a:cs typeface="Arial" panose="020B0604020202020204" pitchFamily="34" charset="0"/>
-            </a:endParaRPr>
-          </a:p>
-          <a:p>
-            <a:endParaRPr lang="pt-PT" sz="1400" dirty="0">
-              <a:latin typeface="Arial" panose="020B0604020202020204" pitchFamily="34" charset="0"/>
-              <a:cs typeface="Arial" panose="020B0604020202020204" pitchFamily="34" charset="0"/>
-            </a:endParaRPr>
-          </a:p>
-          <a:p>
-            <a:r>
-              <a:rPr lang="pt-PT" sz="1400" dirty="0">
-                <a:latin typeface="Arial" panose="020B0604020202020204" pitchFamily="34" charset="0"/>
-                <a:cs typeface="Arial" panose="020B0604020202020204" pitchFamily="34" charset="0"/>
-              </a:rPr>
-              <a:t>- Bridges</a:t>
-            </a:r>
-          </a:p>
-          <a:p>
-            <a:endParaRPr lang="pt-PT" sz="1400" dirty="0">
-              <a:latin typeface="Arial" panose="020B0604020202020204" pitchFamily="34" charset="0"/>
-              <a:cs typeface="Arial" panose="020B0604020202020204" pitchFamily="34" charset="0"/>
-            </a:endParaRPr>
-          </a:p>
-          <a:p>
-            <a:pPr marL="0" indent="0">
-              <a:buNone/>
-            </a:pPr>
-            <a:endParaRPr lang="pt-PT" sz="1400" dirty="0">
-              <a:latin typeface="Arial" panose="020B0604020202020204" pitchFamily="34" charset="0"/>
-              <a:cs typeface="Arial" panose="020B0604020202020204" pitchFamily="34" charset="0"/>
-            </a:endParaRPr>
-          </a:p>
-          <a:p>
-            <a:endParaRPr lang="pt-PT" sz="1400" dirty="0">
-              <a:latin typeface="Arial" panose="020B0604020202020204" pitchFamily="34" charset="0"/>
-              <a:cs typeface="Arial" panose="020B0604020202020204" pitchFamily="34" charset="0"/>
-            </a:endParaRPr>
-          </a:p>
-          <a:p>
-            <a:endParaRPr lang="pt-PT" sz="1400" dirty="0">
-              <a:latin typeface="Arial" panose="020B0604020202020204" pitchFamily="34" charset="0"/>
-              <a:cs typeface="Arial" panose="020B0604020202020204" pitchFamily="34" charset="0"/>
-            </a:endParaRPr>
-          </a:p>
-          <a:p>
-            <a:pPr marL="0" indent="0">
-              <a:buNone/>
-            </a:pPr>
-            <a:endParaRPr lang="pt-PT" sz="1400" dirty="0">
-              <a:latin typeface="Arial" panose="020B0604020202020204" pitchFamily="34" charset="0"/>
-              <a:cs typeface="Arial" panose="020B0604020202020204" pitchFamily="34" charset="0"/>
-            </a:endParaRPr>
+              <a:rPr lang="pt-PT" sz="1600" dirty="0">
+                <a:latin typeface="Times New Roman" panose="02020603050405020304" pitchFamily="18" charset="0"/>
+                <a:cs typeface="Times New Roman" panose="02020603050405020304" pitchFamily="18" charset="0"/>
+              </a:rPr>
+              <a:t>Um exemplo de MAN </a:t>
+            </a:r>
+            <a:r>
+              <a:rPr lang="pt-PT" sz="1600" dirty="0" smtClean="0">
+                <a:latin typeface="Times New Roman" panose="02020603050405020304" pitchFamily="18" charset="0"/>
+                <a:cs typeface="Times New Roman" panose="02020603050405020304" pitchFamily="18" charset="0"/>
+              </a:rPr>
+              <a:t>atual </a:t>
+            </a:r>
+            <a:r>
+              <a:rPr lang="pt-PT" sz="1600" dirty="0">
+                <a:latin typeface="Times New Roman" panose="02020603050405020304" pitchFamily="18" charset="0"/>
+                <a:cs typeface="Times New Roman" panose="02020603050405020304" pitchFamily="18" charset="0"/>
+              </a:rPr>
+              <a:t>e bastante conhecido entre o público geral é a "net-cabo".</a:t>
+            </a:r>
           </a:p>
         </p:txBody>
       </p:sp>
     </p:spTree>
     <p:extLst>
       <p:ext uri="{BB962C8B-B14F-4D97-AF65-F5344CB8AC3E}">
-        <p14:creationId xmlns:p14="http://schemas.microsoft.com/office/powerpoint/2010/main" val="3780628182"/>
+        <p14:creationId xmlns:p14="http://schemas.microsoft.com/office/powerpoint/2010/main" val="3705300112"/>
       </p:ext>
     </p:extLst>
   </p:cSld>
@@ -8872,12 +8813,21 @@
             <p:ph type="title"/>
           </p:nvPr>
         </p:nvSpPr>
-        <p:spPr/>
+        <p:spPr>
+          <a:xfrm>
+            <a:off x="1943753" y="408060"/>
+            <a:ext cx="8911687" cy="1280890"/>
+          </a:xfrm>
+        </p:spPr>
         <p:txBody>
           <a:bodyPr/>
           <a:lstStyle/>
           <a:p>
-            <a:endParaRPr lang="pt-PT"/>
+            <a:r>
+              <a:rPr lang="pt-PT" dirty="0" smtClean="0"/>
+              <a:t>Equipamentos ativos/passivos</a:t>
+            </a:r>
+            <a:endParaRPr lang="pt-PT" dirty="0"/>
           </a:p>
         </p:txBody>
       </p:sp>
@@ -8893,8 +8843,8 @@
         </p:nvSpPr>
         <p:spPr>
           <a:xfrm>
-            <a:off x="2008300" y="1264556"/>
-            <a:ext cx="8915400" cy="5593444"/>
+            <a:off x="2051330" y="1285538"/>
+            <a:ext cx="8915400" cy="5572462"/>
           </a:xfrm>
         </p:spPr>
         <p:txBody>
@@ -8904,67 +8854,350 @@
           <a:lstStyle/>
           <a:p>
             <a:r>
-              <a:rPr lang="pt-PT" sz="1400" dirty="0"/>
+              <a:rPr lang="pt-PT" sz="1400" dirty="0">
+                <a:latin typeface="Times New Roman" panose="02020603050405020304" pitchFamily="18" charset="0"/>
+                <a:cs typeface="Times New Roman" panose="02020603050405020304" pitchFamily="18" charset="0"/>
+              </a:rPr>
+              <a:t>Equipamento ativo:</a:t>
+            </a:r>
+          </a:p>
+          <a:p>
+            <a:endParaRPr lang="pt-PT" sz="1400" dirty="0">
+              <a:latin typeface="Times New Roman" panose="02020603050405020304" pitchFamily="18" charset="0"/>
+              <a:cs typeface="Times New Roman" panose="02020603050405020304" pitchFamily="18" charset="0"/>
+            </a:endParaRPr>
+          </a:p>
+          <a:p>
+            <a:endParaRPr lang="pt-PT" sz="1400" dirty="0">
+              <a:latin typeface="Times New Roman" panose="02020603050405020304" pitchFamily="18" charset="0"/>
+              <a:cs typeface="Times New Roman" panose="02020603050405020304" pitchFamily="18" charset="0"/>
+            </a:endParaRPr>
+          </a:p>
+          <a:p>
+            <a:r>
+              <a:rPr lang="pt-PT" sz="1400" dirty="0">
+                <a:latin typeface="Times New Roman" panose="02020603050405020304" pitchFamily="18" charset="0"/>
+                <a:cs typeface="Times New Roman" panose="02020603050405020304" pitchFamily="18" charset="0"/>
+              </a:rPr>
+              <a:t>São todos os equipamentos geradores, recetores de códigos ou conversor de sinais </a:t>
+            </a:r>
+            <a:r>
+              <a:rPr lang="pt-PT" sz="1400" dirty="0" smtClean="0">
+                <a:latin typeface="Times New Roman" panose="02020603050405020304" pitchFamily="18" charset="0"/>
+                <a:cs typeface="Times New Roman" panose="02020603050405020304" pitchFamily="18" charset="0"/>
+              </a:rPr>
+              <a:t>elétricos </a:t>
+            </a:r>
+            <a:r>
+              <a:rPr lang="pt-PT" sz="1400" dirty="0">
+                <a:latin typeface="Times New Roman" panose="02020603050405020304" pitchFamily="18" charset="0"/>
+                <a:cs typeface="Times New Roman" panose="02020603050405020304" pitchFamily="18" charset="0"/>
+              </a:rPr>
+              <a:t>ou óticos.</a:t>
+            </a:r>
+          </a:p>
+          <a:p>
+            <a:endParaRPr lang="pt-PT" sz="1400" dirty="0">
+              <a:latin typeface="Times New Roman" panose="02020603050405020304" pitchFamily="18" charset="0"/>
+              <a:cs typeface="Times New Roman" panose="02020603050405020304" pitchFamily="18" charset="0"/>
+            </a:endParaRPr>
+          </a:p>
+          <a:p>
+            <a:endParaRPr lang="pt-PT" sz="1400" dirty="0">
+              <a:latin typeface="Times New Roman" panose="02020603050405020304" pitchFamily="18" charset="0"/>
+              <a:cs typeface="Times New Roman" panose="02020603050405020304" pitchFamily="18" charset="0"/>
+            </a:endParaRPr>
+          </a:p>
+          <a:p>
+            <a:r>
+              <a:rPr lang="pt-PT" sz="1400" dirty="0">
+                <a:latin typeface="Times New Roman" panose="02020603050405020304" pitchFamily="18" charset="0"/>
+                <a:cs typeface="Times New Roman" panose="02020603050405020304" pitchFamily="18" charset="0"/>
+              </a:rPr>
+              <a:t>- Firewall (no caso de se tratar de uma firewall </a:t>
+            </a:r>
+            <a:r>
+              <a:rPr lang="pt-PT" sz="1400" dirty="0" smtClean="0">
+                <a:latin typeface="Times New Roman" panose="02020603050405020304" pitchFamily="18" charset="0"/>
+                <a:cs typeface="Times New Roman" panose="02020603050405020304" pitchFamily="18" charset="0"/>
+              </a:rPr>
+              <a:t>física)</a:t>
+            </a:r>
+            <a:endParaRPr lang="pt-PT" sz="1400" dirty="0">
+              <a:latin typeface="Times New Roman" panose="02020603050405020304" pitchFamily="18" charset="0"/>
+              <a:cs typeface="Times New Roman" panose="02020603050405020304" pitchFamily="18" charset="0"/>
+            </a:endParaRPr>
+          </a:p>
+          <a:p>
+            <a:endParaRPr lang="pt-PT" sz="1400" dirty="0">
+              <a:latin typeface="Times New Roman" panose="02020603050405020304" pitchFamily="18" charset="0"/>
+              <a:cs typeface="Times New Roman" panose="02020603050405020304" pitchFamily="18" charset="0"/>
+            </a:endParaRPr>
+          </a:p>
+          <a:p>
+            <a:endParaRPr lang="pt-PT" sz="1400" dirty="0">
+              <a:latin typeface="Times New Roman" panose="02020603050405020304" pitchFamily="18" charset="0"/>
+              <a:cs typeface="Times New Roman" panose="02020603050405020304" pitchFamily="18" charset="0"/>
+            </a:endParaRPr>
+          </a:p>
+          <a:p>
+            <a:r>
+              <a:rPr lang="pt-PT" sz="1400" dirty="0">
+                <a:latin typeface="Times New Roman" panose="02020603050405020304" pitchFamily="18" charset="0"/>
+                <a:cs typeface="Times New Roman" panose="02020603050405020304" pitchFamily="18" charset="0"/>
+              </a:rPr>
+              <a:t>- Routers</a:t>
+            </a:r>
+          </a:p>
+          <a:p>
+            <a:endParaRPr lang="pt-PT" sz="1400" dirty="0">
+              <a:latin typeface="Times New Roman" panose="02020603050405020304" pitchFamily="18" charset="0"/>
+              <a:cs typeface="Times New Roman" panose="02020603050405020304" pitchFamily="18" charset="0"/>
+            </a:endParaRPr>
+          </a:p>
+          <a:p>
+            <a:endParaRPr lang="pt-PT" sz="1400" dirty="0">
+              <a:latin typeface="Times New Roman" panose="02020603050405020304" pitchFamily="18" charset="0"/>
+              <a:cs typeface="Times New Roman" panose="02020603050405020304" pitchFamily="18" charset="0"/>
+            </a:endParaRPr>
+          </a:p>
+          <a:p>
+            <a:r>
+              <a:rPr lang="pt-PT" sz="1400" dirty="0">
+                <a:latin typeface="Times New Roman" panose="02020603050405020304" pitchFamily="18" charset="0"/>
+                <a:cs typeface="Times New Roman" panose="02020603050405020304" pitchFamily="18" charset="0"/>
+              </a:rPr>
+              <a:t>- Hubs</a:t>
+            </a:r>
+          </a:p>
+          <a:p>
+            <a:endParaRPr lang="pt-PT" sz="1400" dirty="0">
+              <a:latin typeface="Times New Roman" panose="02020603050405020304" pitchFamily="18" charset="0"/>
+              <a:cs typeface="Times New Roman" panose="02020603050405020304" pitchFamily="18" charset="0"/>
+            </a:endParaRPr>
+          </a:p>
+          <a:p>
+            <a:endParaRPr lang="pt-PT" sz="1400" dirty="0">
+              <a:latin typeface="Times New Roman" panose="02020603050405020304" pitchFamily="18" charset="0"/>
+              <a:cs typeface="Times New Roman" panose="02020603050405020304" pitchFamily="18" charset="0"/>
+            </a:endParaRPr>
+          </a:p>
+          <a:p>
+            <a:r>
+              <a:rPr lang="pt-PT" sz="1400" dirty="0">
+                <a:latin typeface="Times New Roman" panose="02020603050405020304" pitchFamily="18" charset="0"/>
+                <a:cs typeface="Times New Roman" panose="02020603050405020304" pitchFamily="18" charset="0"/>
+              </a:rPr>
+              <a:t>- Bridges</a:t>
+            </a:r>
+          </a:p>
+          <a:p>
+            <a:endParaRPr lang="pt-PT" sz="1400" dirty="0">
+              <a:latin typeface="Times New Roman" panose="02020603050405020304" pitchFamily="18" charset="0"/>
+              <a:cs typeface="Times New Roman" panose="02020603050405020304" pitchFamily="18" charset="0"/>
+            </a:endParaRPr>
+          </a:p>
+          <a:p>
+            <a:pPr marL="0" indent="0">
+              <a:buNone/>
+            </a:pPr>
+            <a:endParaRPr lang="pt-PT" sz="1400" dirty="0">
+              <a:latin typeface="Times New Roman" panose="02020603050405020304" pitchFamily="18" charset="0"/>
+              <a:cs typeface="Times New Roman" panose="02020603050405020304" pitchFamily="18" charset="0"/>
+            </a:endParaRPr>
+          </a:p>
+          <a:p>
+            <a:endParaRPr lang="pt-PT" sz="1400" dirty="0">
+              <a:latin typeface="Times New Roman" panose="02020603050405020304" pitchFamily="18" charset="0"/>
+              <a:cs typeface="Times New Roman" panose="02020603050405020304" pitchFamily="18" charset="0"/>
+            </a:endParaRPr>
+          </a:p>
+          <a:p>
+            <a:endParaRPr lang="pt-PT" sz="1400" dirty="0">
+              <a:latin typeface="Times New Roman" panose="02020603050405020304" pitchFamily="18" charset="0"/>
+              <a:cs typeface="Times New Roman" panose="02020603050405020304" pitchFamily="18" charset="0"/>
+            </a:endParaRPr>
+          </a:p>
+          <a:p>
+            <a:pPr marL="0" indent="0">
+              <a:buNone/>
+            </a:pPr>
+            <a:endParaRPr lang="pt-PT" sz="1400" dirty="0">
+              <a:latin typeface="Times New Roman" panose="02020603050405020304" pitchFamily="18" charset="0"/>
+              <a:cs typeface="Times New Roman" panose="02020603050405020304" pitchFamily="18" charset="0"/>
+            </a:endParaRPr>
+          </a:p>
+        </p:txBody>
+      </p:sp>
+    </p:spTree>
+    <p:extLst>
+      <p:ext uri="{BB962C8B-B14F-4D97-AF65-F5344CB8AC3E}">
+        <p14:creationId xmlns:p14="http://schemas.microsoft.com/office/powerpoint/2010/main" val="3780628182"/>
+      </p:ext>
+    </p:extLst>
+  </p:cSld>
+  <p:clrMapOvr>
+    <a:masterClrMapping/>
+  </p:clrMapOvr>
+  <p:timing>
+    <p:tnLst>
+      <p:par>
+        <p:cTn id="1" dur="indefinite" restart="never" nodeType="tmRoot"/>
+      </p:par>
+    </p:tnLst>
+  </p:timing>
+</p:sld>
+</file>
+
+<file path=ppt/slides/slide18.xml><?xml version="1.0" encoding="utf-8"?>
+<p:sld xmlns:a="http://schemas.openxmlformats.org/drawingml/2006/main" xmlns:r="http://schemas.openxmlformats.org/officeDocument/2006/relationships" xmlns:p="http://schemas.openxmlformats.org/presentationml/2006/main">
+  <p:cSld>
+    <p:spTree>
+      <p:nvGrpSpPr>
+        <p:cNvPr id="1" name=""/>
+        <p:cNvGrpSpPr/>
+        <p:nvPr/>
+      </p:nvGrpSpPr>
+      <p:grpSpPr>
+        <a:xfrm>
+          <a:off x="0" y="0"/>
+          <a:ext cx="0" cy="0"/>
+          <a:chOff x="0" y="0"/>
+          <a:chExt cx="0" cy="0"/>
+        </a:xfrm>
+      </p:grpSpPr>
+      <p:sp>
+        <p:nvSpPr>
+          <p:cNvPr id="3" name="Marcador de Posição de Conteúdo 2"/>
+          <p:cNvSpPr>
+            <a:spLocks noGrp="1"/>
+          </p:cNvSpPr>
+          <p:nvPr>
+            <p:ph idx="1"/>
+          </p:nvPr>
+        </p:nvSpPr>
+        <p:spPr>
+          <a:xfrm>
+            <a:off x="2105119" y="855765"/>
+            <a:ext cx="8915400" cy="5593444"/>
+          </a:xfrm>
+        </p:spPr>
+        <p:txBody>
+          <a:bodyPr>
+            <a:noAutofit/>
+          </a:bodyPr>
+          <a:lstStyle/>
+          <a:p>
+            <a:r>
+              <a:rPr lang="pt-PT" sz="1400" dirty="0">
+                <a:latin typeface="Times New Roman" panose="02020603050405020304" pitchFamily="18" charset="0"/>
+                <a:cs typeface="Times New Roman" panose="02020603050405020304" pitchFamily="18" charset="0"/>
+              </a:rPr>
               <a:t>Equipamento passivo:</a:t>
             </a:r>
           </a:p>
           <a:p>
-            <a:endParaRPr lang="pt-PT" sz="1400" dirty="0"/>
-          </a:p>
-          <a:p>
-            <a:endParaRPr lang="pt-PT" sz="1400" dirty="0"/>
-          </a:p>
-          <a:p>
-            <a:r>
-              <a:rPr lang="pt-PT" sz="1400" dirty="0"/>
+            <a:endParaRPr lang="pt-PT" sz="1400" dirty="0">
+              <a:latin typeface="Times New Roman" panose="02020603050405020304" pitchFamily="18" charset="0"/>
+              <a:cs typeface="Times New Roman" panose="02020603050405020304" pitchFamily="18" charset="0"/>
+            </a:endParaRPr>
+          </a:p>
+          <a:p>
+            <a:endParaRPr lang="pt-PT" sz="1400" dirty="0">
+              <a:latin typeface="Times New Roman" panose="02020603050405020304" pitchFamily="18" charset="0"/>
+              <a:cs typeface="Times New Roman" panose="02020603050405020304" pitchFamily="18" charset="0"/>
+            </a:endParaRPr>
+          </a:p>
+          <a:p>
+            <a:r>
+              <a:rPr lang="pt-PT" sz="1400" dirty="0">
+                <a:latin typeface="Times New Roman" panose="02020603050405020304" pitchFamily="18" charset="0"/>
+                <a:cs typeface="Times New Roman" panose="02020603050405020304" pitchFamily="18" charset="0"/>
+              </a:rPr>
               <a:t>São dispositivos que não interferem com os dados ou sinais que passam por el e que permitem a interligação do equipamento ativo.</a:t>
             </a:r>
           </a:p>
           <a:p>
-            <a:endParaRPr lang="pt-PT" sz="1400" dirty="0"/>
-          </a:p>
-          <a:p>
-            <a:endParaRPr lang="pt-PT" sz="1400" dirty="0"/>
-          </a:p>
-          <a:p>
-            <a:r>
-              <a:rPr lang="pt-PT" sz="1400" dirty="0"/>
+            <a:endParaRPr lang="pt-PT" sz="1400" dirty="0">
+              <a:latin typeface="Times New Roman" panose="02020603050405020304" pitchFamily="18" charset="0"/>
+              <a:cs typeface="Times New Roman" panose="02020603050405020304" pitchFamily="18" charset="0"/>
+            </a:endParaRPr>
+          </a:p>
+          <a:p>
+            <a:endParaRPr lang="pt-PT" sz="1400" dirty="0">
+              <a:latin typeface="Times New Roman" panose="02020603050405020304" pitchFamily="18" charset="0"/>
+              <a:cs typeface="Times New Roman" panose="02020603050405020304" pitchFamily="18" charset="0"/>
+            </a:endParaRPr>
+          </a:p>
+          <a:p>
+            <a:r>
+              <a:rPr lang="pt-PT" sz="1400" dirty="0">
+                <a:latin typeface="Times New Roman" panose="02020603050405020304" pitchFamily="18" charset="0"/>
+                <a:cs typeface="Times New Roman" panose="02020603050405020304" pitchFamily="18" charset="0"/>
+              </a:rPr>
               <a:t>- Ups</a:t>
             </a:r>
           </a:p>
           <a:p>
-            <a:endParaRPr lang="pt-PT" sz="1400" dirty="0"/>
-          </a:p>
-          <a:p>
-            <a:endParaRPr lang="pt-PT" sz="1400" dirty="0"/>
-          </a:p>
-          <a:p>
-            <a:r>
-              <a:rPr lang="pt-PT" sz="1400" dirty="0"/>
+            <a:endParaRPr lang="pt-PT" sz="1400" dirty="0">
+              <a:latin typeface="Times New Roman" panose="02020603050405020304" pitchFamily="18" charset="0"/>
+              <a:cs typeface="Times New Roman" panose="02020603050405020304" pitchFamily="18" charset="0"/>
+            </a:endParaRPr>
+          </a:p>
+          <a:p>
+            <a:endParaRPr lang="pt-PT" sz="1400" dirty="0">
+              <a:latin typeface="Times New Roman" panose="02020603050405020304" pitchFamily="18" charset="0"/>
+              <a:cs typeface="Times New Roman" panose="02020603050405020304" pitchFamily="18" charset="0"/>
+            </a:endParaRPr>
+          </a:p>
+          <a:p>
+            <a:r>
+              <a:rPr lang="pt-PT" sz="1400" dirty="0">
+                <a:latin typeface="Times New Roman" panose="02020603050405020304" pitchFamily="18" charset="0"/>
+                <a:cs typeface="Times New Roman" panose="02020603050405020304" pitchFamily="18" charset="0"/>
+              </a:rPr>
               <a:t>- Bastidores</a:t>
             </a:r>
           </a:p>
           <a:p>
-            <a:endParaRPr lang="pt-PT" sz="1400" dirty="0"/>
-          </a:p>
-          <a:p>
-            <a:endParaRPr lang="pt-PT" sz="1400" dirty="0"/>
-          </a:p>
-          <a:p>
-            <a:r>
-              <a:rPr lang="pt-PT" sz="1400" dirty="0"/>
+            <a:endParaRPr lang="pt-PT" sz="1400" dirty="0">
+              <a:latin typeface="Times New Roman" panose="02020603050405020304" pitchFamily="18" charset="0"/>
+              <a:cs typeface="Times New Roman" panose="02020603050405020304" pitchFamily="18" charset="0"/>
+            </a:endParaRPr>
+          </a:p>
+          <a:p>
+            <a:endParaRPr lang="pt-PT" sz="1400" dirty="0">
+              <a:latin typeface="Times New Roman" panose="02020603050405020304" pitchFamily="18" charset="0"/>
+              <a:cs typeface="Times New Roman" panose="02020603050405020304" pitchFamily="18" charset="0"/>
+            </a:endParaRPr>
+          </a:p>
+          <a:p>
+            <a:r>
+              <a:rPr lang="pt-PT" sz="1400" dirty="0">
+                <a:latin typeface="Times New Roman" panose="02020603050405020304" pitchFamily="18" charset="0"/>
+                <a:cs typeface="Times New Roman" panose="02020603050405020304" pitchFamily="18" charset="0"/>
+              </a:rPr>
               <a:t>- calhas</a:t>
             </a:r>
           </a:p>
           <a:p>
-            <a:endParaRPr lang="pt-PT" sz="1400" dirty="0"/>
-          </a:p>
-          <a:p>
-            <a:endParaRPr lang="pt-PT" sz="1400" dirty="0"/>
-          </a:p>
-          <a:p>
-            <a:r>
-              <a:rPr lang="pt-PT" sz="1400" dirty="0"/>
+            <a:endParaRPr lang="pt-PT" sz="1400" dirty="0">
+              <a:latin typeface="Times New Roman" panose="02020603050405020304" pitchFamily="18" charset="0"/>
+              <a:cs typeface="Times New Roman" panose="02020603050405020304" pitchFamily="18" charset="0"/>
+            </a:endParaRPr>
+          </a:p>
+          <a:p>
+            <a:endParaRPr lang="pt-PT" sz="1400" dirty="0">
+              <a:latin typeface="Times New Roman" panose="02020603050405020304" pitchFamily="18" charset="0"/>
+              <a:cs typeface="Times New Roman" panose="02020603050405020304" pitchFamily="18" charset="0"/>
+            </a:endParaRPr>
+          </a:p>
+          <a:p>
+            <a:r>
+              <a:rPr lang="pt-PT" sz="1400" dirty="0">
+                <a:latin typeface="Times New Roman" panose="02020603050405020304" pitchFamily="18" charset="0"/>
+                <a:cs typeface="Times New Roman" panose="02020603050405020304" pitchFamily="18" charset="0"/>
+              </a:rPr>
               <a:t>- réguas de alimentação de bastidores</a:t>
             </a:r>
           </a:p>
@@ -9031,14 +9264,162 @@
         </p:nvSpPr>
         <p:spPr/>
         <p:txBody>
-          <a:bodyPr/>
+          <a:bodyPr>
+            <a:normAutofit/>
+          </a:bodyPr>
           <a:lstStyle/>
           <a:p>
             <a:r>
-              <a:rPr lang="pt-PT" dirty="0" smtClean="0"/>
+              <a:rPr lang="pt-PT" sz="4800" dirty="0">
+                <a:latin typeface="Times New Roman" panose="02020603050405020304" pitchFamily="18" charset="0"/>
+                <a:cs typeface="Times New Roman" panose="02020603050405020304" pitchFamily="18" charset="0"/>
+              </a:rPr>
+              <a:t>S</a:t>
+            </a:r>
+            <a:r>
+              <a:rPr lang="pt-PT" sz="4800" dirty="0" smtClean="0">
+                <a:latin typeface="Times New Roman" panose="02020603050405020304" pitchFamily="18" charset="0"/>
+                <a:cs typeface="Times New Roman" panose="02020603050405020304" pitchFamily="18" charset="0"/>
+              </a:rPr>
+              <a:t>umario</a:t>
+            </a:r>
+            <a:endParaRPr lang="pt-PT" sz="4800" dirty="0">
+              <a:latin typeface="Times New Roman" panose="02020603050405020304" pitchFamily="18" charset="0"/>
+              <a:cs typeface="Times New Roman" panose="02020603050405020304" pitchFamily="18" charset="0"/>
+            </a:endParaRPr>
+          </a:p>
+        </p:txBody>
+      </p:sp>
+      <p:sp>
+        <p:nvSpPr>
+          <p:cNvPr id="3" name="Marcador de Posição de Conteúdo 2"/>
+          <p:cNvSpPr>
+            <a:spLocks noGrp="1"/>
+          </p:cNvSpPr>
+          <p:nvPr>
+            <p:ph idx="1"/>
+          </p:nvPr>
+        </p:nvSpPr>
+        <p:spPr>
+          <a:xfrm>
+            <a:off x="2427847" y="1520414"/>
+            <a:ext cx="8915400" cy="3777622"/>
+          </a:xfrm>
+        </p:spPr>
+        <p:txBody>
+          <a:bodyPr>
+            <a:normAutofit/>
+          </a:bodyPr>
+          <a:lstStyle/>
+          <a:p>
+            <a:r>
+              <a:rPr lang="pt-PT" dirty="0" smtClean="0">
+                <a:latin typeface="Times New Roman" panose="02020603050405020304" pitchFamily="18" charset="0"/>
+                <a:cs typeface="Times New Roman" panose="02020603050405020304" pitchFamily="18" charset="0"/>
+              </a:rPr>
+              <a:t>Cabos de rede</a:t>
+            </a:r>
+          </a:p>
+          <a:p>
+            <a:r>
+              <a:rPr lang="pt-PT" dirty="0" smtClean="0">
+                <a:latin typeface="Times New Roman" panose="02020603050405020304" pitchFamily="18" charset="0"/>
+                <a:cs typeface="Times New Roman" panose="02020603050405020304" pitchFamily="18" charset="0"/>
+              </a:rPr>
+              <a:t>Onde são utilizados</a:t>
+            </a:r>
+          </a:p>
+          <a:p>
+            <a:r>
+              <a:rPr lang="pt-PT" dirty="0" smtClean="0">
+                <a:latin typeface="Times New Roman" panose="02020603050405020304" pitchFamily="18" charset="0"/>
+                <a:cs typeface="Times New Roman" panose="02020603050405020304" pitchFamily="18" charset="0"/>
+              </a:rPr>
+              <a:t>Tipos de rede</a:t>
+            </a:r>
+          </a:p>
+          <a:p>
+            <a:r>
+              <a:rPr lang="pt-PT" dirty="0" smtClean="0">
+                <a:latin typeface="Times New Roman" panose="02020603050405020304" pitchFamily="18" charset="0"/>
+                <a:cs typeface="Times New Roman" panose="02020603050405020304" pitchFamily="18" charset="0"/>
+              </a:rPr>
+              <a:t>Equipamentos ativos/passivos</a:t>
+            </a:r>
+          </a:p>
+          <a:p>
+            <a:endParaRPr lang="pt-PT" dirty="0">
+              <a:latin typeface="Times New Roman" panose="02020603050405020304" pitchFamily="18" charset="0"/>
+              <a:cs typeface="Times New Roman" panose="02020603050405020304" pitchFamily="18" charset="0"/>
+            </a:endParaRPr>
+          </a:p>
+        </p:txBody>
+      </p:sp>
+    </p:spTree>
+    <p:extLst>
+      <p:ext uri="{BB962C8B-B14F-4D97-AF65-F5344CB8AC3E}">
+        <p14:creationId xmlns:p14="http://schemas.microsoft.com/office/powerpoint/2010/main" val="1918468712"/>
+      </p:ext>
+    </p:extLst>
+  </p:cSld>
+  <p:clrMapOvr>
+    <a:masterClrMapping/>
+  </p:clrMapOvr>
+  <p:timing>
+    <p:tnLst>
+      <p:par>
+        <p:cTn id="1" dur="indefinite" restart="never" nodeType="tmRoot"/>
+      </p:par>
+    </p:tnLst>
+  </p:timing>
+</p:sld>
+</file>
+
+<file path=ppt/slides/slide3.xml><?xml version="1.0" encoding="utf-8"?>
+<p:sld xmlns:a="http://schemas.openxmlformats.org/drawingml/2006/main" xmlns:r="http://schemas.openxmlformats.org/officeDocument/2006/relationships" xmlns:p="http://schemas.openxmlformats.org/presentationml/2006/main">
+  <p:cSld>
+    <p:spTree>
+      <p:nvGrpSpPr>
+        <p:cNvPr id="1" name=""/>
+        <p:cNvGrpSpPr/>
+        <p:nvPr/>
+      </p:nvGrpSpPr>
+      <p:grpSpPr>
+        <a:xfrm>
+          <a:off x="0" y="0"/>
+          <a:ext cx="0" cy="0"/>
+          <a:chOff x="0" y="0"/>
+          <a:chExt cx="0" cy="0"/>
+        </a:xfrm>
+      </p:grpSpPr>
+      <p:sp>
+        <p:nvSpPr>
+          <p:cNvPr id="2" name="Título 1"/>
+          <p:cNvSpPr>
+            <a:spLocks noGrp="1"/>
+          </p:cNvSpPr>
+          <p:nvPr>
+            <p:ph type="title"/>
+          </p:nvPr>
+        </p:nvSpPr>
+        <p:spPr/>
+        <p:txBody>
+          <a:bodyPr>
+            <a:normAutofit/>
+          </a:bodyPr>
+          <a:lstStyle/>
+          <a:p>
+            <a:r>
+              <a:rPr lang="pt-PT" sz="5400" dirty="0" smtClean="0">
+                <a:latin typeface="Times New Roman" panose="02020603050405020304" pitchFamily="18" charset="0"/>
+                <a:cs typeface="Times New Roman" panose="02020603050405020304" pitchFamily="18" charset="0"/>
+              </a:rPr>
               <a:t>Cabos de redes</a:t>
             </a:r>
-            <a:endParaRPr lang="pt-PT" dirty="0"/>
+            <a:endParaRPr lang="pt-PT" sz="5400" dirty="0">
+              <a:latin typeface="Times New Roman" panose="02020603050405020304" pitchFamily="18" charset="0"/>
+              <a:cs typeface="Times New Roman" panose="02020603050405020304" pitchFamily="18" charset="0"/>
+            </a:endParaRPr>
           </a:p>
         </p:txBody>
       </p:sp>
@@ -9062,24 +9443,25 @@
           <a:bodyPr/>
           <a:lstStyle/>
           <a:p>
+            <a:pPr algn="just"/>
             <a:r>
               <a:rPr lang="pt-PT" dirty="0">
-                <a:latin typeface="Arial" panose="020B0604020202020204" pitchFamily="34" charset="0"/>
-                <a:cs typeface="Arial" panose="020B0604020202020204" pitchFamily="34" charset="0"/>
+                <a:latin typeface="Times New Roman" panose="02020603050405020304" pitchFamily="18" charset="0"/>
+                <a:cs typeface="Times New Roman" panose="02020603050405020304" pitchFamily="18" charset="0"/>
               </a:rPr>
               <a:t>Existem basicamente 3 tipos diferentes de cabos de rede: os cabos de par trançado (que são, de longe, os mais comuns), os cabos de fibra </a:t>
             </a:r>
             <a:r>
               <a:rPr lang="pt-PT" dirty="0" smtClean="0">
-                <a:latin typeface="Arial" panose="020B0604020202020204" pitchFamily="34" charset="0"/>
-                <a:cs typeface="Arial" panose="020B0604020202020204" pitchFamily="34" charset="0"/>
+                <a:latin typeface="Times New Roman" panose="02020603050405020304" pitchFamily="18" charset="0"/>
+                <a:cs typeface="Times New Roman" panose="02020603050405020304" pitchFamily="18" charset="0"/>
               </a:rPr>
               <a:t>ótica </a:t>
             </a:r>
             <a:r>
               <a:rPr lang="pt-PT" dirty="0">
-                <a:latin typeface="Arial" panose="020B0604020202020204" pitchFamily="34" charset="0"/>
-                <a:cs typeface="Arial" panose="020B0604020202020204" pitchFamily="34" charset="0"/>
+                <a:latin typeface="Times New Roman" panose="02020603050405020304" pitchFamily="18" charset="0"/>
+                <a:cs typeface="Times New Roman" panose="02020603050405020304" pitchFamily="18" charset="0"/>
               </a:rPr>
               <a:t>(usados principalmente em links de longa distância) e os cabos coaxiais, que são usados em cabos de antenas para redes wireless e em algumas redes antigas.</a:t>
             </a:r>
@@ -9130,92 +9512,6 @@
 </p:sld>
 </file>
 
-<file path=ppt/slides/slide3.xml><?xml version="1.0" encoding="utf-8"?>
-<p:sld xmlns:a="http://schemas.openxmlformats.org/drawingml/2006/main" xmlns:r="http://schemas.openxmlformats.org/officeDocument/2006/relationships" xmlns:p="http://schemas.openxmlformats.org/presentationml/2006/main">
-  <p:cSld>
-    <p:spTree>
-      <p:nvGrpSpPr>
-        <p:cNvPr id="1" name=""/>
-        <p:cNvGrpSpPr/>
-        <p:nvPr/>
-      </p:nvGrpSpPr>
-      <p:grpSpPr>
-        <a:xfrm>
-          <a:off x="0" y="0"/>
-          <a:ext cx="0" cy="0"/>
-          <a:chOff x="0" y="0"/>
-          <a:chExt cx="0" cy="0"/>
-        </a:xfrm>
-      </p:grpSpPr>
-      <p:sp>
-        <p:nvSpPr>
-          <p:cNvPr id="2" name="Título 1"/>
-          <p:cNvSpPr>
-            <a:spLocks noGrp="1"/>
-          </p:cNvSpPr>
-          <p:nvPr>
-            <p:ph type="title"/>
-          </p:nvPr>
-        </p:nvSpPr>
-        <p:spPr/>
-        <p:txBody>
-          <a:bodyPr/>
-          <a:lstStyle/>
-          <a:p>
-            <a:endParaRPr lang="pt-PT"/>
-          </a:p>
-        </p:txBody>
-      </p:sp>
-      <p:sp>
-        <p:nvSpPr>
-          <p:cNvPr id="3" name="Marcador de Posição de Conteúdo 2"/>
-          <p:cNvSpPr>
-            <a:spLocks noGrp="1"/>
-          </p:cNvSpPr>
-          <p:nvPr>
-            <p:ph idx="1"/>
-          </p:nvPr>
-        </p:nvSpPr>
-        <p:spPr>
-          <a:xfrm>
-            <a:off x="2589212" y="1264555"/>
-            <a:ext cx="8915400" cy="3777622"/>
-          </a:xfrm>
-        </p:spPr>
-        <p:txBody>
-          <a:bodyPr/>
-          <a:lstStyle/>
-          <a:p>
-            <a:r>
-              <a:rPr lang="pt-PT" dirty="0">
-                <a:latin typeface="Arial" panose="020B0604020202020204" pitchFamily="34" charset="0"/>
-                <a:cs typeface="Arial" panose="020B0604020202020204" pitchFamily="34" charset="0"/>
-              </a:rPr>
-              <a:t>Numa rede de computadores, o meio físico de transmissão, é o canal de comunicação pelo qual os computadores enviam e recebem os sinais que codificam a informação. Para estabelecer a ligação utiliza-se um tipo de cabo, de entre vários existentes para o efeito. As redes e sistemas de comunicação entre computadores que funcionam sem cabos, utilizam a propagação de ondas no espaço – comunicações wireless ou sem fios.</a:t>
-            </a:r>
-          </a:p>
-        </p:txBody>
-      </p:sp>
-    </p:spTree>
-    <p:extLst>
-      <p:ext uri="{BB962C8B-B14F-4D97-AF65-F5344CB8AC3E}">
-        <p14:creationId xmlns:p14="http://schemas.microsoft.com/office/powerpoint/2010/main" val="4077670254"/>
-      </p:ext>
-    </p:extLst>
-  </p:cSld>
-  <p:clrMapOvr>
-    <a:masterClrMapping/>
-  </p:clrMapOvr>
-  <p:timing>
-    <p:tnLst>
-      <p:par>
-        <p:cTn id="1" dur="indefinite" restart="never" nodeType="tmRoot"/>
-      </p:par>
-    </p:tnLst>
-  </p:timing>
-</p:sld>
-</file>
-
 <file path=ppt/slides/slide4.xml><?xml version="1.0" encoding="utf-8"?>
 <p:sld xmlns:a="http://schemas.openxmlformats.org/drawingml/2006/main" xmlns:r="http://schemas.openxmlformats.org/officeDocument/2006/relationships" xmlns:p="http://schemas.openxmlformats.org/presentationml/2006/main">
   <p:cSld>
@@ -9235,273 +9531,39 @@
       </p:grpSpPr>
       <p:sp>
         <p:nvSpPr>
-          <p:cNvPr id="2" name="Título 1"/>
-          <p:cNvSpPr>
-            <a:spLocks noGrp="1"/>
-          </p:cNvSpPr>
-          <p:nvPr>
-            <p:ph type="title"/>
-          </p:nvPr>
-        </p:nvSpPr>
-        <p:spPr/>
+          <p:cNvPr id="3" name="Marcador de Posição de Conteúdo 2"/>
+          <p:cNvSpPr>
+            <a:spLocks noGrp="1"/>
+          </p:cNvSpPr>
+          <p:nvPr>
+            <p:ph idx="1"/>
+          </p:nvPr>
+        </p:nvSpPr>
+        <p:spPr>
+          <a:xfrm>
+            <a:off x="2589212" y="1264555"/>
+            <a:ext cx="8915400" cy="3777622"/>
+          </a:xfrm>
+        </p:spPr>
         <p:txBody>
           <a:bodyPr/>
           <a:lstStyle/>
           <a:p>
-            <a:endParaRPr lang="pt-PT" dirty="0"/>
-          </a:p>
-        </p:txBody>
-      </p:sp>
-      <p:sp>
-        <p:nvSpPr>
-          <p:cNvPr id="3" name="Marcador de Posição de Conteúdo 2"/>
-          <p:cNvSpPr>
-            <a:spLocks noGrp="1"/>
-          </p:cNvSpPr>
-          <p:nvPr>
-            <p:ph idx="1"/>
-          </p:nvPr>
-        </p:nvSpPr>
-        <p:spPr>
-          <a:xfrm>
-            <a:off x="2589212" y="1409251"/>
-            <a:ext cx="8915400" cy="4711849"/>
-          </a:xfrm>
-        </p:spPr>
-        <p:txBody>
-          <a:bodyPr>
-            <a:normAutofit fontScale="85000" lnSpcReduction="20000"/>
-          </a:bodyPr>
-          <a:lstStyle/>
-          <a:p>
+            <a:pPr algn="just"/>
             <a:r>
               <a:rPr lang="pt-PT" dirty="0">
-                <a:latin typeface="Arial" panose="020B0604020202020204" pitchFamily="34" charset="0"/>
-                <a:cs typeface="Arial" panose="020B0604020202020204" pitchFamily="34" charset="0"/>
-              </a:rPr>
-              <a:t>O sistema de cabos usado numa rede designa-se por cabling. </a:t>
-            </a:r>
-          </a:p>
-          <a:p>
-            <a:r>
-              <a:rPr lang="pt-PT" dirty="0">
-                <a:latin typeface="Arial" panose="020B0604020202020204" pitchFamily="34" charset="0"/>
-                <a:cs typeface="Arial" panose="020B0604020202020204" pitchFamily="34" charset="0"/>
-              </a:rPr>
-              <a:t>Existem dois grupos principais de cabos:</a:t>
-            </a:r>
-          </a:p>
-          <a:p>
-            <a:r>
-              <a:rPr lang="pt-PT" dirty="0">
-                <a:latin typeface="Arial" panose="020B0604020202020204" pitchFamily="34" charset="0"/>
-                <a:cs typeface="Arial" panose="020B0604020202020204" pitchFamily="34" charset="0"/>
-              </a:rPr>
-              <a:t>Cabos </a:t>
-            </a:r>
-            <a:r>
-              <a:rPr lang="pt-PT" dirty="0" smtClean="0">
-                <a:latin typeface="Arial" panose="020B0604020202020204" pitchFamily="34" charset="0"/>
-                <a:cs typeface="Arial" panose="020B0604020202020204" pitchFamily="34" charset="0"/>
-              </a:rPr>
-              <a:t>elétricos–normalmente </a:t>
-            </a:r>
-            <a:r>
-              <a:rPr lang="pt-PT" dirty="0">
-                <a:latin typeface="Arial" panose="020B0604020202020204" pitchFamily="34" charset="0"/>
-                <a:cs typeface="Arial" panose="020B0604020202020204" pitchFamily="34" charset="0"/>
-              </a:rPr>
-              <a:t>cabos de cobre (ou de outro material condutor), que transmitem os dados através de sinais </a:t>
-            </a:r>
-            <a:r>
-              <a:rPr lang="pt-PT" dirty="0" smtClean="0">
-                <a:latin typeface="Arial" panose="020B0604020202020204" pitchFamily="34" charset="0"/>
-                <a:cs typeface="Arial" panose="020B0604020202020204" pitchFamily="34" charset="0"/>
-              </a:rPr>
-              <a:t>elétricos.</a:t>
-            </a:r>
-            <a:endParaRPr lang="pt-PT" dirty="0">
-              <a:latin typeface="Arial" panose="020B0604020202020204" pitchFamily="34" charset="0"/>
-              <a:cs typeface="Arial" panose="020B0604020202020204" pitchFamily="34" charset="0"/>
-            </a:endParaRPr>
-          </a:p>
-          <a:p>
-            <a:r>
-              <a:rPr lang="pt-PT" dirty="0">
-                <a:latin typeface="Arial" panose="020B0604020202020204" pitchFamily="34" charset="0"/>
-                <a:cs typeface="Arial" panose="020B0604020202020204" pitchFamily="34" charset="0"/>
-              </a:rPr>
-              <a:t>Cabos </a:t>
-            </a:r>
-            <a:r>
-              <a:rPr lang="pt-PT" dirty="0" smtClean="0">
-                <a:latin typeface="Arial" panose="020B0604020202020204" pitchFamily="34" charset="0"/>
-                <a:cs typeface="Arial" panose="020B0604020202020204" pitchFamily="34" charset="0"/>
-              </a:rPr>
-              <a:t>óticos–cabos </a:t>
-            </a:r>
-            <a:r>
-              <a:rPr lang="pt-PT" dirty="0">
-                <a:latin typeface="Arial" panose="020B0604020202020204" pitchFamily="34" charset="0"/>
-                <a:cs typeface="Arial" panose="020B0604020202020204" pitchFamily="34" charset="0"/>
-              </a:rPr>
-              <a:t>de fibra </a:t>
-            </a:r>
-            <a:r>
-              <a:rPr lang="pt-PT" dirty="0" smtClean="0">
-                <a:latin typeface="Arial" panose="020B0604020202020204" pitchFamily="34" charset="0"/>
-                <a:cs typeface="Arial" panose="020B0604020202020204" pitchFamily="34" charset="0"/>
-              </a:rPr>
-              <a:t>ótica, </a:t>
-            </a:r>
-            <a:r>
-              <a:rPr lang="pt-PT" dirty="0">
-                <a:latin typeface="Arial" panose="020B0604020202020204" pitchFamily="34" charset="0"/>
-                <a:cs typeface="Arial" panose="020B0604020202020204" pitchFamily="34" charset="0"/>
-              </a:rPr>
-              <a:t>que transmitem a informação através de sinais </a:t>
-            </a:r>
-            <a:r>
-              <a:rPr lang="pt-PT" dirty="0" smtClean="0">
-                <a:latin typeface="Arial" panose="020B0604020202020204" pitchFamily="34" charset="0"/>
-                <a:cs typeface="Arial" panose="020B0604020202020204" pitchFamily="34" charset="0"/>
-              </a:rPr>
-              <a:t>óticos </a:t>
-            </a:r>
-            <a:r>
-              <a:rPr lang="pt-PT" dirty="0">
-                <a:latin typeface="Arial" panose="020B0604020202020204" pitchFamily="34" charset="0"/>
-                <a:cs typeface="Arial" panose="020B0604020202020204" pitchFamily="34" charset="0"/>
-              </a:rPr>
-              <a:t>ou luminosos.</a:t>
-            </a:r>
-          </a:p>
-          <a:p>
-            <a:r>
-              <a:rPr lang="pt-PT" dirty="0">
-                <a:latin typeface="Arial" panose="020B0604020202020204" pitchFamily="34" charset="0"/>
-                <a:cs typeface="Arial" panose="020B0604020202020204" pitchFamily="34" charset="0"/>
-              </a:rPr>
-              <a:t>Os cabos </a:t>
-            </a:r>
-            <a:r>
-              <a:rPr lang="pt-PT" dirty="0" smtClean="0">
-                <a:latin typeface="Arial" panose="020B0604020202020204" pitchFamily="34" charset="0"/>
-                <a:cs typeface="Arial" panose="020B0604020202020204" pitchFamily="34" charset="0"/>
-              </a:rPr>
-              <a:t>elétricos </a:t>
-            </a:r>
-            <a:r>
-              <a:rPr lang="pt-PT" dirty="0">
-                <a:latin typeface="Arial" panose="020B0604020202020204" pitchFamily="34" charset="0"/>
-                <a:cs typeface="Arial" panose="020B0604020202020204" pitchFamily="34" charset="0"/>
-              </a:rPr>
-              <a:t>mais utilizados em redes podem ser de dois tipos:</a:t>
-            </a:r>
-          </a:p>
-          <a:p>
-            <a:r>
-              <a:rPr lang="pt-PT" dirty="0">
-                <a:latin typeface="Arial" panose="020B0604020202020204" pitchFamily="34" charset="0"/>
-                <a:cs typeface="Arial" panose="020B0604020202020204" pitchFamily="34" charset="0"/>
-              </a:rPr>
-              <a:t>Cabos de pares trançados (twisted-pair cable)</a:t>
-            </a:r>
-          </a:p>
-          <a:p>
-            <a:r>
-              <a:rPr lang="pt-PT" dirty="0">
-                <a:latin typeface="Arial" panose="020B0604020202020204" pitchFamily="34" charset="0"/>
-                <a:cs typeface="Arial" panose="020B0604020202020204" pitchFamily="34" charset="0"/>
-              </a:rPr>
-              <a:t>Cabo coaxial (coaxial cable)</a:t>
-            </a:r>
-          </a:p>
-          <a:p>
-            <a:endParaRPr lang="pt-PT" dirty="0">
-              <a:latin typeface="Arial" panose="020B0604020202020204" pitchFamily="34" charset="0"/>
-              <a:cs typeface="Arial" panose="020B0604020202020204" pitchFamily="34" charset="0"/>
-            </a:endParaRPr>
-          </a:p>
-          <a:p>
-            <a:endParaRPr lang="pt-PT" dirty="0">
-              <a:latin typeface="Arial" panose="020B0604020202020204" pitchFamily="34" charset="0"/>
-              <a:cs typeface="Arial" panose="020B0604020202020204" pitchFamily="34" charset="0"/>
-            </a:endParaRPr>
-          </a:p>
-          <a:p>
-            <a:r>
-              <a:rPr lang="pt-PT" dirty="0">
-                <a:latin typeface="Arial" panose="020B0604020202020204" pitchFamily="34" charset="0"/>
-                <a:cs typeface="Arial" panose="020B0604020202020204" pitchFamily="34" charset="0"/>
-              </a:rPr>
-              <a:t>Cabos de pares trançados</a:t>
-            </a:r>
-          </a:p>
-          <a:p>
-            <a:r>
-              <a:rPr lang="pt-PT" dirty="0">
-                <a:latin typeface="Arial" panose="020B0604020202020204" pitchFamily="34" charset="0"/>
-                <a:cs typeface="Arial" panose="020B0604020202020204" pitchFamily="34" charset="0"/>
-              </a:rPr>
-              <a:t>Os cabos de pares trançados são constituídos por um ou vários pares de fios de cobre.</a:t>
-            </a:r>
-          </a:p>
-          <a:p>
-            <a:r>
-              <a:rPr lang="pt-PT" dirty="0">
-                <a:latin typeface="Arial" panose="020B0604020202020204" pitchFamily="34" charset="0"/>
-                <a:cs typeface="Arial" panose="020B0604020202020204" pitchFamily="34" charset="0"/>
-              </a:rPr>
-              <a:t>Os dois fios de cada par estão enrolados em torno um do outro, com o </a:t>
-            </a:r>
-            <a:r>
-              <a:rPr lang="pt-PT" dirty="0" smtClean="0">
-                <a:latin typeface="Arial" panose="020B0604020202020204" pitchFamily="34" charset="0"/>
-                <a:cs typeface="Arial" panose="020B0604020202020204" pitchFamily="34" charset="0"/>
-              </a:rPr>
-              <a:t>objetivo </a:t>
-            </a:r>
-            <a:r>
-              <a:rPr lang="pt-PT" dirty="0">
-                <a:latin typeface="Arial" panose="020B0604020202020204" pitchFamily="34" charset="0"/>
-                <a:cs typeface="Arial" panose="020B0604020202020204" pitchFamily="34" charset="0"/>
-              </a:rPr>
-              <a:t>de criar à sua volta um campo </a:t>
-            </a:r>
-            <a:r>
-              <a:rPr lang="pt-PT" dirty="0" smtClean="0">
-                <a:latin typeface="Arial" panose="020B0604020202020204" pitchFamily="34" charset="0"/>
-                <a:cs typeface="Arial" panose="020B0604020202020204" pitchFamily="34" charset="0"/>
-              </a:rPr>
-              <a:t>eletromagnético </a:t>
-            </a:r>
-            <a:r>
-              <a:rPr lang="pt-PT" dirty="0">
-                <a:latin typeface="Arial" panose="020B0604020202020204" pitchFamily="34" charset="0"/>
-                <a:cs typeface="Arial" panose="020B0604020202020204" pitchFamily="34" charset="0"/>
-              </a:rPr>
-              <a:t>que reduz a possibilidade de interferência de sinais externos.</a:t>
-            </a:r>
-          </a:p>
-          <a:p>
-            <a:r>
-              <a:rPr lang="pt-PT" dirty="0">
-                <a:latin typeface="Arial" panose="020B0604020202020204" pitchFamily="34" charset="0"/>
-                <a:cs typeface="Arial" panose="020B0604020202020204" pitchFamily="34" charset="0"/>
-              </a:rPr>
-              <a:t>São cabos de fácil instalação, de baixo custo e com boas características de transmissão.</a:t>
-            </a:r>
-          </a:p>
-          <a:p>
-            <a:endParaRPr lang="pt-PT" dirty="0"/>
+                <a:latin typeface="Times New Roman" panose="02020603050405020304" pitchFamily="18" charset="0"/>
+                <a:cs typeface="Times New Roman" panose="02020603050405020304" pitchFamily="18" charset="0"/>
+              </a:rPr>
+              <a:t>Numa rede de computadores, o meio físico de transmissão, é o canal de comunicação pelo qual os computadores enviam e recebem os sinais que codificam a informação. Para estabelecer a ligação utiliza-se um tipo de cabo, de entre vários existentes para o efeito. As redes e sistemas de comunicação entre computadores que funcionam sem cabos, utilizam a propagação de ondas no espaço – comunicações wireless ou sem fios.</a:t>
+            </a:r>
           </a:p>
         </p:txBody>
       </p:sp>
     </p:spTree>
     <p:extLst>
       <p:ext uri="{BB962C8B-B14F-4D97-AF65-F5344CB8AC3E}">
-        <p14:creationId xmlns:p14="http://schemas.microsoft.com/office/powerpoint/2010/main" val="4178364900"/>
+        <p14:creationId xmlns:p14="http://schemas.microsoft.com/office/powerpoint/2010/main" val="4077670254"/>
       </p:ext>
     </p:extLst>
   </p:cSld>
@@ -9537,46 +9599,18 @@
       </p:grpSpPr>
       <p:sp>
         <p:nvSpPr>
-          <p:cNvPr id="2" name="Título 1"/>
-          <p:cNvSpPr>
-            <a:spLocks noGrp="1"/>
-          </p:cNvSpPr>
-          <p:nvPr>
-            <p:ph type="title"/>
+          <p:cNvPr id="3" name="Marcador de Posição de Conteúdo 2"/>
+          <p:cNvSpPr>
+            <a:spLocks noGrp="1"/>
+          </p:cNvSpPr>
+          <p:nvPr>
+            <p:ph idx="1"/>
           </p:nvPr>
         </p:nvSpPr>
         <p:spPr>
           <a:xfrm>
-            <a:off x="2417090" y="0"/>
-            <a:ext cx="8911687" cy="1280890"/>
-          </a:xfrm>
-        </p:spPr>
-        <p:txBody>
-          <a:bodyPr/>
-          <a:lstStyle/>
-          <a:p>
-            <a:r>
-              <a:rPr lang="pt-PT" dirty="0" smtClean="0"/>
-              <a:t>Onde são utilizados</a:t>
-            </a:r>
-            <a:endParaRPr lang="pt-PT" dirty="0"/>
-          </a:p>
-        </p:txBody>
-      </p:sp>
-      <p:sp>
-        <p:nvSpPr>
-          <p:cNvPr id="3" name="Marcador de Posição de Conteúdo 2"/>
-          <p:cNvSpPr>
-            <a:spLocks noGrp="1"/>
-          </p:cNvSpPr>
-          <p:nvPr>
-            <p:ph idx="1"/>
-          </p:nvPr>
-        </p:nvSpPr>
-        <p:spPr>
-          <a:xfrm>
-            <a:off x="2417090" y="962809"/>
-            <a:ext cx="8915400" cy="5895191"/>
+            <a:off x="2395574" y="806823"/>
+            <a:ext cx="8915400" cy="4711849"/>
           </a:xfrm>
         </p:spPr>
         <p:txBody>
@@ -9585,202 +9619,260 @@
           </a:bodyPr>
           <a:lstStyle/>
           <a:p>
-            <a:r>
-              <a:rPr lang="pt-PT" sz="1400" dirty="0">
-                <a:latin typeface="Arial" panose="020B0604020202020204" pitchFamily="34" charset="0"/>
-                <a:cs typeface="Arial" panose="020B0604020202020204" pitchFamily="34" charset="0"/>
-              </a:rPr>
-              <a:t>Nas linhas telefónicas, em redes locais e em redes alargadas (que utilizam as linhas telefónicas).Existem MAN e WAN com sistemas de transmissão próprios, independentes das linhas telefónicas.</a:t>
-            </a:r>
-          </a:p>
-          <a:p>
-            <a:r>
-              <a:rPr lang="pt-PT" sz="1400" dirty="0">
-                <a:latin typeface="Arial" panose="020B0604020202020204" pitchFamily="34" charset="0"/>
-                <a:cs typeface="Arial" panose="020B0604020202020204" pitchFamily="34" charset="0"/>
-              </a:rPr>
-              <a:t>Existem duas modalidades de cabos:</a:t>
-            </a:r>
-          </a:p>
-          <a:p>
-            <a:endParaRPr lang="pt-PT" sz="1400" dirty="0">
-              <a:latin typeface="Arial" panose="020B0604020202020204" pitchFamily="34" charset="0"/>
-              <a:cs typeface="Arial" panose="020B0604020202020204" pitchFamily="34" charset="0"/>
+            <a:pPr algn="just"/>
+            <a:r>
+              <a:rPr lang="pt-PT" sz="1600" dirty="0">
+                <a:latin typeface="Times New Roman" panose="02020603050405020304" pitchFamily="18" charset="0"/>
+                <a:cs typeface="Times New Roman" panose="02020603050405020304" pitchFamily="18" charset="0"/>
+              </a:rPr>
+              <a:t>O sistema de cabos usado numa rede designa-se por cabling. </a:t>
+            </a:r>
+          </a:p>
+          <a:p>
+            <a:pPr algn="just"/>
+            <a:r>
+              <a:rPr lang="pt-PT" sz="1600" dirty="0">
+                <a:latin typeface="Times New Roman" panose="02020603050405020304" pitchFamily="18" charset="0"/>
+                <a:cs typeface="Times New Roman" panose="02020603050405020304" pitchFamily="18" charset="0"/>
+              </a:rPr>
+              <a:t>Existem dois grupos principais de cabos:</a:t>
+            </a:r>
+          </a:p>
+          <a:p>
+            <a:pPr algn="just"/>
+            <a:r>
+              <a:rPr lang="pt-PT" sz="1600" dirty="0">
+                <a:latin typeface="Times New Roman" panose="02020603050405020304" pitchFamily="18" charset="0"/>
+                <a:cs typeface="Times New Roman" panose="02020603050405020304" pitchFamily="18" charset="0"/>
+              </a:rPr>
+              <a:t>Cabos </a:t>
+            </a:r>
+            <a:r>
+              <a:rPr lang="pt-PT" sz="1600" dirty="0" smtClean="0">
+                <a:latin typeface="Times New Roman" panose="02020603050405020304" pitchFamily="18" charset="0"/>
+                <a:cs typeface="Times New Roman" panose="02020603050405020304" pitchFamily="18" charset="0"/>
+              </a:rPr>
+              <a:t>elétricos–normalmente </a:t>
+            </a:r>
+            <a:r>
+              <a:rPr lang="pt-PT" sz="1600" dirty="0">
+                <a:latin typeface="Times New Roman" panose="02020603050405020304" pitchFamily="18" charset="0"/>
+                <a:cs typeface="Times New Roman" panose="02020603050405020304" pitchFamily="18" charset="0"/>
+              </a:rPr>
+              <a:t>cabos de cobre (ou de outro material condutor), que transmitem os dados através de sinais </a:t>
+            </a:r>
+            <a:r>
+              <a:rPr lang="pt-PT" sz="1600" dirty="0" smtClean="0">
+                <a:latin typeface="Times New Roman" panose="02020603050405020304" pitchFamily="18" charset="0"/>
+                <a:cs typeface="Times New Roman" panose="02020603050405020304" pitchFamily="18" charset="0"/>
+              </a:rPr>
+              <a:t>elétricos.</a:t>
+            </a:r>
+            <a:endParaRPr lang="pt-PT" sz="1600" dirty="0">
+              <a:latin typeface="Times New Roman" panose="02020603050405020304" pitchFamily="18" charset="0"/>
+              <a:cs typeface="Times New Roman" panose="02020603050405020304" pitchFamily="18" charset="0"/>
             </a:endParaRPr>
           </a:p>
           <a:p>
-            <a:r>
-              <a:rPr lang="pt-PT" sz="1400" dirty="0">
-                <a:latin typeface="Arial" panose="020B0604020202020204" pitchFamily="34" charset="0"/>
-                <a:cs typeface="Arial" panose="020B0604020202020204" pitchFamily="34" charset="0"/>
-              </a:rPr>
-              <a:t>Cabos UTP–</a:t>
-            </a:r>
-            <a:r>
-              <a:rPr lang="pt-PT" sz="1400" dirty="0" err="1">
-                <a:latin typeface="Arial" panose="020B0604020202020204" pitchFamily="34" charset="0"/>
-                <a:cs typeface="Arial" panose="020B0604020202020204" pitchFamily="34" charset="0"/>
-              </a:rPr>
-              <a:t>Twisted</a:t>
-            </a:r>
-            <a:r>
-              <a:rPr lang="pt-PT" sz="1400" dirty="0">
-                <a:latin typeface="Arial" panose="020B0604020202020204" pitchFamily="34" charset="0"/>
-                <a:cs typeface="Arial" panose="020B0604020202020204" pitchFamily="34" charset="0"/>
-              </a:rPr>
-              <a:t> </a:t>
-            </a:r>
-            <a:r>
-              <a:rPr lang="pt-PT" sz="1400" dirty="0" err="1">
-                <a:latin typeface="Arial" panose="020B0604020202020204" pitchFamily="34" charset="0"/>
-                <a:cs typeface="Arial" panose="020B0604020202020204" pitchFamily="34" charset="0"/>
-              </a:rPr>
-              <a:t>Pair</a:t>
-            </a:r>
-            <a:r>
-              <a:rPr lang="pt-PT" sz="1400" dirty="0">
-                <a:latin typeface="Arial" panose="020B0604020202020204" pitchFamily="34" charset="0"/>
-                <a:cs typeface="Arial" panose="020B0604020202020204" pitchFamily="34" charset="0"/>
-              </a:rPr>
-              <a:t>– Par Trançado sem Blindagem.</a:t>
-            </a:r>
-          </a:p>
-          <a:p>
-            <a:r>
-              <a:rPr lang="pt-PT" sz="1400" dirty="0">
-                <a:latin typeface="Arial" panose="020B0604020202020204" pitchFamily="34" charset="0"/>
-                <a:cs typeface="Arial" panose="020B0604020202020204" pitchFamily="34" charset="0"/>
-              </a:rPr>
-              <a:t>Cabos STP- Par Trançado Blindado(cabo com blindagem). </a:t>
-            </a:r>
-          </a:p>
-          <a:p>
-            <a:r>
-              <a:rPr lang="pt-PT" sz="1400" dirty="0">
-                <a:latin typeface="Arial" panose="020B0604020202020204" pitchFamily="34" charset="0"/>
-                <a:cs typeface="Arial" panose="020B0604020202020204" pitchFamily="34" charset="0"/>
-              </a:rPr>
-              <a:t>Cabos UTP– </a:t>
-            </a:r>
-            <a:r>
-              <a:rPr lang="pt-PT" sz="1400" dirty="0" err="1">
-                <a:latin typeface="Arial" panose="020B0604020202020204" pitchFamily="34" charset="0"/>
-                <a:cs typeface="Arial" panose="020B0604020202020204" pitchFamily="34" charset="0"/>
-              </a:rPr>
-              <a:t>Twisted</a:t>
-            </a:r>
-            <a:r>
-              <a:rPr lang="pt-PT" sz="1400" dirty="0">
-                <a:latin typeface="Arial" panose="020B0604020202020204" pitchFamily="34" charset="0"/>
-                <a:cs typeface="Arial" panose="020B0604020202020204" pitchFamily="34" charset="0"/>
-              </a:rPr>
-              <a:t> </a:t>
-            </a:r>
-            <a:r>
-              <a:rPr lang="pt-PT" sz="1400" dirty="0" err="1">
-                <a:latin typeface="Arial" panose="020B0604020202020204" pitchFamily="34" charset="0"/>
-                <a:cs typeface="Arial" panose="020B0604020202020204" pitchFamily="34" charset="0"/>
-              </a:rPr>
-              <a:t>Pair</a:t>
-            </a:r>
-            <a:r>
-              <a:rPr lang="pt-PT" sz="1400" dirty="0">
-                <a:latin typeface="Arial" panose="020B0604020202020204" pitchFamily="34" charset="0"/>
-                <a:cs typeface="Arial" panose="020B0604020202020204" pitchFamily="34" charset="0"/>
-              </a:rPr>
-              <a:t> – Par Trançado sem Blindagem</a:t>
-            </a:r>
-          </a:p>
-          <a:p>
-            <a:r>
-              <a:rPr lang="pt-PT" sz="1400" dirty="0">
-                <a:latin typeface="Arial" panose="020B0604020202020204" pitchFamily="34" charset="0"/>
-                <a:cs typeface="Arial" panose="020B0604020202020204" pitchFamily="34" charset="0"/>
-              </a:rPr>
-              <a:t>Este tipo de cabo é constituído por quatro pares de fios entrelaçados e revestidos por uma capa de PVC (plástico).</a:t>
-            </a:r>
-          </a:p>
-          <a:p>
-            <a:r>
-              <a:rPr lang="pt-PT" sz="1400" dirty="0">
-                <a:latin typeface="Arial" panose="020B0604020202020204" pitchFamily="34" charset="0"/>
-                <a:cs typeface="Arial" panose="020B0604020202020204" pitchFamily="34" charset="0"/>
-              </a:rPr>
-              <a:t>Os cabos deste tipo são mais baratos que os blindados e é mais fácil de manusear e instalar.</a:t>
-            </a:r>
-          </a:p>
-          <a:p>
-            <a:r>
-              <a:rPr lang="pt-PT" sz="1400" dirty="0">
-                <a:latin typeface="Arial" panose="020B0604020202020204" pitchFamily="34" charset="0"/>
-                <a:cs typeface="Arial" panose="020B0604020202020204" pitchFamily="34" charset="0"/>
-              </a:rPr>
-              <a:t>Permite taxas de transmissão de até 100 Mbps com a utilização do cabo CAT 5e.</a:t>
-            </a:r>
-          </a:p>
-          <a:p>
-            <a:r>
-              <a:rPr lang="pt-PT" sz="1400" dirty="0">
-                <a:latin typeface="Arial" panose="020B0604020202020204" pitchFamily="34" charset="0"/>
-                <a:cs typeface="Arial" panose="020B0604020202020204" pitchFamily="34" charset="0"/>
-              </a:rPr>
-              <a:t>É o cabo mais usado em redes domésticas e em grandes redes industriais.</a:t>
-            </a:r>
-          </a:p>
-          <a:p>
-            <a:r>
-              <a:rPr lang="pt-PT" sz="1400" dirty="0">
-                <a:latin typeface="Arial" panose="020B0604020202020204" pitchFamily="34" charset="0"/>
-                <a:cs typeface="Arial" panose="020B0604020202020204" pitchFamily="34" charset="0"/>
-              </a:rPr>
-              <a:t>É o mais barato para distâncias até 100 metros; para distâncias maiores utilizam-se cabos de fibra </a:t>
-            </a:r>
-            <a:r>
-              <a:rPr lang="pt-PT" sz="1400" dirty="0" err="1">
-                <a:latin typeface="Arial" panose="020B0604020202020204" pitchFamily="34" charset="0"/>
-                <a:cs typeface="Arial" panose="020B0604020202020204" pitchFamily="34" charset="0"/>
-              </a:rPr>
-              <a:t>óptica</a:t>
-            </a:r>
-            <a:r>
-              <a:rPr lang="pt-PT" sz="1400" dirty="0">
-                <a:latin typeface="Arial" panose="020B0604020202020204" pitchFamily="34" charset="0"/>
-                <a:cs typeface="Arial" panose="020B0604020202020204" pitchFamily="34" charset="0"/>
-              </a:rPr>
-              <a:t>.</a:t>
-            </a:r>
-          </a:p>
-          <a:p>
-            <a:r>
-              <a:rPr lang="pt-PT" sz="1400" dirty="0">
-                <a:latin typeface="Arial" panose="020B0604020202020204" pitchFamily="34" charset="0"/>
-                <a:cs typeface="Arial" panose="020B0604020202020204" pitchFamily="34" charset="0"/>
-              </a:rPr>
-              <a:t>A falta de blindagem deste tipo de cabo faz com que não seja recomendada a sua instalação próximo a equipamentos que possam gerar campos magnéticos (fios de rede elétrica, motores, inversores de frequência) e também não podem ficar em ambientes com umidade</a:t>
-            </a:r>
-            <a:r>
-              <a:rPr lang="pt-PT" sz="1400" dirty="0"/>
-              <a:t>.</a:t>
-            </a:r>
-          </a:p>
-          <a:p>
-            <a:endParaRPr lang="pt-PT" sz="1400" dirty="0"/>
-          </a:p>
-          <a:p>
-            <a:endParaRPr lang="pt-PT" sz="1400" dirty="0"/>
+            <a:pPr algn="just"/>
+            <a:r>
+              <a:rPr lang="pt-PT" sz="1600" dirty="0">
+                <a:latin typeface="Times New Roman" panose="02020603050405020304" pitchFamily="18" charset="0"/>
+                <a:cs typeface="Times New Roman" panose="02020603050405020304" pitchFamily="18" charset="0"/>
+              </a:rPr>
+              <a:t>Cabos </a:t>
+            </a:r>
+            <a:r>
+              <a:rPr lang="pt-PT" sz="1600" dirty="0" smtClean="0">
+                <a:latin typeface="Times New Roman" panose="02020603050405020304" pitchFamily="18" charset="0"/>
+                <a:cs typeface="Times New Roman" panose="02020603050405020304" pitchFamily="18" charset="0"/>
+              </a:rPr>
+              <a:t>óticos–cabos </a:t>
+            </a:r>
+            <a:r>
+              <a:rPr lang="pt-PT" sz="1600" dirty="0">
+                <a:latin typeface="Times New Roman" panose="02020603050405020304" pitchFamily="18" charset="0"/>
+                <a:cs typeface="Times New Roman" panose="02020603050405020304" pitchFamily="18" charset="0"/>
+              </a:rPr>
+              <a:t>de fibra </a:t>
+            </a:r>
+            <a:r>
+              <a:rPr lang="pt-PT" sz="1600" dirty="0" smtClean="0">
+                <a:latin typeface="Times New Roman" panose="02020603050405020304" pitchFamily="18" charset="0"/>
+                <a:cs typeface="Times New Roman" panose="02020603050405020304" pitchFamily="18" charset="0"/>
+              </a:rPr>
+              <a:t>ótica, </a:t>
+            </a:r>
+            <a:r>
+              <a:rPr lang="pt-PT" sz="1600" dirty="0">
+                <a:latin typeface="Times New Roman" panose="02020603050405020304" pitchFamily="18" charset="0"/>
+                <a:cs typeface="Times New Roman" panose="02020603050405020304" pitchFamily="18" charset="0"/>
+              </a:rPr>
+              <a:t>que transmitem a informação através de sinais </a:t>
+            </a:r>
+            <a:r>
+              <a:rPr lang="pt-PT" sz="1600" dirty="0" smtClean="0">
+                <a:latin typeface="Times New Roman" panose="02020603050405020304" pitchFamily="18" charset="0"/>
+                <a:cs typeface="Times New Roman" panose="02020603050405020304" pitchFamily="18" charset="0"/>
+              </a:rPr>
+              <a:t>óticos </a:t>
+            </a:r>
+            <a:r>
+              <a:rPr lang="pt-PT" sz="1600" dirty="0">
+                <a:latin typeface="Times New Roman" panose="02020603050405020304" pitchFamily="18" charset="0"/>
+                <a:cs typeface="Times New Roman" panose="02020603050405020304" pitchFamily="18" charset="0"/>
+              </a:rPr>
+              <a:t>ou luminosos.</a:t>
+            </a:r>
+          </a:p>
+          <a:p>
+            <a:pPr algn="just"/>
+            <a:r>
+              <a:rPr lang="pt-PT" sz="1600" dirty="0">
+                <a:latin typeface="Times New Roman" panose="02020603050405020304" pitchFamily="18" charset="0"/>
+                <a:cs typeface="Times New Roman" panose="02020603050405020304" pitchFamily="18" charset="0"/>
+              </a:rPr>
+              <a:t>Os cabos </a:t>
+            </a:r>
+            <a:r>
+              <a:rPr lang="pt-PT" sz="1600" dirty="0" smtClean="0">
+                <a:latin typeface="Times New Roman" panose="02020603050405020304" pitchFamily="18" charset="0"/>
+                <a:cs typeface="Times New Roman" panose="02020603050405020304" pitchFamily="18" charset="0"/>
+              </a:rPr>
+              <a:t>elétricos </a:t>
+            </a:r>
+            <a:r>
+              <a:rPr lang="pt-PT" sz="1600" dirty="0">
+                <a:latin typeface="Times New Roman" panose="02020603050405020304" pitchFamily="18" charset="0"/>
+                <a:cs typeface="Times New Roman" panose="02020603050405020304" pitchFamily="18" charset="0"/>
+              </a:rPr>
+              <a:t>mais utilizados em redes podem ser de dois tipos:</a:t>
+            </a:r>
+          </a:p>
+          <a:p>
+            <a:pPr algn="just"/>
+            <a:r>
+              <a:rPr lang="pt-PT" sz="1600" dirty="0">
+                <a:latin typeface="Times New Roman" panose="02020603050405020304" pitchFamily="18" charset="0"/>
+                <a:cs typeface="Times New Roman" panose="02020603050405020304" pitchFamily="18" charset="0"/>
+              </a:rPr>
+              <a:t>Cabos de pares trançados (twisted-pair cable)</a:t>
+            </a:r>
+          </a:p>
+          <a:p>
+            <a:pPr algn="just"/>
+            <a:r>
+              <a:rPr lang="pt-PT" sz="1600" dirty="0">
+                <a:latin typeface="Times New Roman" panose="02020603050405020304" pitchFamily="18" charset="0"/>
+                <a:cs typeface="Times New Roman" panose="02020603050405020304" pitchFamily="18" charset="0"/>
+              </a:rPr>
+              <a:t>Cabo coaxial (coaxial cable)</a:t>
+            </a:r>
+          </a:p>
+          <a:p>
+            <a:pPr algn="just"/>
+            <a:endParaRPr lang="pt-PT" sz="1600" dirty="0">
+              <a:latin typeface="Times New Roman" panose="02020603050405020304" pitchFamily="18" charset="0"/>
+              <a:cs typeface="Times New Roman" panose="02020603050405020304" pitchFamily="18" charset="0"/>
+            </a:endParaRPr>
+          </a:p>
+          <a:p>
+            <a:pPr algn="just"/>
+            <a:endParaRPr lang="pt-PT" sz="1600" dirty="0">
+              <a:latin typeface="Times New Roman" panose="02020603050405020304" pitchFamily="18" charset="0"/>
+              <a:cs typeface="Times New Roman" panose="02020603050405020304" pitchFamily="18" charset="0"/>
+            </a:endParaRPr>
+          </a:p>
+          <a:p>
+            <a:pPr algn="just"/>
+            <a:r>
+              <a:rPr lang="pt-PT" sz="1600" dirty="0">
+                <a:latin typeface="Times New Roman" panose="02020603050405020304" pitchFamily="18" charset="0"/>
+                <a:cs typeface="Times New Roman" panose="02020603050405020304" pitchFamily="18" charset="0"/>
+              </a:rPr>
+              <a:t>Cabos de pares trançados</a:t>
+            </a:r>
+          </a:p>
+          <a:p>
+            <a:pPr algn="just"/>
+            <a:r>
+              <a:rPr lang="pt-PT" sz="1600" dirty="0">
+                <a:latin typeface="Times New Roman" panose="02020603050405020304" pitchFamily="18" charset="0"/>
+                <a:cs typeface="Times New Roman" panose="02020603050405020304" pitchFamily="18" charset="0"/>
+              </a:rPr>
+              <a:t>Os cabos de pares trançados são constituídos por um ou vários pares de fios de cobre.</a:t>
+            </a:r>
+          </a:p>
+          <a:p>
+            <a:pPr algn="just"/>
+            <a:r>
+              <a:rPr lang="pt-PT" sz="1600" dirty="0">
+                <a:latin typeface="Times New Roman" panose="02020603050405020304" pitchFamily="18" charset="0"/>
+                <a:cs typeface="Times New Roman" panose="02020603050405020304" pitchFamily="18" charset="0"/>
+              </a:rPr>
+              <a:t>Os dois fios de cada par estão enrolados em torno um do outro, com o </a:t>
+            </a:r>
+            <a:r>
+              <a:rPr lang="pt-PT" sz="1600" dirty="0" smtClean="0">
+                <a:latin typeface="Times New Roman" panose="02020603050405020304" pitchFamily="18" charset="0"/>
+                <a:cs typeface="Times New Roman" panose="02020603050405020304" pitchFamily="18" charset="0"/>
+              </a:rPr>
+              <a:t>objetivo </a:t>
+            </a:r>
+            <a:r>
+              <a:rPr lang="pt-PT" sz="1600" dirty="0">
+                <a:latin typeface="Times New Roman" panose="02020603050405020304" pitchFamily="18" charset="0"/>
+                <a:cs typeface="Times New Roman" panose="02020603050405020304" pitchFamily="18" charset="0"/>
+              </a:rPr>
+              <a:t>de criar à sua volta um campo </a:t>
+            </a:r>
+            <a:r>
+              <a:rPr lang="pt-PT" sz="1600" dirty="0" smtClean="0">
+                <a:latin typeface="Times New Roman" panose="02020603050405020304" pitchFamily="18" charset="0"/>
+                <a:cs typeface="Times New Roman" panose="02020603050405020304" pitchFamily="18" charset="0"/>
+              </a:rPr>
+              <a:t>eletromagnético </a:t>
+            </a:r>
+            <a:r>
+              <a:rPr lang="pt-PT" sz="1600" dirty="0">
+                <a:latin typeface="Times New Roman" panose="02020603050405020304" pitchFamily="18" charset="0"/>
+                <a:cs typeface="Times New Roman" panose="02020603050405020304" pitchFamily="18" charset="0"/>
+              </a:rPr>
+              <a:t>que reduz a possibilidade de interferência de sinais externos.</a:t>
+            </a:r>
+          </a:p>
+          <a:p>
+            <a:pPr algn="just"/>
+            <a:r>
+              <a:rPr lang="pt-PT" sz="1600" dirty="0">
+                <a:latin typeface="Times New Roman" panose="02020603050405020304" pitchFamily="18" charset="0"/>
+                <a:cs typeface="Times New Roman" panose="02020603050405020304" pitchFamily="18" charset="0"/>
+              </a:rPr>
+              <a:t>São cabos de fácil instalação, de baixo custo e com boas características de transmissão.</a:t>
+            </a:r>
+          </a:p>
+          <a:p>
+            <a:endParaRPr lang="pt-PT" sz="1600" dirty="0"/>
           </a:p>
         </p:txBody>
       </p:sp>
     </p:spTree>
     <p:extLst>
       <p:ext uri="{BB962C8B-B14F-4D97-AF65-F5344CB8AC3E}">
-        <p14:creationId xmlns:p14="http://schemas.microsoft.com/office/powerpoint/2010/main" val="2961480623"/>
+        <p14:creationId xmlns:p14="http://schemas.microsoft.com/office/powerpoint/2010/main" val="4178364900"/>
       </p:ext>
     </p:extLst>
   </p:cSld>
   <p:clrMapOvr>
     <a:masterClrMapping/>
   </p:clrMapOvr>
+  <p:timing>
+    <p:tnLst>
+      <p:par>
+        <p:cTn id="1" dur="indefinite" restart="never" nodeType="tmRoot"/>
+      </p:par>
+    </p:tnLst>
+  </p:timing>
 </p:sld>
 </file>
 
@@ -9811,252 +9903,240 @@
             <p:ph type="title"/>
           </p:nvPr>
         </p:nvSpPr>
-        <p:spPr/>
-        <p:txBody>
-          <a:bodyPr/>
-          <a:lstStyle/>
-          <a:p>
-            <a:endParaRPr lang="pt-PT"/>
-          </a:p>
-        </p:txBody>
-      </p:sp>
-      <p:sp>
-        <p:nvSpPr>
-          <p:cNvPr id="3" name="Marcador de Posição de Conteúdo 2"/>
-          <p:cNvSpPr>
-            <a:spLocks noGrp="1"/>
-          </p:cNvSpPr>
-          <p:nvPr>
-            <p:ph idx="1"/>
-          </p:nvPr>
-        </p:nvSpPr>
         <p:spPr>
           <a:xfrm>
-            <a:off x="2589212" y="1423594"/>
-            <a:ext cx="8915400" cy="4052047"/>
+            <a:off x="2524667" y="0"/>
+            <a:ext cx="8911687" cy="1280890"/>
           </a:xfrm>
         </p:spPr>
         <p:txBody>
           <a:bodyPr>
-            <a:normAutofit fontScale="25000" lnSpcReduction="20000"/>
+            <a:normAutofit/>
           </a:bodyPr>
           <a:lstStyle/>
           <a:p>
             <a:r>
-              <a:rPr lang="pt-PT" sz="4300" dirty="0">
-                <a:latin typeface="Arial" panose="020B0604020202020204" pitchFamily="34" charset="0"/>
-                <a:cs typeface="Arial" panose="020B0604020202020204" pitchFamily="34" charset="0"/>
-              </a:rPr>
-              <a:t>Cabos STP–Par Trançado Blindado(cabo com blindagem)</a:t>
-            </a:r>
-          </a:p>
-          <a:p>
-            <a:r>
-              <a:rPr lang="pt-PT" sz="4300" dirty="0">
-                <a:latin typeface="Arial" panose="020B0604020202020204" pitchFamily="34" charset="0"/>
-                <a:cs typeface="Arial" panose="020B0604020202020204" pitchFamily="34" charset="0"/>
-              </a:rPr>
-              <a:t>Este tipo de cabo é semelhante ao UTP, constituído por quatro pares de fios entrelaçados, mas possui uma blindagem, pois é revestido por uma malha metálica.</a:t>
-            </a:r>
-          </a:p>
-          <a:p>
-            <a:r>
-              <a:rPr lang="pt-PT" sz="4300" dirty="0">
-                <a:latin typeface="Arial" panose="020B0604020202020204" pitchFamily="34" charset="0"/>
-                <a:cs typeface="Arial" panose="020B0604020202020204" pitchFamily="34" charset="0"/>
-              </a:rPr>
-              <a:t>É recomendado para ambientes com interferência </a:t>
-            </a:r>
-            <a:r>
-              <a:rPr lang="pt-PT" sz="4300" dirty="0" smtClean="0">
-                <a:latin typeface="Arial" panose="020B0604020202020204" pitchFamily="34" charset="0"/>
-                <a:cs typeface="Arial" panose="020B0604020202020204" pitchFamily="34" charset="0"/>
-              </a:rPr>
-              <a:t>eletromagnética </a:t>
-            </a:r>
-            <a:r>
-              <a:rPr lang="pt-PT" sz="4300" dirty="0">
-                <a:latin typeface="Arial" panose="020B0604020202020204" pitchFamily="34" charset="0"/>
-                <a:cs typeface="Arial" panose="020B0604020202020204" pitchFamily="34" charset="0"/>
-              </a:rPr>
-              <a:t>acentuada.</a:t>
-            </a:r>
-          </a:p>
-          <a:p>
-            <a:r>
-              <a:rPr lang="pt-PT" sz="4300" dirty="0">
-                <a:latin typeface="Arial" panose="020B0604020202020204" pitchFamily="34" charset="0"/>
-                <a:cs typeface="Arial" panose="020B0604020202020204" pitchFamily="34" charset="0"/>
-              </a:rPr>
-              <a:t>Possui um custo mais elevado do que o UTP, por ser blindado. Se o ambiente onde se pretende utilizar for húmido, com grande interferência </a:t>
-            </a:r>
-            <a:r>
-              <a:rPr lang="pt-PT" sz="4300" dirty="0" smtClean="0">
-                <a:latin typeface="Arial" panose="020B0604020202020204" pitchFamily="34" charset="0"/>
-                <a:cs typeface="Arial" panose="020B0604020202020204" pitchFamily="34" charset="0"/>
-              </a:rPr>
-              <a:t>eletromagnética, </a:t>
-            </a:r>
-            <a:r>
-              <a:rPr lang="pt-PT" sz="4300" dirty="0">
-                <a:latin typeface="Arial" panose="020B0604020202020204" pitchFamily="34" charset="0"/>
-                <a:cs typeface="Arial" panose="020B0604020202020204" pitchFamily="34" charset="0"/>
-              </a:rPr>
-              <a:t>com distâncias acima de 100 metros ou exposto diretamente ao sol é aconselhável o uso de cabos de fibra </a:t>
-            </a:r>
-            <a:r>
-              <a:rPr lang="pt-PT" sz="4300" dirty="0" smtClean="0">
-                <a:latin typeface="Arial" panose="020B0604020202020204" pitchFamily="34" charset="0"/>
-                <a:cs typeface="Arial" panose="020B0604020202020204" pitchFamily="34" charset="0"/>
-              </a:rPr>
-              <a:t>ótica.</a:t>
-            </a:r>
-            <a:endParaRPr lang="pt-PT" sz="4300" dirty="0">
-              <a:latin typeface="Arial" panose="020B0604020202020204" pitchFamily="34" charset="0"/>
-              <a:cs typeface="Arial" panose="020B0604020202020204" pitchFamily="34" charset="0"/>
+              <a:rPr lang="pt-PT" sz="5400" dirty="0" smtClean="0">
+                <a:latin typeface="Times New Roman" panose="02020603050405020304" pitchFamily="18" charset="0"/>
+                <a:cs typeface="Times New Roman" panose="02020603050405020304" pitchFamily="18" charset="0"/>
+              </a:rPr>
+              <a:t>Onde são utilizados</a:t>
+            </a:r>
+            <a:endParaRPr lang="pt-PT" sz="5400" dirty="0">
+              <a:latin typeface="Times New Roman" panose="02020603050405020304" pitchFamily="18" charset="0"/>
+              <a:cs typeface="Times New Roman" panose="02020603050405020304" pitchFamily="18" charset="0"/>
             </a:endParaRPr>
           </a:p>
-          <a:p>
-            <a:r>
-              <a:rPr lang="pt-PT" sz="4300" dirty="0">
-                <a:latin typeface="Arial" panose="020B0604020202020204" pitchFamily="34" charset="0"/>
-                <a:cs typeface="Arial" panose="020B0604020202020204" pitchFamily="34" charset="0"/>
-              </a:rPr>
-              <a:t>Os cabos </a:t>
-            </a:r>
-            <a:r>
-              <a:rPr lang="pt-PT" sz="4300" dirty="0" err="1" smtClean="0">
-                <a:latin typeface="Arial" panose="020B0604020202020204" pitchFamily="34" charset="0"/>
-                <a:cs typeface="Arial" panose="020B0604020202020204" pitchFamily="34" charset="0"/>
-              </a:rPr>
-              <a:t>UTPouSTP</a:t>
-            </a:r>
-            <a:r>
-              <a:rPr lang="pt-PT" sz="4300" dirty="0" smtClean="0">
-                <a:latin typeface="Arial" panose="020B0604020202020204" pitchFamily="34" charset="0"/>
-                <a:cs typeface="Arial" panose="020B0604020202020204" pitchFamily="34" charset="0"/>
-              </a:rPr>
-              <a:t> são muito </a:t>
-            </a:r>
-            <a:r>
-              <a:rPr lang="pt-PT" sz="4300" dirty="0">
-                <a:latin typeface="Arial" panose="020B0604020202020204" pitchFamily="34" charset="0"/>
-                <a:cs typeface="Arial" panose="020B0604020202020204" pitchFamily="34" charset="0"/>
-              </a:rPr>
-              <a:t>comuns e usados, </a:t>
-            </a:r>
-            <a:r>
-              <a:rPr lang="pt-PT" sz="4300" dirty="0" smtClean="0">
-                <a:latin typeface="Arial" panose="020B0604020202020204" pitchFamily="34" charset="0"/>
-                <a:cs typeface="Arial" panose="020B0604020202020204" pitchFamily="34" charset="0"/>
-              </a:rPr>
-              <a:t>normalmente, em </a:t>
-            </a:r>
-            <a:r>
-              <a:rPr lang="pt-PT" sz="4300" dirty="0">
-                <a:latin typeface="Arial" panose="020B0604020202020204" pitchFamily="34" charset="0"/>
-                <a:cs typeface="Arial" panose="020B0604020202020204" pitchFamily="34" charset="0"/>
-              </a:rPr>
-              <a:t>equipamentos para internet de banda larga como ADSLe Televisão por cabo, para ligar a placa de rede aos Hubs, </a:t>
-            </a:r>
-            <a:r>
-              <a:rPr lang="pt-PT" sz="4300" dirty="0" err="1">
-                <a:latin typeface="Arial" panose="020B0604020202020204" pitchFamily="34" charset="0"/>
-                <a:cs typeface="Arial" panose="020B0604020202020204" pitchFamily="34" charset="0"/>
-              </a:rPr>
-              <a:t>Switch</a:t>
-            </a:r>
-            <a:r>
-              <a:rPr lang="pt-PT" sz="4300" dirty="0">
-                <a:latin typeface="Arial" panose="020B0604020202020204" pitchFamily="34" charset="0"/>
-                <a:cs typeface="Arial" panose="020B0604020202020204" pitchFamily="34" charset="0"/>
-              </a:rPr>
-              <a:t> ou Roteador.</a:t>
-            </a:r>
-          </a:p>
-          <a:p>
-            <a:r>
-              <a:rPr lang="pt-PT" sz="4300" dirty="0">
-                <a:latin typeface="Arial" panose="020B0604020202020204" pitchFamily="34" charset="0"/>
-                <a:cs typeface="Arial" panose="020B0604020202020204" pitchFamily="34" charset="0"/>
-              </a:rPr>
-              <a:t>Atualmente os cabos UTP mais usados em redes locais de computadores são os da categoria 5, uma vez que são os mais fiáveis e os únicos que permitem taxas de transmissão de 100Mbps.</a:t>
-            </a:r>
-          </a:p>
-          <a:p>
-            <a:r>
-              <a:rPr lang="pt-PT" sz="4300" dirty="0">
-                <a:latin typeface="Arial" panose="020B0604020202020204" pitchFamily="34" charset="0"/>
-                <a:cs typeface="Arial" panose="020B0604020202020204" pitchFamily="34" charset="0"/>
-              </a:rPr>
-              <a:t>Existem 5 categorias de cabos UTP. </a:t>
-            </a:r>
-            <a:r>
-              <a:rPr lang="pt-PT" sz="4300" dirty="0" err="1">
-                <a:latin typeface="Arial" panose="020B0604020202020204" pitchFamily="34" charset="0"/>
-                <a:cs typeface="Arial" panose="020B0604020202020204" pitchFamily="34" charset="0"/>
-              </a:rPr>
-              <a:t>Oscabos</a:t>
-            </a:r>
-            <a:r>
-              <a:rPr lang="pt-PT" sz="4300" dirty="0">
-                <a:latin typeface="Arial" panose="020B0604020202020204" pitchFamily="34" charset="0"/>
-                <a:cs typeface="Arial" panose="020B0604020202020204" pitchFamily="34" charset="0"/>
-              </a:rPr>
-              <a:t> UTP utilizam conectores do tipo RJ-45 para ligação às placas de rede e outros elementos de ligação.</a:t>
-            </a:r>
-          </a:p>
-          <a:p>
-            <a:endParaRPr lang="pt-PT" sz="4300" dirty="0">
-              <a:latin typeface="Arial" panose="020B0604020202020204" pitchFamily="34" charset="0"/>
-              <a:cs typeface="Arial" panose="020B0604020202020204" pitchFamily="34" charset="0"/>
+        </p:txBody>
+      </p:sp>
+      <p:sp>
+        <p:nvSpPr>
+          <p:cNvPr id="3" name="Marcador de Posição de Conteúdo 2"/>
+          <p:cNvSpPr>
+            <a:spLocks noGrp="1"/>
+          </p:cNvSpPr>
+          <p:nvPr>
+            <p:ph idx="1"/>
+          </p:nvPr>
+        </p:nvSpPr>
+        <p:spPr>
+          <a:xfrm>
+            <a:off x="2417090" y="962809"/>
+            <a:ext cx="8915400" cy="5895191"/>
+          </a:xfrm>
+        </p:spPr>
+        <p:txBody>
+          <a:bodyPr>
+            <a:noAutofit/>
+          </a:bodyPr>
+          <a:lstStyle/>
+          <a:p>
+            <a:r>
+              <a:rPr lang="pt-PT" sz="1400" dirty="0">
+                <a:latin typeface="Times New Roman" panose="02020603050405020304" pitchFamily="18" charset="0"/>
+                <a:cs typeface="Times New Roman" panose="02020603050405020304" pitchFamily="18" charset="0"/>
+              </a:rPr>
+              <a:t>Nas linhas telefónicas, em redes locais e em redes alargadas (que utilizam as linhas telefónicas).Existem MAN e WAN com sistemas de transmissão próprios, independentes das linhas telefónicas.</a:t>
+            </a:r>
+          </a:p>
+          <a:p>
+            <a:r>
+              <a:rPr lang="pt-PT" sz="1400" dirty="0">
+                <a:latin typeface="Times New Roman" panose="02020603050405020304" pitchFamily="18" charset="0"/>
+                <a:cs typeface="Times New Roman" panose="02020603050405020304" pitchFamily="18" charset="0"/>
+              </a:rPr>
+              <a:t>Existem duas modalidades de cabos:</a:t>
+            </a:r>
+          </a:p>
+          <a:p>
+            <a:endParaRPr lang="pt-PT" sz="1400" dirty="0">
+              <a:latin typeface="Times New Roman" panose="02020603050405020304" pitchFamily="18" charset="0"/>
+              <a:cs typeface="Times New Roman" panose="02020603050405020304" pitchFamily="18" charset="0"/>
             </a:endParaRPr>
           </a:p>
           <a:p>
-            <a:endParaRPr lang="pt-PT" sz="4300" dirty="0">
-              <a:latin typeface="Arial" panose="020B0604020202020204" pitchFamily="34" charset="0"/>
-              <a:cs typeface="Arial" panose="020B0604020202020204" pitchFamily="34" charset="0"/>
-            </a:endParaRPr>
-          </a:p>
-          <a:p>
-            <a:r>
-              <a:rPr lang="pt-PT" sz="4300" dirty="0">
-                <a:latin typeface="Arial" panose="020B0604020202020204" pitchFamily="34" charset="0"/>
-                <a:cs typeface="Arial" panose="020B0604020202020204" pitchFamily="34" charset="0"/>
-              </a:rPr>
-              <a:t>Cabos coaxiais</a:t>
-            </a:r>
-          </a:p>
-          <a:p>
-            <a:r>
-              <a:rPr lang="pt-PT" sz="4300" dirty="0">
-                <a:latin typeface="Arial" panose="020B0604020202020204" pitchFamily="34" charset="0"/>
-                <a:cs typeface="Arial" panose="020B0604020202020204" pitchFamily="34" charset="0"/>
-              </a:rPr>
-              <a:t>Este tipo de cabo é constituído por diversas camadas concêntricas de condutores e isolantes, daí o nome coaxial.</a:t>
-            </a:r>
-          </a:p>
-          <a:p>
-            <a:r>
-              <a:rPr lang="pt-PT" sz="4300" dirty="0">
-                <a:latin typeface="Arial" panose="020B0604020202020204" pitchFamily="34" charset="0"/>
-                <a:cs typeface="Arial" panose="020B0604020202020204" pitchFamily="34" charset="0"/>
-              </a:rPr>
-              <a:t>No seu interior existe um fio de cobre, ouro, diamante e rubi condutor, revestido por um material isolante e rodeado por uma blindagem.</a:t>
-            </a:r>
-          </a:p>
-          <a:p>
-            <a:endParaRPr lang="pt-PT" dirty="0">
-              <a:latin typeface="Arial" panose="020B0604020202020204" pitchFamily="34" charset="0"/>
-              <a:cs typeface="Arial" panose="020B0604020202020204" pitchFamily="34" charset="0"/>
-            </a:endParaRPr>
+            <a:r>
+              <a:rPr lang="pt-PT" sz="1400" dirty="0">
+                <a:latin typeface="Times New Roman" panose="02020603050405020304" pitchFamily="18" charset="0"/>
+                <a:cs typeface="Times New Roman" panose="02020603050405020304" pitchFamily="18" charset="0"/>
+              </a:rPr>
+              <a:t>Cabos UTP–</a:t>
+            </a:r>
+            <a:r>
+              <a:rPr lang="pt-PT" sz="1400" dirty="0" err="1">
+                <a:latin typeface="Times New Roman" panose="02020603050405020304" pitchFamily="18" charset="0"/>
+                <a:cs typeface="Times New Roman" panose="02020603050405020304" pitchFamily="18" charset="0"/>
+              </a:rPr>
+              <a:t>Twisted</a:t>
+            </a:r>
+            <a:r>
+              <a:rPr lang="pt-PT" sz="1400" dirty="0">
+                <a:latin typeface="Times New Roman" panose="02020603050405020304" pitchFamily="18" charset="0"/>
+                <a:cs typeface="Times New Roman" panose="02020603050405020304" pitchFamily="18" charset="0"/>
+              </a:rPr>
+              <a:t> </a:t>
+            </a:r>
+            <a:r>
+              <a:rPr lang="pt-PT" sz="1400" dirty="0" err="1">
+                <a:latin typeface="Times New Roman" panose="02020603050405020304" pitchFamily="18" charset="0"/>
+                <a:cs typeface="Times New Roman" panose="02020603050405020304" pitchFamily="18" charset="0"/>
+              </a:rPr>
+              <a:t>Pair</a:t>
+            </a:r>
+            <a:r>
+              <a:rPr lang="pt-PT" sz="1400" dirty="0">
+                <a:latin typeface="Times New Roman" panose="02020603050405020304" pitchFamily="18" charset="0"/>
+                <a:cs typeface="Times New Roman" panose="02020603050405020304" pitchFamily="18" charset="0"/>
+              </a:rPr>
+              <a:t>– Par Trançado sem Blindagem.</a:t>
+            </a:r>
+          </a:p>
+          <a:p>
+            <a:r>
+              <a:rPr lang="pt-PT" sz="1400" dirty="0">
+                <a:latin typeface="Times New Roman" panose="02020603050405020304" pitchFamily="18" charset="0"/>
+                <a:cs typeface="Times New Roman" panose="02020603050405020304" pitchFamily="18" charset="0"/>
+              </a:rPr>
+              <a:t>Cabos STP- Par Trançado Blindado(cabo com blindagem). </a:t>
+            </a:r>
+          </a:p>
+          <a:p>
+            <a:r>
+              <a:rPr lang="pt-PT" sz="1400" dirty="0">
+                <a:latin typeface="Times New Roman" panose="02020603050405020304" pitchFamily="18" charset="0"/>
+                <a:cs typeface="Times New Roman" panose="02020603050405020304" pitchFamily="18" charset="0"/>
+              </a:rPr>
+              <a:t>Cabos UTP– </a:t>
+            </a:r>
+            <a:r>
+              <a:rPr lang="pt-PT" sz="1400" dirty="0" err="1">
+                <a:latin typeface="Times New Roman" panose="02020603050405020304" pitchFamily="18" charset="0"/>
+                <a:cs typeface="Times New Roman" panose="02020603050405020304" pitchFamily="18" charset="0"/>
+              </a:rPr>
+              <a:t>Twisted</a:t>
+            </a:r>
+            <a:r>
+              <a:rPr lang="pt-PT" sz="1400" dirty="0">
+                <a:latin typeface="Times New Roman" panose="02020603050405020304" pitchFamily="18" charset="0"/>
+                <a:cs typeface="Times New Roman" panose="02020603050405020304" pitchFamily="18" charset="0"/>
+              </a:rPr>
+              <a:t> </a:t>
+            </a:r>
+            <a:r>
+              <a:rPr lang="pt-PT" sz="1400" dirty="0" err="1">
+                <a:latin typeface="Times New Roman" panose="02020603050405020304" pitchFamily="18" charset="0"/>
+                <a:cs typeface="Times New Roman" panose="02020603050405020304" pitchFamily="18" charset="0"/>
+              </a:rPr>
+              <a:t>Pair</a:t>
+            </a:r>
+            <a:r>
+              <a:rPr lang="pt-PT" sz="1400" dirty="0">
+                <a:latin typeface="Times New Roman" panose="02020603050405020304" pitchFamily="18" charset="0"/>
+                <a:cs typeface="Times New Roman" panose="02020603050405020304" pitchFamily="18" charset="0"/>
+              </a:rPr>
+              <a:t> – Par Trançado sem Blindagem</a:t>
+            </a:r>
+          </a:p>
+          <a:p>
+            <a:r>
+              <a:rPr lang="pt-PT" sz="1400" dirty="0">
+                <a:latin typeface="Times New Roman" panose="02020603050405020304" pitchFamily="18" charset="0"/>
+                <a:cs typeface="Times New Roman" panose="02020603050405020304" pitchFamily="18" charset="0"/>
+              </a:rPr>
+              <a:t>Este tipo de cabo é constituído por quatro pares de fios entrelaçados e revestidos por uma capa de PVC (plástico).</a:t>
+            </a:r>
+          </a:p>
+          <a:p>
+            <a:r>
+              <a:rPr lang="pt-PT" sz="1400" dirty="0">
+                <a:latin typeface="Times New Roman" panose="02020603050405020304" pitchFamily="18" charset="0"/>
+                <a:cs typeface="Times New Roman" panose="02020603050405020304" pitchFamily="18" charset="0"/>
+              </a:rPr>
+              <a:t>Os cabos deste tipo são mais baratos que os blindados e é mais fácil de manusear e instalar.</a:t>
+            </a:r>
+          </a:p>
+          <a:p>
+            <a:r>
+              <a:rPr lang="pt-PT" sz="1400" dirty="0">
+                <a:latin typeface="Times New Roman" panose="02020603050405020304" pitchFamily="18" charset="0"/>
+                <a:cs typeface="Times New Roman" panose="02020603050405020304" pitchFamily="18" charset="0"/>
+              </a:rPr>
+              <a:t>Permite taxas de transmissão de até 100 Mbps com a utilização do cabo CAT 5e.</a:t>
+            </a:r>
+          </a:p>
+          <a:p>
+            <a:r>
+              <a:rPr lang="pt-PT" sz="1400" dirty="0">
+                <a:latin typeface="Times New Roman" panose="02020603050405020304" pitchFamily="18" charset="0"/>
+                <a:cs typeface="Times New Roman" panose="02020603050405020304" pitchFamily="18" charset="0"/>
+              </a:rPr>
+              <a:t>É o cabo mais usado em redes domésticas e em grandes redes industriais.</a:t>
+            </a:r>
+          </a:p>
+          <a:p>
+            <a:r>
+              <a:rPr lang="pt-PT" sz="1400" dirty="0">
+                <a:latin typeface="Times New Roman" panose="02020603050405020304" pitchFamily="18" charset="0"/>
+                <a:cs typeface="Times New Roman" panose="02020603050405020304" pitchFamily="18" charset="0"/>
+              </a:rPr>
+              <a:t>É o mais barato para distâncias até 100 metros; para distâncias maiores utilizam-se cabos de fibra </a:t>
+            </a:r>
+            <a:r>
+              <a:rPr lang="pt-PT" sz="1400" dirty="0" err="1">
+                <a:latin typeface="Times New Roman" panose="02020603050405020304" pitchFamily="18" charset="0"/>
+                <a:cs typeface="Times New Roman" panose="02020603050405020304" pitchFamily="18" charset="0"/>
+              </a:rPr>
+              <a:t>óptica</a:t>
+            </a:r>
+            <a:r>
+              <a:rPr lang="pt-PT" sz="1400" dirty="0">
+                <a:latin typeface="Times New Roman" panose="02020603050405020304" pitchFamily="18" charset="0"/>
+                <a:cs typeface="Times New Roman" panose="02020603050405020304" pitchFamily="18" charset="0"/>
+              </a:rPr>
+              <a:t>.</a:t>
+            </a:r>
+          </a:p>
+          <a:p>
+            <a:r>
+              <a:rPr lang="pt-PT" sz="1400" dirty="0">
+                <a:latin typeface="Times New Roman" panose="02020603050405020304" pitchFamily="18" charset="0"/>
+                <a:cs typeface="Times New Roman" panose="02020603050405020304" pitchFamily="18" charset="0"/>
+              </a:rPr>
+              <a:t>A falta de blindagem deste tipo de cabo faz com que não seja recomendada a sua instalação próximo a equipamentos que possam gerar campos magnéticos (fios de rede elétrica, motores, inversores de frequência) e também não podem ficar em ambientes com umidade.</a:t>
+            </a:r>
+          </a:p>
+          <a:p>
+            <a:endParaRPr lang="pt-PT" sz="1400" dirty="0"/>
+          </a:p>
+          <a:p>
+            <a:endParaRPr lang="pt-PT" sz="1400" dirty="0"/>
           </a:p>
         </p:txBody>
       </p:sp>
     </p:spTree>
     <p:extLst>
       <p:ext uri="{BB962C8B-B14F-4D97-AF65-F5344CB8AC3E}">
-        <p14:creationId xmlns:p14="http://schemas.microsoft.com/office/powerpoint/2010/main" val="468218382"/>
+        <p14:creationId xmlns:p14="http://schemas.microsoft.com/office/powerpoint/2010/main" val="2961480623"/>
       </p:ext>
     </p:extLst>
   </p:cSld>
@@ -10092,30 +10172,7 @@
       </p:grpSpPr>
       <p:sp>
         <p:nvSpPr>
-          <p:cNvPr id="2" name="Título 1"/>
-          <p:cNvSpPr>
-            <a:spLocks noGrp="1"/>
-          </p:cNvSpPr>
-          <p:nvPr>
-            <p:ph type="title"/>
-          </p:nvPr>
-        </p:nvSpPr>
-        <p:spPr/>
-        <p:txBody>
-          <a:bodyPr/>
-          <a:lstStyle/>
-          <a:p>
-            <a:r>
-              <a:rPr lang="pt-PT" dirty="0" smtClean="0"/>
-              <a:t>Onde são utilizados</a:t>
-            </a:r>
-            <a:endParaRPr lang="pt-PT" dirty="0"/>
-          </a:p>
-        </p:txBody>
-      </p:sp>
-      <p:sp>
-        <p:nvSpPr>
-          <p:cNvPr id="4" name="Marcador de Posição de Conteúdo 3"/>
+          <p:cNvPr id="3" name="Marcador de Posição de Conteúdo 2"/>
           <p:cNvSpPr>
             <a:spLocks noGrp="1"/>
           </p:cNvSpPr>
@@ -10125,8 +10182,8 @@
         </p:nvSpPr>
         <p:spPr>
           <a:xfrm>
-            <a:off x="2384817" y="1455868"/>
-            <a:ext cx="8915400" cy="4724400"/>
+            <a:off x="2191179" y="821166"/>
+            <a:ext cx="8915400" cy="4052047"/>
           </a:xfrm>
         </p:spPr>
         <p:txBody>
@@ -10137,129 +10194,211 @@
           <a:p>
             <a:r>
               <a:rPr lang="pt-PT" sz="1400" dirty="0">
-                <a:latin typeface="Arial" panose="020B0604020202020204" pitchFamily="34" charset="0"/>
-                <a:cs typeface="Arial" panose="020B0604020202020204" pitchFamily="34" charset="0"/>
-              </a:rPr>
-              <a:t>São do mesmo tipo dos que são usados em aparelhos de televisão (para ligação à antena) ou em aparelhos de vídeo;</a:t>
+                <a:latin typeface="Times New Roman" panose="02020603050405020304" pitchFamily="18" charset="0"/>
+                <a:cs typeface="Times New Roman" panose="02020603050405020304" pitchFamily="18" charset="0"/>
+              </a:rPr>
+              <a:t>Cabos STP–Par Trançado Blindado(cabo com blindagem)</a:t>
             </a:r>
           </a:p>
           <a:p>
             <a:r>
               <a:rPr lang="pt-PT" sz="1400" dirty="0">
-                <a:latin typeface="Arial" panose="020B0604020202020204" pitchFamily="34" charset="0"/>
-                <a:cs typeface="Arial" panose="020B0604020202020204" pitchFamily="34" charset="0"/>
-              </a:rPr>
-              <a:t>Em redes de computadores;</a:t>
+                <a:latin typeface="Times New Roman" panose="02020603050405020304" pitchFamily="18" charset="0"/>
+                <a:cs typeface="Times New Roman" panose="02020603050405020304" pitchFamily="18" charset="0"/>
+              </a:rPr>
+              <a:t>Este tipo de cabo é semelhante ao UTP, constituído por quatro pares de fios entrelaçados, mas possui uma blindagem, pois é revestido por uma malha metálica.</a:t>
             </a:r>
           </a:p>
           <a:p>
             <a:r>
               <a:rPr lang="pt-PT" sz="1400" dirty="0">
-                <a:latin typeface="Arial" panose="020B0604020202020204" pitchFamily="34" charset="0"/>
-                <a:cs typeface="Arial" panose="020B0604020202020204" pitchFamily="34" charset="0"/>
-              </a:rPr>
-              <a:t>Ligações de áudio;</a:t>
-            </a:r>
-          </a:p>
-          <a:p>
+                <a:latin typeface="Times New Roman" panose="02020603050405020304" pitchFamily="18" charset="0"/>
+                <a:cs typeface="Times New Roman" panose="02020603050405020304" pitchFamily="18" charset="0"/>
+              </a:rPr>
+              <a:t>É recomendado para ambientes com interferência </a:t>
+            </a:r>
+            <a:r>
+              <a:rPr lang="pt-PT" sz="1400" dirty="0" smtClean="0">
+                <a:latin typeface="Times New Roman" panose="02020603050405020304" pitchFamily="18" charset="0"/>
+                <a:cs typeface="Times New Roman" panose="02020603050405020304" pitchFamily="18" charset="0"/>
+              </a:rPr>
+              <a:t>eletromagnética </a:t>
+            </a:r>
             <a:r>
               <a:rPr lang="pt-PT" sz="1400" dirty="0">
-                <a:latin typeface="Arial" panose="020B0604020202020204" pitchFamily="34" charset="0"/>
-                <a:cs typeface="Arial" panose="020B0604020202020204" pitchFamily="34" charset="0"/>
-              </a:rPr>
-              <a:t>Ligações de sinais de radiofrequência para rádio e TV-(Transmissores/ </a:t>
+                <a:latin typeface="Times New Roman" panose="02020603050405020304" pitchFamily="18" charset="0"/>
+                <a:cs typeface="Times New Roman" panose="02020603050405020304" pitchFamily="18" charset="0"/>
+              </a:rPr>
+              <a:t>acentuada.</a:t>
+            </a:r>
+          </a:p>
+          <a:p>
+            <a:r>
+              <a:rPr lang="pt-PT" sz="1400" dirty="0">
+                <a:latin typeface="Times New Roman" panose="02020603050405020304" pitchFamily="18" charset="0"/>
+                <a:cs typeface="Times New Roman" panose="02020603050405020304" pitchFamily="18" charset="0"/>
+              </a:rPr>
+              <a:t>Possui um custo mais elevado do que o UTP, por ser blindado. Se o ambiente onde se pretende utilizar for húmido, com grande interferência </a:t>
+            </a:r>
+            <a:r>
+              <a:rPr lang="pt-PT" sz="1400" dirty="0" smtClean="0">
+                <a:latin typeface="Times New Roman" panose="02020603050405020304" pitchFamily="18" charset="0"/>
+                <a:cs typeface="Times New Roman" panose="02020603050405020304" pitchFamily="18" charset="0"/>
+              </a:rPr>
+              <a:t>eletromagnética, </a:t>
+            </a:r>
+            <a:r>
+              <a:rPr lang="pt-PT" sz="1400" dirty="0">
+                <a:latin typeface="Times New Roman" panose="02020603050405020304" pitchFamily="18" charset="0"/>
+                <a:cs typeface="Times New Roman" panose="02020603050405020304" pitchFamily="18" charset="0"/>
+              </a:rPr>
+              <a:t>com distâncias acima de 100 metros ou exposto diretamente ao sol é aconselhável o uso de cabos de fibra </a:t>
+            </a:r>
+            <a:r>
+              <a:rPr lang="pt-PT" sz="1400" dirty="0" smtClean="0">
+                <a:latin typeface="Times New Roman" panose="02020603050405020304" pitchFamily="18" charset="0"/>
+                <a:cs typeface="Times New Roman" panose="02020603050405020304" pitchFamily="18" charset="0"/>
+              </a:rPr>
+              <a:t>ótica.</a:t>
+            </a:r>
+            <a:endParaRPr lang="pt-PT" sz="1400" dirty="0">
+              <a:latin typeface="Times New Roman" panose="02020603050405020304" pitchFamily="18" charset="0"/>
+              <a:cs typeface="Times New Roman" panose="02020603050405020304" pitchFamily="18" charset="0"/>
+            </a:endParaRPr>
+          </a:p>
+          <a:p>
+            <a:r>
+              <a:rPr lang="pt-PT" sz="1400" dirty="0">
+                <a:latin typeface="Times New Roman" panose="02020603050405020304" pitchFamily="18" charset="0"/>
+                <a:cs typeface="Times New Roman" panose="02020603050405020304" pitchFamily="18" charset="0"/>
+              </a:rPr>
+              <a:t>Os cabos </a:t>
+            </a:r>
+            <a:r>
+              <a:rPr lang="pt-PT" sz="1400" dirty="0" err="1" smtClean="0">
+                <a:latin typeface="Times New Roman" panose="02020603050405020304" pitchFamily="18" charset="0"/>
+                <a:cs typeface="Times New Roman" panose="02020603050405020304" pitchFamily="18" charset="0"/>
+              </a:rPr>
+              <a:t>UTPouSTP</a:t>
+            </a:r>
+            <a:r>
+              <a:rPr lang="pt-PT" sz="1400" dirty="0" smtClean="0">
+                <a:latin typeface="Times New Roman" panose="02020603050405020304" pitchFamily="18" charset="0"/>
+                <a:cs typeface="Times New Roman" panose="02020603050405020304" pitchFamily="18" charset="0"/>
+              </a:rPr>
+              <a:t> são muito </a:t>
+            </a:r>
+            <a:r>
+              <a:rPr lang="pt-PT" sz="1400" dirty="0">
+                <a:latin typeface="Times New Roman" panose="02020603050405020304" pitchFamily="18" charset="0"/>
+                <a:cs typeface="Times New Roman" panose="02020603050405020304" pitchFamily="18" charset="0"/>
+              </a:rPr>
+              <a:t>comuns e usados, </a:t>
+            </a:r>
+            <a:r>
+              <a:rPr lang="pt-PT" sz="1400" dirty="0" smtClean="0">
+                <a:latin typeface="Times New Roman" panose="02020603050405020304" pitchFamily="18" charset="0"/>
+                <a:cs typeface="Times New Roman" panose="02020603050405020304" pitchFamily="18" charset="0"/>
+              </a:rPr>
+              <a:t>normalmente, em </a:t>
+            </a:r>
+            <a:r>
+              <a:rPr lang="pt-PT" sz="1400" dirty="0">
+                <a:latin typeface="Times New Roman" panose="02020603050405020304" pitchFamily="18" charset="0"/>
+                <a:cs typeface="Times New Roman" panose="02020603050405020304" pitchFamily="18" charset="0"/>
+              </a:rPr>
+              <a:t>equipamentos para internet de banda larga como ADSLe Televisão por cabo, para ligar a placa de rede aos Hubs, </a:t>
             </a:r>
             <a:r>
               <a:rPr lang="pt-PT" sz="1400" dirty="0" err="1">
-                <a:latin typeface="Arial" panose="020B0604020202020204" pitchFamily="34" charset="0"/>
-                <a:cs typeface="Arial" panose="020B0604020202020204" pitchFamily="34" charset="0"/>
-              </a:rPr>
-              <a:t>receptores</a:t>
+                <a:latin typeface="Times New Roman" panose="02020603050405020304" pitchFamily="18" charset="0"/>
+                <a:cs typeface="Times New Roman" panose="02020603050405020304" pitchFamily="18" charset="0"/>
+              </a:rPr>
+              <a:t>Switch</a:t>
             </a:r>
             <a:r>
               <a:rPr lang="pt-PT" sz="1400" dirty="0">
-                <a:latin typeface="Arial" panose="020B0604020202020204" pitchFamily="34" charset="0"/>
-                <a:cs typeface="Arial" panose="020B0604020202020204" pitchFamily="34" charset="0"/>
-              </a:rPr>
-              <a:t>);</a:t>
+                <a:latin typeface="Times New Roman" panose="02020603050405020304" pitchFamily="18" charset="0"/>
+                <a:cs typeface="Times New Roman" panose="02020603050405020304" pitchFamily="18" charset="0"/>
+              </a:rPr>
+              <a:t> ou Roteador.</a:t>
             </a:r>
           </a:p>
           <a:p>
             <a:r>
               <a:rPr lang="pt-PT" sz="1400" dirty="0">
-                <a:latin typeface="Arial" panose="020B0604020202020204" pitchFamily="34" charset="0"/>
-                <a:cs typeface="Arial" panose="020B0604020202020204" pitchFamily="34" charset="0"/>
-              </a:rPr>
-              <a:t>Ligações de radioamador;</a:t>
+                <a:latin typeface="Times New Roman" panose="02020603050405020304" pitchFamily="18" charset="0"/>
+                <a:cs typeface="Times New Roman" panose="02020603050405020304" pitchFamily="18" charset="0"/>
+              </a:rPr>
+              <a:t>Atualmente os cabos UTP mais usados em redes locais de computadores são os da categoria 5, uma vez que são os mais fiáveis e os únicos que permitem taxas de transmissão de 100Mbps.</a:t>
             </a:r>
           </a:p>
           <a:p>
             <a:r>
               <a:rPr lang="pt-PT" sz="1400" dirty="0">
-                <a:latin typeface="Arial" panose="020B0604020202020204" pitchFamily="34" charset="0"/>
-                <a:cs typeface="Arial" panose="020B0604020202020204" pitchFamily="34" charset="0"/>
-              </a:rPr>
-              <a:t>Ainda são utilizados em telecomunicações.</a:t>
-            </a:r>
-          </a:p>
-          <a:p>
+                <a:latin typeface="Times New Roman" panose="02020603050405020304" pitchFamily="18" charset="0"/>
+                <a:cs typeface="Times New Roman" panose="02020603050405020304" pitchFamily="18" charset="0"/>
+              </a:rPr>
+              <a:t>Existem 5 categorias de cabos UTP. </a:t>
+            </a:r>
+            <a:r>
+              <a:rPr lang="pt-PT" sz="1400" dirty="0" err="1">
+                <a:latin typeface="Times New Roman" panose="02020603050405020304" pitchFamily="18" charset="0"/>
+                <a:cs typeface="Times New Roman" panose="02020603050405020304" pitchFamily="18" charset="0"/>
+              </a:rPr>
+              <a:t>Oscabos</a:t>
+            </a:r>
             <a:r>
               <a:rPr lang="pt-PT" sz="1400" dirty="0">
-                <a:latin typeface="Arial" panose="020B0604020202020204" pitchFamily="34" charset="0"/>
-                <a:cs typeface="Arial" panose="020B0604020202020204" pitchFamily="34" charset="0"/>
-              </a:rPr>
-              <a:t>A velocidade máxima de transmissão é de 20 Mb/s. Foi utilizado até meados dos anos 90.</a:t>
+                <a:latin typeface="Times New Roman" panose="02020603050405020304" pitchFamily="18" charset="0"/>
+                <a:cs typeface="Times New Roman" panose="02020603050405020304" pitchFamily="18" charset="0"/>
+              </a:rPr>
+              <a:t> UTP utilizam conectores do tipo RJ-45 para ligação às placas de rede e outros elementos de ligação.</a:t>
             </a:r>
           </a:p>
           <a:p>
             <a:endParaRPr lang="pt-PT" sz="1400" dirty="0">
-              <a:latin typeface="Arial" panose="020B0604020202020204" pitchFamily="34" charset="0"/>
-              <a:cs typeface="Arial" panose="020B0604020202020204" pitchFamily="34" charset="0"/>
+              <a:latin typeface="Times New Roman" panose="02020603050405020304" pitchFamily="18" charset="0"/>
+              <a:cs typeface="Times New Roman" panose="02020603050405020304" pitchFamily="18" charset="0"/>
             </a:endParaRPr>
           </a:p>
           <a:p>
             <a:endParaRPr lang="pt-PT" sz="1400" dirty="0">
-              <a:latin typeface="Arial" panose="020B0604020202020204" pitchFamily="34" charset="0"/>
-              <a:cs typeface="Arial" panose="020B0604020202020204" pitchFamily="34" charset="0"/>
+              <a:latin typeface="Times New Roman" panose="02020603050405020304" pitchFamily="18" charset="0"/>
+              <a:cs typeface="Times New Roman" panose="02020603050405020304" pitchFamily="18" charset="0"/>
             </a:endParaRPr>
           </a:p>
           <a:p>
             <a:r>
               <a:rPr lang="pt-PT" sz="1400" dirty="0">
-                <a:latin typeface="Arial" panose="020B0604020202020204" pitchFamily="34" charset="0"/>
-                <a:cs typeface="Arial" panose="020B0604020202020204" pitchFamily="34" charset="0"/>
-              </a:rPr>
-              <a:t>Existem dois formatos principais de cabos coaxiais:</a:t>
+                <a:latin typeface="Times New Roman" panose="02020603050405020304" pitchFamily="18" charset="0"/>
+                <a:cs typeface="Times New Roman" panose="02020603050405020304" pitchFamily="18" charset="0"/>
+              </a:rPr>
+              <a:t>Cabos coaxiais</a:t>
+            </a:r>
+          </a:p>
+          <a:p>
+            <a:r>
+              <a:rPr lang="pt-PT" sz="1400" dirty="0">
+                <a:latin typeface="Times New Roman" panose="02020603050405020304" pitchFamily="18" charset="0"/>
+                <a:cs typeface="Times New Roman" panose="02020603050405020304" pitchFamily="18" charset="0"/>
+              </a:rPr>
+              <a:t>Este tipo de cabo é constituído por diversas camadas concêntricas de condutores e isolantes, daí o nome coaxial.</a:t>
+            </a:r>
+          </a:p>
+          <a:p>
+            <a:r>
+              <a:rPr lang="pt-PT" sz="1400" dirty="0">
+                <a:latin typeface="Times New Roman" panose="02020603050405020304" pitchFamily="18" charset="0"/>
+                <a:cs typeface="Times New Roman" panose="02020603050405020304" pitchFamily="18" charset="0"/>
+              </a:rPr>
+              <a:t>No seu interior existe um fio de cobre, ouro, diamante e rubi condutor, revestido por um material isolante e rodeado por uma blindagem.</a:t>
             </a:r>
           </a:p>
           <a:p>
             <a:endParaRPr lang="pt-PT" sz="1400" dirty="0">
-              <a:latin typeface="Arial" panose="020B0604020202020204" pitchFamily="34" charset="0"/>
-              <a:cs typeface="Arial" panose="020B0604020202020204" pitchFamily="34" charset="0"/>
-            </a:endParaRPr>
-          </a:p>
-          <a:p>
-            <a:r>
-              <a:rPr lang="pt-PT" sz="1400" dirty="0">
-                <a:latin typeface="Arial" panose="020B0604020202020204" pitchFamily="34" charset="0"/>
-                <a:cs typeface="Arial" panose="020B0604020202020204" pitchFamily="34" charset="0"/>
-              </a:rPr>
-              <a:t>Thin Ethernet (também designada por thinnet ou 10base2);</a:t>
-            </a:r>
-          </a:p>
-          <a:p>
-            <a:r>
-              <a:rPr lang="pt-PT" sz="1400" dirty="0">
-                <a:latin typeface="Arial" panose="020B0604020202020204" pitchFamily="34" charset="0"/>
-                <a:cs typeface="Arial" panose="020B0604020202020204" pitchFamily="34" charset="0"/>
-              </a:rPr>
-              <a:t>Thick Ethernet (também designado por thicknet ou 10base5).</a:t>
-            </a:r>
-          </a:p>
-          <a:p>
-            <a:endParaRPr lang="pt-PT" sz="1400" dirty="0">
-              <a:latin typeface="Arial" panose="020B0604020202020204" pitchFamily="34" charset="0"/>
-              <a:cs typeface="Arial" panose="020B0604020202020204" pitchFamily="34" charset="0"/>
+              <a:latin typeface="Times New Roman" panose="02020603050405020304" pitchFamily="18" charset="0"/>
+              <a:cs typeface="Times New Roman" panose="02020603050405020304" pitchFamily="18" charset="0"/>
             </a:endParaRPr>
           </a:p>
         </p:txBody>
@@ -10267,7 +10406,7 @@
     </p:spTree>
     <p:extLst>
       <p:ext uri="{BB962C8B-B14F-4D97-AF65-F5344CB8AC3E}">
-        <p14:creationId xmlns:p14="http://schemas.microsoft.com/office/powerpoint/2010/main" val="2407838535"/>
+        <p14:creationId xmlns:p14="http://schemas.microsoft.com/office/powerpoint/2010/main" val="468218382"/>
       </p:ext>
     </p:extLst>
   </p:cSld>
@@ -10303,236 +10442,159 @@
       </p:grpSpPr>
       <p:sp>
         <p:nvSpPr>
-          <p:cNvPr id="2" name="Título 1"/>
-          <p:cNvSpPr>
-            <a:spLocks noGrp="1"/>
-          </p:cNvSpPr>
-          <p:nvPr>
-            <p:ph type="title"/>
+          <p:cNvPr id="4" name="Marcador de Posição de Conteúdo 3"/>
+          <p:cNvSpPr>
+            <a:spLocks noGrp="1"/>
+          </p:cNvSpPr>
+          <p:nvPr>
+            <p:ph idx="1"/>
           </p:nvPr>
         </p:nvSpPr>
         <p:spPr>
           <a:xfrm>
-            <a:off x="2012012" y="0"/>
-            <a:ext cx="8911687" cy="1280890"/>
+            <a:off x="2255725" y="864198"/>
+            <a:ext cx="8915400" cy="4724400"/>
           </a:xfrm>
         </p:spPr>
         <p:txBody>
-          <a:bodyPr/>
-          <a:lstStyle/>
-          <a:p>
-            <a:endParaRPr lang="pt-PT" dirty="0"/>
-          </a:p>
-        </p:txBody>
-      </p:sp>
-      <p:sp>
-        <p:nvSpPr>
-          <p:cNvPr id="3" name="Marcador de Posição de Conteúdo 2"/>
-          <p:cNvSpPr>
-            <a:spLocks noGrp="1"/>
-          </p:cNvSpPr>
-          <p:nvPr>
-            <p:ph idx="1"/>
-          </p:nvPr>
-        </p:nvSpPr>
-        <p:spPr>
-          <a:xfrm>
-            <a:off x="1900723" y="433892"/>
-            <a:ext cx="8915400" cy="6020696"/>
-          </a:xfrm>
-        </p:spPr>
-        <p:txBody>
           <a:bodyPr>
-            <a:normAutofit fontScale="25000" lnSpcReduction="20000"/>
+            <a:noAutofit/>
           </a:bodyPr>
           <a:lstStyle/>
           <a:p>
-            <a:endParaRPr lang="pt-PT" dirty="0"/>
-          </a:p>
-          <a:p>
-            <a:r>
-              <a:rPr lang="pt-PT" sz="5600" dirty="0">
+            <a:r>
+              <a:rPr lang="pt-PT" sz="1400" dirty="0">
                 <a:latin typeface="Arial" panose="020B0604020202020204" pitchFamily="34" charset="0"/>
                 <a:cs typeface="Arial" panose="020B0604020202020204" pitchFamily="34" charset="0"/>
               </a:rPr>
-              <a:t>Thin Ethernet (thinnet ou 10base2)</a:t>
-            </a:r>
-          </a:p>
-          <a:p>
-            <a:endParaRPr lang="pt-PT" sz="5600" dirty="0">
+              <a:t>São do mesmo tipo dos que são usados em aparelhos de televisão (para ligação à antena) ou em aparelhos de vídeo;</a:t>
+            </a:r>
+          </a:p>
+          <a:p>
+            <a:r>
+              <a:rPr lang="pt-PT" sz="1400" dirty="0">
+                <a:latin typeface="Arial" panose="020B0604020202020204" pitchFamily="34" charset="0"/>
+                <a:cs typeface="Arial" panose="020B0604020202020204" pitchFamily="34" charset="0"/>
+              </a:rPr>
+              <a:t>Em redes de computadores;</a:t>
+            </a:r>
+          </a:p>
+          <a:p>
+            <a:r>
+              <a:rPr lang="pt-PT" sz="1400" dirty="0">
+                <a:latin typeface="Arial" panose="020B0604020202020204" pitchFamily="34" charset="0"/>
+                <a:cs typeface="Arial" panose="020B0604020202020204" pitchFamily="34" charset="0"/>
+              </a:rPr>
+              <a:t>Ligações de áudio;</a:t>
+            </a:r>
+          </a:p>
+          <a:p>
+            <a:r>
+              <a:rPr lang="pt-PT" sz="1400" dirty="0">
+                <a:latin typeface="Arial" panose="020B0604020202020204" pitchFamily="34" charset="0"/>
+                <a:cs typeface="Arial" panose="020B0604020202020204" pitchFamily="34" charset="0"/>
+              </a:rPr>
+              <a:t>Ligações de sinais de radiofrequência para rádio e TV-(Transmissores/ </a:t>
+            </a:r>
+            <a:r>
+              <a:rPr lang="pt-PT" sz="1400" dirty="0" err="1">
+                <a:latin typeface="Arial" panose="020B0604020202020204" pitchFamily="34" charset="0"/>
+                <a:cs typeface="Arial" panose="020B0604020202020204" pitchFamily="34" charset="0"/>
+              </a:rPr>
+              <a:t>receptores</a:t>
+            </a:r>
+            <a:r>
+              <a:rPr lang="pt-PT" sz="1400" dirty="0">
+                <a:latin typeface="Arial" panose="020B0604020202020204" pitchFamily="34" charset="0"/>
+                <a:cs typeface="Arial" panose="020B0604020202020204" pitchFamily="34" charset="0"/>
+              </a:rPr>
+              <a:t>);</a:t>
+            </a:r>
+          </a:p>
+          <a:p>
+            <a:r>
+              <a:rPr lang="pt-PT" sz="1400" dirty="0">
+                <a:latin typeface="Arial" panose="020B0604020202020204" pitchFamily="34" charset="0"/>
+                <a:cs typeface="Arial" panose="020B0604020202020204" pitchFamily="34" charset="0"/>
+              </a:rPr>
+              <a:t>Ligações de radioamador;</a:t>
+            </a:r>
+          </a:p>
+          <a:p>
+            <a:r>
+              <a:rPr lang="pt-PT" sz="1400" dirty="0">
+                <a:latin typeface="Arial" panose="020B0604020202020204" pitchFamily="34" charset="0"/>
+                <a:cs typeface="Arial" panose="020B0604020202020204" pitchFamily="34" charset="0"/>
+              </a:rPr>
+              <a:t>Ainda são utilizados em telecomunicações.</a:t>
+            </a:r>
+          </a:p>
+          <a:p>
+            <a:r>
+              <a:rPr lang="pt-PT" sz="1400" dirty="0">
+                <a:latin typeface="Arial" panose="020B0604020202020204" pitchFamily="34" charset="0"/>
+                <a:cs typeface="Arial" panose="020B0604020202020204" pitchFamily="34" charset="0"/>
+              </a:rPr>
+              <a:t>A velocidade máxima de transmissão é de 20 Mb/s. Foi utilizado até meados dos anos 90.</a:t>
+            </a:r>
+          </a:p>
+          <a:p>
+            <a:endParaRPr lang="pt-PT" sz="1400" dirty="0">
               <a:latin typeface="Arial" panose="020B0604020202020204" pitchFamily="34" charset="0"/>
               <a:cs typeface="Arial" panose="020B0604020202020204" pitchFamily="34" charset="0"/>
             </a:endParaRPr>
           </a:p>
           <a:p>
-            <a:r>
-              <a:rPr lang="pt-PT" sz="5600" dirty="0" smtClean="0">
-                <a:latin typeface="Arial" panose="020B0604020202020204" pitchFamily="34" charset="0"/>
-                <a:cs typeface="Arial" panose="020B0604020202020204" pitchFamily="34" charset="0"/>
-              </a:rPr>
-              <a:t>Cabo </a:t>
-            </a:r>
-            <a:r>
-              <a:rPr lang="pt-PT" sz="5600" dirty="0">
-                <a:latin typeface="Arial" panose="020B0604020202020204" pitchFamily="34" charset="0"/>
-                <a:cs typeface="Arial" panose="020B0604020202020204" pitchFamily="34" charset="0"/>
-              </a:rPr>
-              <a:t>coaxial fino.</a:t>
-            </a:r>
-          </a:p>
-          <a:p>
-            <a:r>
-              <a:rPr lang="pt-PT" sz="5600" dirty="0">
-                <a:latin typeface="Arial" panose="020B0604020202020204" pitchFamily="34" charset="0"/>
-                <a:cs typeface="Arial" panose="020B0604020202020204" pitchFamily="34" charset="0"/>
-              </a:rPr>
-              <a:t>Capacidade de transmissão de 10 Mbps.</a:t>
-            </a:r>
-          </a:p>
-          <a:p>
-            <a:r>
-              <a:rPr lang="pt-PT" sz="5600" dirty="0">
-                <a:latin typeface="Arial" panose="020B0604020202020204" pitchFamily="34" charset="0"/>
-                <a:cs typeface="Arial" panose="020B0604020202020204" pitchFamily="34" charset="0"/>
-              </a:rPr>
-              <a:t>Extensão máxima de segmento de rede de 185 metros.</a:t>
-            </a:r>
-          </a:p>
-          <a:p>
-            <a:r>
-              <a:rPr lang="pt-PT" sz="5600" dirty="0">
-                <a:latin typeface="Arial" panose="020B0604020202020204" pitchFamily="34" charset="0"/>
-                <a:cs typeface="Arial" panose="020B0604020202020204" pitchFamily="34" charset="0"/>
-              </a:rPr>
-              <a:t>As ligações às placas de rede dos computadores são feitas através de conectores BNC.</a:t>
-            </a:r>
-          </a:p>
-          <a:p>
-            <a:pPr marL="0" indent="0">
-              <a:buNone/>
-            </a:pPr>
-            <a:r>
-              <a:rPr lang="pt-PT" sz="5600" dirty="0" smtClean="0">
-                <a:latin typeface="Arial" panose="020B0604020202020204" pitchFamily="34" charset="0"/>
-                <a:cs typeface="Arial" panose="020B0604020202020204" pitchFamily="34" charset="0"/>
-              </a:rPr>
-              <a:t>Thick </a:t>
-            </a:r>
-            <a:r>
-              <a:rPr lang="pt-PT" sz="5600" dirty="0">
-                <a:latin typeface="Arial" panose="020B0604020202020204" pitchFamily="34" charset="0"/>
-                <a:cs typeface="Arial" panose="020B0604020202020204" pitchFamily="34" charset="0"/>
-              </a:rPr>
-              <a:t>Ethernet (thicknet ou 10base5)</a:t>
-            </a:r>
-          </a:p>
-          <a:p>
-            <a:endParaRPr lang="pt-PT" sz="5600" dirty="0" smtClean="0">
+            <a:endParaRPr lang="pt-PT" sz="1400" dirty="0">
               <a:latin typeface="Arial" panose="020B0604020202020204" pitchFamily="34" charset="0"/>
               <a:cs typeface="Arial" panose="020B0604020202020204" pitchFamily="34" charset="0"/>
             </a:endParaRPr>
           </a:p>
           <a:p>
             <a:r>
-              <a:rPr lang="pt-PT" sz="5600" dirty="0">
+              <a:rPr lang="pt-PT" sz="1400" dirty="0">
                 <a:latin typeface="Arial" panose="020B0604020202020204" pitchFamily="34" charset="0"/>
                 <a:cs typeface="Arial" panose="020B0604020202020204" pitchFamily="34" charset="0"/>
               </a:rPr>
-              <a:t>Cabo coaxial grosso.</a:t>
-            </a:r>
-          </a:p>
-          <a:p>
-            <a:r>
-              <a:rPr lang="pt-PT" sz="5600" dirty="0">
-                <a:latin typeface="Arial" panose="020B0604020202020204" pitchFamily="34" charset="0"/>
-                <a:cs typeface="Arial" panose="020B0604020202020204" pitchFamily="34" charset="0"/>
-              </a:rPr>
-              <a:t>Taxa de transmissão semelhante ao anterior, mas com uma extensão máxima de segmento de rede de cerca de 500 metros.</a:t>
-            </a:r>
-          </a:p>
-          <a:p>
-            <a:r>
-              <a:rPr lang="pt-PT" sz="5600" dirty="0">
-                <a:latin typeface="Arial" panose="020B0604020202020204" pitchFamily="34" charset="0"/>
-                <a:cs typeface="Arial" panose="020B0604020202020204" pitchFamily="34" charset="0"/>
-              </a:rPr>
-              <a:t>As ligações às placas dos computadores não são feitas </a:t>
-            </a:r>
-            <a:r>
-              <a:rPr lang="pt-PT" sz="5600" dirty="0" smtClean="0">
-                <a:latin typeface="Arial" panose="020B0604020202020204" pitchFamily="34" charset="0"/>
-                <a:cs typeface="Arial" panose="020B0604020202020204" pitchFamily="34" charset="0"/>
-              </a:rPr>
-              <a:t>diretamente, </a:t>
-            </a:r>
-            <a:r>
-              <a:rPr lang="pt-PT" sz="5600" dirty="0">
-                <a:latin typeface="Arial" panose="020B0604020202020204" pitchFamily="34" charset="0"/>
-                <a:cs typeface="Arial" panose="020B0604020202020204" pitchFamily="34" charset="0"/>
-              </a:rPr>
-              <a:t>mas através de dispositivos específicos, chamados transceivers (transmiter + receiver).</a:t>
-            </a:r>
-          </a:p>
-          <a:p>
-            <a:endParaRPr lang="pt-PT" sz="5600" dirty="0">
+              <a:t>Existem dois formatos principais de cabos coaxiais:</a:t>
+            </a:r>
+          </a:p>
+          <a:p>
+            <a:endParaRPr lang="pt-PT" sz="1400" dirty="0">
               <a:latin typeface="Arial" panose="020B0604020202020204" pitchFamily="34" charset="0"/>
               <a:cs typeface="Arial" panose="020B0604020202020204" pitchFamily="34" charset="0"/>
             </a:endParaRPr>
           </a:p>
           <a:p>
             <a:r>
-              <a:rPr lang="pt-PT" sz="5600" dirty="0">
+              <a:rPr lang="pt-PT" sz="1400" dirty="0">
                 <a:latin typeface="Arial" panose="020B0604020202020204" pitchFamily="34" charset="0"/>
                 <a:cs typeface="Arial" panose="020B0604020202020204" pitchFamily="34" charset="0"/>
               </a:rPr>
-              <a:t>Características dos cabos coaxiais</a:t>
-            </a:r>
-          </a:p>
-          <a:p>
-            <a:endParaRPr lang="pt-PT" sz="5600" dirty="0">
+              <a:t>Thin Ethernet (também designada por thinnet ou 10base2);</a:t>
+            </a:r>
+          </a:p>
+          <a:p>
+            <a:r>
+              <a:rPr lang="pt-PT" sz="1400" dirty="0">
+                <a:latin typeface="Arial" panose="020B0604020202020204" pitchFamily="34" charset="0"/>
+                <a:cs typeface="Arial" panose="020B0604020202020204" pitchFamily="34" charset="0"/>
+              </a:rPr>
+              <a:t>Thick Ethernet (também designado por thicknet ou 10base5).</a:t>
+            </a:r>
+          </a:p>
+          <a:p>
+            <a:endParaRPr lang="pt-PT" sz="1400" dirty="0">
               <a:latin typeface="Arial" panose="020B0604020202020204" pitchFamily="34" charset="0"/>
               <a:cs typeface="Arial" panose="020B0604020202020204" pitchFamily="34" charset="0"/>
             </a:endParaRPr>
           </a:p>
-          <a:p>
-            <a:r>
-              <a:rPr lang="pt-PT" sz="5600" dirty="0">
-                <a:latin typeface="Arial" panose="020B0604020202020204" pitchFamily="34" charset="0"/>
-                <a:cs typeface="Arial" panose="020B0604020202020204" pitchFamily="34" charset="0"/>
-              </a:rPr>
-              <a:t>Grande resistência a interferências.</a:t>
-            </a:r>
-          </a:p>
-          <a:p>
-            <a:r>
-              <a:rPr lang="pt-PT" sz="5600" dirty="0">
-                <a:latin typeface="Arial" panose="020B0604020202020204" pitchFamily="34" charset="0"/>
-                <a:cs typeface="Arial" panose="020B0604020202020204" pitchFamily="34" charset="0"/>
-              </a:rPr>
-              <a:t>Taxas de transmissão razoáveis.</a:t>
-            </a:r>
-          </a:p>
-          <a:p>
-            <a:r>
-              <a:rPr lang="pt-PT" sz="5600" dirty="0"/>
-              <a:t>Alguma flexibilidade em termos de conexões.</a:t>
-            </a:r>
-          </a:p>
-          <a:p>
-            <a:r>
-              <a:rPr lang="pt-PT" sz="5600" dirty="0"/>
-              <a:t>Foram durante algum tempo foram bastante utilizados em redes locais.</a:t>
-            </a:r>
-          </a:p>
-          <a:p>
-            <a:endParaRPr lang="pt-PT" sz="5600" dirty="0"/>
-          </a:p>
         </p:txBody>
       </p:sp>
     </p:spTree>
     <p:extLst>
       <p:ext uri="{BB962C8B-B14F-4D97-AF65-F5344CB8AC3E}">
-        <p14:creationId xmlns:p14="http://schemas.microsoft.com/office/powerpoint/2010/main" val="1453660591"/>
+        <p14:creationId xmlns:p14="http://schemas.microsoft.com/office/powerpoint/2010/main" val="2407838535"/>
       </p:ext>
     </p:extLst>
   </p:cSld>
@@ -10568,29 +10630,6 @@
       </p:grpSpPr>
       <p:sp>
         <p:nvSpPr>
-          <p:cNvPr id="2" name="Título 1"/>
-          <p:cNvSpPr>
-            <a:spLocks noGrp="1"/>
-          </p:cNvSpPr>
-          <p:nvPr>
-            <p:ph type="title"/>
-          </p:nvPr>
-        </p:nvSpPr>
-        <p:spPr/>
-        <p:txBody>
-          <a:bodyPr/>
-          <a:lstStyle/>
-          <a:p>
-            <a:r>
-              <a:rPr lang="pt-PT" dirty="0" smtClean="0"/>
-              <a:t>categorias</a:t>
-            </a:r>
-            <a:endParaRPr lang="pt-PT" dirty="0"/>
-          </a:p>
-        </p:txBody>
-      </p:sp>
-      <p:sp>
-        <p:nvSpPr>
           <p:cNvPr id="3" name="Marcador de Posição de Conteúdo 2"/>
           <p:cNvSpPr>
             <a:spLocks noGrp="1"/>
@@ -10601,50 +10640,211 @@
         </p:nvSpPr>
         <p:spPr>
           <a:xfrm>
-            <a:off x="2589212" y="1606476"/>
-            <a:ext cx="8915400" cy="3777622"/>
+            <a:off x="1900723" y="433892"/>
+            <a:ext cx="8915400" cy="6020696"/>
           </a:xfrm>
         </p:spPr>
         <p:txBody>
-          <a:bodyPr/>
+          <a:bodyPr>
+            <a:normAutofit fontScale="25000" lnSpcReduction="20000"/>
+          </a:bodyPr>
           <a:lstStyle/>
           <a:p>
-            <a:r>
-              <a:rPr lang="pt-PT" dirty="0"/>
-              <a:t>Existem cabos de cat 1 até cat 7. Como os cabos cat 5 são suficientes tanto para redes de 100 quanto de 1000 megabits, eles são os mais comuns e mais baratos; geralmente custam em torno de 1 real o metro. Os cabos cat5e (os mais comuns atualmente) seguem um padrão um pouco mais estrito, por isso dê preferência a eles na hora de comprar.</a:t>
-            </a:r>
-          </a:p>
-          <a:p>
             <a:endParaRPr lang="pt-PT" dirty="0"/>
           </a:p>
           <a:p>
             <a:r>
-              <a:rPr lang="pt-PT" dirty="0"/>
-              <a:t>Em todas as categorias, a distância máxima permitida é de 100 metros. O que muda é a </a:t>
-            </a:r>
-            <a:r>
-              <a:rPr lang="pt-PT" dirty="0" smtClean="0"/>
-              <a:t>frequência </a:t>
-            </a:r>
-            <a:r>
-              <a:rPr lang="pt-PT" dirty="0"/>
-              <a:t>(e, </a:t>
-            </a:r>
-            <a:r>
-              <a:rPr lang="pt-PT" dirty="0" smtClean="0"/>
-              <a:t>consequentemente, </a:t>
-            </a:r>
-            <a:r>
-              <a:rPr lang="pt-PT" dirty="0"/>
-              <a:t>a taxa máxima de transferência de dados suportada pelo cabo) e o nível de imunidade a interferências externas. Esta é uma descrição de todas as categorias de cabos de par trançado existentes:</a:t>
-            </a:r>
+              <a:rPr lang="pt-PT" sz="5600" dirty="0">
+                <a:latin typeface="Times New Roman" panose="02020603050405020304" pitchFamily="18" charset="0"/>
+                <a:cs typeface="Times New Roman" panose="02020603050405020304" pitchFamily="18" charset="0"/>
+              </a:rPr>
+              <a:t>Thin Ethernet (thinnet ou 10base2)</a:t>
+            </a:r>
+          </a:p>
+          <a:p>
+            <a:endParaRPr lang="pt-PT" sz="5600" dirty="0">
+              <a:latin typeface="Times New Roman" panose="02020603050405020304" pitchFamily="18" charset="0"/>
+              <a:cs typeface="Times New Roman" panose="02020603050405020304" pitchFamily="18" charset="0"/>
+            </a:endParaRPr>
+          </a:p>
+          <a:p>
+            <a:r>
+              <a:rPr lang="pt-PT" sz="5600" dirty="0" smtClean="0">
+                <a:latin typeface="Times New Roman" panose="02020603050405020304" pitchFamily="18" charset="0"/>
+                <a:cs typeface="Times New Roman" panose="02020603050405020304" pitchFamily="18" charset="0"/>
+              </a:rPr>
+              <a:t>Cabo </a:t>
+            </a:r>
+            <a:r>
+              <a:rPr lang="pt-PT" sz="5600" dirty="0">
+                <a:latin typeface="Times New Roman" panose="02020603050405020304" pitchFamily="18" charset="0"/>
+                <a:cs typeface="Times New Roman" panose="02020603050405020304" pitchFamily="18" charset="0"/>
+              </a:rPr>
+              <a:t>coaxial fino.</a:t>
+            </a:r>
+          </a:p>
+          <a:p>
+            <a:r>
+              <a:rPr lang="pt-PT" sz="5600" dirty="0">
+                <a:latin typeface="Times New Roman" panose="02020603050405020304" pitchFamily="18" charset="0"/>
+                <a:cs typeface="Times New Roman" panose="02020603050405020304" pitchFamily="18" charset="0"/>
+              </a:rPr>
+              <a:t>Capacidade de transmissão de 10 Mbps.</a:t>
+            </a:r>
+          </a:p>
+          <a:p>
+            <a:r>
+              <a:rPr lang="pt-PT" sz="5600" dirty="0">
+                <a:latin typeface="Times New Roman" panose="02020603050405020304" pitchFamily="18" charset="0"/>
+                <a:cs typeface="Times New Roman" panose="02020603050405020304" pitchFamily="18" charset="0"/>
+              </a:rPr>
+              <a:t>Extensão máxima de segmento de rede de 185 metros.</a:t>
+            </a:r>
+          </a:p>
+          <a:p>
+            <a:r>
+              <a:rPr lang="pt-PT" sz="5600" dirty="0">
+                <a:latin typeface="Times New Roman" panose="02020603050405020304" pitchFamily="18" charset="0"/>
+                <a:cs typeface="Times New Roman" panose="02020603050405020304" pitchFamily="18" charset="0"/>
+              </a:rPr>
+              <a:t>As ligações às placas de rede dos computadores são feitas através de conectores BNC.</a:t>
+            </a:r>
+          </a:p>
+          <a:p>
+            <a:pPr marL="0" indent="0">
+              <a:buNone/>
+            </a:pPr>
+            <a:r>
+              <a:rPr lang="pt-PT" sz="5600" dirty="0" smtClean="0">
+                <a:latin typeface="Times New Roman" panose="02020603050405020304" pitchFamily="18" charset="0"/>
+                <a:cs typeface="Times New Roman" panose="02020603050405020304" pitchFamily="18" charset="0"/>
+              </a:rPr>
+              <a:t>Thick </a:t>
+            </a:r>
+            <a:r>
+              <a:rPr lang="pt-PT" sz="5600" dirty="0">
+                <a:latin typeface="Times New Roman" panose="02020603050405020304" pitchFamily="18" charset="0"/>
+                <a:cs typeface="Times New Roman" panose="02020603050405020304" pitchFamily="18" charset="0"/>
+              </a:rPr>
+              <a:t>Ethernet (thicknet ou 10base5)</a:t>
+            </a:r>
+          </a:p>
+          <a:p>
+            <a:endParaRPr lang="pt-PT" sz="5600" dirty="0" smtClean="0">
+              <a:latin typeface="Times New Roman" panose="02020603050405020304" pitchFamily="18" charset="0"/>
+              <a:cs typeface="Times New Roman" panose="02020603050405020304" pitchFamily="18" charset="0"/>
+            </a:endParaRPr>
+          </a:p>
+          <a:p>
+            <a:r>
+              <a:rPr lang="pt-PT" sz="5600" dirty="0">
+                <a:latin typeface="Times New Roman" panose="02020603050405020304" pitchFamily="18" charset="0"/>
+                <a:cs typeface="Times New Roman" panose="02020603050405020304" pitchFamily="18" charset="0"/>
+              </a:rPr>
+              <a:t>Cabo coaxial grosso.</a:t>
+            </a:r>
+          </a:p>
+          <a:p>
+            <a:r>
+              <a:rPr lang="pt-PT" sz="5600" dirty="0">
+                <a:latin typeface="Times New Roman" panose="02020603050405020304" pitchFamily="18" charset="0"/>
+                <a:cs typeface="Times New Roman" panose="02020603050405020304" pitchFamily="18" charset="0"/>
+              </a:rPr>
+              <a:t>Taxa de transmissão semelhante ao anterior, mas com uma extensão máxima de segmento de rede de cerca de 500 metros.</a:t>
+            </a:r>
+          </a:p>
+          <a:p>
+            <a:r>
+              <a:rPr lang="pt-PT" sz="5600" dirty="0">
+                <a:latin typeface="Times New Roman" panose="02020603050405020304" pitchFamily="18" charset="0"/>
+                <a:cs typeface="Times New Roman" panose="02020603050405020304" pitchFamily="18" charset="0"/>
+              </a:rPr>
+              <a:t>As ligações às placas dos computadores não são feitas </a:t>
+            </a:r>
+            <a:r>
+              <a:rPr lang="pt-PT" sz="5600" dirty="0" smtClean="0">
+                <a:latin typeface="Times New Roman" panose="02020603050405020304" pitchFamily="18" charset="0"/>
+                <a:cs typeface="Times New Roman" panose="02020603050405020304" pitchFamily="18" charset="0"/>
+              </a:rPr>
+              <a:t>diretamente, </a:t>
+            </a:r>
+            <a:r>
+              <a:rPr lang="pt-PT" sz="5600" dirty="0">
+                <a:latin typeface="Times New Roman" panose="02020603050405020304" pitchFamily="18" charset="0"/>
+                <a:cs typeface="Times New Roman" panose="02020603050405020304" pitchFamily="18" charset="0"/>
+              </a:rPr>
+              <a:t>mas através de dispositivos específicos, chamados transceivers (transmiter + receiver).</a:t>
+            </a:r>
+          </a:p>
+          <a:p>
+            <a:endParaRPr lang="pt-PT" sz="5600" dirty="0">
+              <a:latin typeface="Times New Roman" panose="02020603050405020304" pitchFamily="18" charset="0"/>
+              <a:cs typeface="Times New Roman" panose="02020603050405020304" pitchFamily="18" charset="0"/>
+            </a:endParaRPr>
+          </a:p>
+          <a:p>
+            <a:r>
+              <a:rPr lang="pt-PT" sz="5600" dirty="0">
+                <a:latin typeface="Times New Roman" panose="02020603050405020304" pitchFamily="18" charset="0"/>
+                <a:cs typeface="Times New Roman" panose="02020603050405020304" pitchFamily="18" charset="0"/>
+              </a:rPr>
+              <a:t>Características dos cabos coaxiais</a:t>
+            </a:r>
+          </a:p>
+          <a:p>
+            <a:endParaRPr lang="pt-PT" sz="5600" dirty="0">
+              <a:latin typeface="Times New Roman" panose="02020603050405020304" pitchFamily="18" charset="0"/>
+              <a:cs typeface="Times New Roman" panose="02020603050405020304" pitchFamily="18" charset="0"/>
+            </a:endParaRPr>
+          </a:p>
+          <a:p>
+            <a:r>
+              <a:rPr lang="pt-PT" sz="5600" dirty="0">
+                <a:latin typeface="Times New Roman" panose="02020603050405020304" pitchFamily="18" charset="0"/>
+                <a:cs typeface="Times New Roman" panose="02020603050405020304" pitchFamily="18" charset="0"/>
+              </a:rPr>
+              <a:t>Grande resistência a interferências.</a:t>
+            </a:r>
+          </a:p>
+          <a:p>
+            <a:r>
+              <a:rPr lang="pt-PT" sz="5600" dirty="0">
+                <a:latin typeface="Times New Roman" panose="02020603050405020304" pitchFamily="18" charset="0"/>
+                <a:cs typeface="Times New Roman" panose="02020603050405020304" pitchFamily="18" charset="0"/>
+              </a:rPr>
+              <a:t>Taxas de transmissão razoáveis.</a:t>
+            </a:r>
+          </a:p>
+          <a:p>
+            <a:r>
+              <a:rPr lang="pt-PT" sz="5600" dirty="0">
+                <a:latin typeface="Times New Roman" panose="02020603050405020304" pitchFamily="18" charset="0"/>
+                <a:cs typeface="Times New Roman" panose="02020603050405020304" pitchFamily="18" charset="0"/>
+              </a:rPr>
+              <a:t>Alguma flexibilidade em termos de conexões.</a:t>
+            </a:r>
+          </a:p>
+          <a:p>
+            <a:r>
+              <a:rPr lang="pt-PT" sz="5600" dirty="0">
+                <a:latin typeface="Times New Roman" panose="02020603050405020304" pitchFamily="18" charset="0"/>
+                <a:cs typeface="Times New Roman" panose="02020603050405020304" pitchFamily="18" charset="0"/>
+              </a:rPr>
+              <a:t>Foram durante algum tempo foram bastante utilizados em redes locais.</a:t>
+            </a:r>
+          </a:p>
+          <a:p>
+            <a:endParaRPr lang="pt-PT" sz="5600" dirty="0">
+              <a:latin typeface="Times New Roman" panose="02020603050405020304" pitchFamily="18" charset="0"/>
+              <a:cs typeface="Times New Roman" panose="02020603050405020304" pitchFamily="18" charset="0"/>
+            </a:endParaRPr>
           </a:p>
         </p:txBody>
       </p:sp>
     </p:spTree>
     <p:extLst>
       <p:ext uri="{BB962C8B-B14F-4D97-AF65-F5344CB8AC3E}">
-        <p14:creationId xmlns:p14="http://schemas.microsoft.com/office/powerpoint/2010/main" val="1804753760"/>
+        <p14:creationId xmlns:p14="http://schemas.microsoft.com/office/powerpoint/2010/main" val="1453660591"/>
       </p:ext>
     </p:extLst>
   </p:cSld>
